--- a/Презентация.pptx
+++ b/Презентация.pptx
@@ -5,18 +5,19 @@
     <p:sldMasterId id="2147483648" r:id="rId1"/>
   </p:sldMasterIdLst>
   <p:notesMasterIdLst>
-    <p:notesMasterId r:id="rId11"/>
+    <p:notesMasterId r:id="rId12"/>
   </p:notesMasterIdLst>
   <p:sldIdLst>
     <p:sldId id="262" r:id="rId2"/>
     <p:sldId id="258" r:id="rId3"/>
     <p:sldId id="2790" r:id="rId4"/>
-    <p:sldId id="2796" r:id="rId5"/>
-    <p:sldId id="2791" r:id="rId6"/>
-    <p:sldId id="2792" r:id="rId7"/>
-    <p:sldId id="2793" r:id="rId8"/>
-    <p:sldId id="2795" r:id="rId9"/>
-    <p:sldId id="2789" r:id="rId10"/>
+    <p:sldId id="2797" r:id="rId5"/>
+    <p:sldId id="2796" r:id="rId6"/>
+    <p:sldId id="2791" r:id="rId7"/>
+    <p:sldId id="2792" r:id="rId8"/>
+    <p:sldId id="2793" r:id="rId9"/>
+    <p:sldId id="2795" r:id="rId10"/>
+    <p:sldId id="2789" r:id="rId11"/>
   </p:sldIdLst>
   <p:sldSz cx="12192000" cy="6858000"/>
   <p:notesSz cx="6858000" cy="9144000"/>
@@ -205,7 +206,7 @@
           <a:p>
             <a:fld id="{118E0483-793B-4401-865A-8307974159DB}" type="datetimeFigureOut">
               <a:rPr lang="ru-RU" smtClean="0"/>
-              <a:t>07.10.2022</a:t>
+              <a:t>11.03.2023</a:t>
             </a:fld>
             <a:endParaRPr lang="ru-RU"/>
           </a:p>
@@ -619,7 +620,7 @@
           <a:p>
             <a:fld id="{85FFCB9A-AB07-414D-B5B4-770EA6F63619}" type="datetimeFigureOut">
               <a:rPr lang="ru-RU" smtClean="0"/>
-              <a:t>07.10.2022</a:t>
+              <a:t>11.03.2023</a:t>
             </a:fld>
             <a:endParaRPr lang="ru-RU"/>
           </a:p>
@@ -817,7 +818,7 @@
           <a:p>
             <a:fld id="{85FFCB9A-AB07-414D-B5B4-770EA6F63619}" type="datetimeFigureOut">
               <a:rPr lang="ru-RU" smtClean="0"/>
-              <a:t>07.10.2022</a:t>
+              <a:t>11.03.2023</a:t>
             </a:fld>
             <a:endParaRPr lang="ru-RU"/>
           </a:p>
@@ -1025,7 +1026,7 @@
           <a:p>
             <a:fld id="{85FFCB9A-AB07-414D-B5B4-770EA6F63619}" type="datetimeFigureOut">
               <a:rPr lang="ru-RU" smtClean="0"/>
-              <a:t>07.10.2022</a:t>
+              <a:t>11.03.2023</a:t>
             </a:fld>
             <a:endParaRPr lang="ru-RU"/>
           </a:p>
@@ -1223,7 +1224,7 @@
           <a:p>
             <a:fld id="{85FFCB9A-AB07-414D-B5B4-770EA6F63619}" type="datetimeFigureOut">
               <a:rPr lang="ru-RU" smtClean="0"/>
-              <a:t>07.10.2022</a:t>
+              <a:t>11.03.2023</a:t>
             </a:fld>
             <a:endParaRPr lang="ru-RU"/>
           </a:p>
@@ -1498,7 +1499,7 @@
           <a:p>
             <a:fld id="{85FFCB9A-AB07-414D-B5B4-770EA6F63619}" type="datetimeFigureOut">
               <a:rPr lang="ru-RU" smtClean="0"/>
-              <a:t>07.10.2022</a:t>
+              <a:t>11.03.2023</a:t>
             </a:fld>
             <a:endParaRPr lang="ru-RU"/>
           </a:p>
@@ -1763,7 +1764,7 @@
           <a:p>
             <a:fld id="{85FFCB9A-AB07-414D-B5B4-770EA6F63619}" type="datetimeFigureOut">
               <a:rPr lang="ru-RU" smtClean="0"/>
-              <a:t>07.10.2022</a:t>
+              <a:t>11.03.2023</a:t>
             </a:fld>
             <a:endParaRPr lang="ru-RU"/>
           </a:p>
@@ -2175,7 +2176,7 @@
           <a:p>
             <a:fld id="{85FFCB9A-AB07-414D-B5B4-770EA6F63619}" type="datetimeFigureOut">
               <a:rPr lang="ru-RU" smtClean="0"/>
-              <a:t>07.10.2022</a:t>
+              <a:t>11.03.2023</a:t>
             </a:fld>
             <a:endParaRPr lang="ru-RU"/>
           </a:p>
@@ -2316,7 +2317,7 @@
           <a:p>
             <a:fld id="{85FFCB9A-AB07-414D-B5B4-770EA6F63619}" type="datetimeFigureOut">
               <a:rPr lang="ru-RU" smtClean="0"/>
-              <a:t>07.10.2022</a:t>
+              <a:t>11.03.2023</a:t>
             </a:fld>
             <a:endParaRPr lang="ru-RU"/>
           </a:p>
@@ -2429,7 +2430,7 @@
           <a:p>
             <a:fld id="{85FFCB9A-AB07-414D-B5B4-770EA6F63619}" type="datetimeFigureOut">
               <a:rPr lang="ru-RU" smtClean="0"/>
-              <a:t>07.10.2022</a:t>
+              <a:t>11.03.2023</a:t>
             </a:fld>
             <a:endParaRPr lang="ru-RU"/>
           </a:p>
@@ -2740,7 +2741,7 @@
           <a:p>
             <a:fld id="{85FFCB9A-AB07-414D-B5B4-770EA6F63619}" type="datetimeFigureOut">
               <a:rPr lang="ru-RU" smtClean="0"/>
-              <a:t>07.10.2022</a:t>
+              <a:t>11.03.2023</a:t>
             </a:fld>
             <a:endParaRPr lang="ru-RU"/>
           </a:p>
@@ -3028,7 +3029,7 @@
           <a:p>
             <a:fld id="{85FFCB9A-AB07-414D-B5B4-770EA6F63619}" type="datetimeFigureOut">
               <a:rPr lang="ru-RU" smtClean="0"/>
-              <a:t>07.10.2022</a:t>
+              <a:t>11.03.2023</a:t>
             </a:fld>
             <a:endParaRPr lang="ru-RU"/>
           </a:p>
@@ -3269,7 +3270,7 @@
           <a:p>
             <a:fld id="{85FFCB9A-AB07-414D-B5B4-770EA6F63619}" type="datetimeFigureOut">
               <a:rPr lang="ru-RU" smtClean="0"/>
-              <a:t>07.10.2022</a:t>
+              <a:t>11.03.2023</a:t>
             </a:fld>
             <a:endParaRPr lang="ru-RU"/>
           </a:p>
@@ -3726,8 +3727,8 @@
         </p:nvSpPr>
         <p:spPr>
           <a:xfrm>
-            <a:off x="647536" y="2088677"/>
-            <a:ext cx="8165538" cy="1699552"/>
+            <a:off x="647535" y="2088677"/>
+            <a:ext cx="10702769" cy="1610868"/>
           </a:xfrm>
           <a:prstGeom prst="rect">
             <a:avLst/>
@@ -3757,20 +3758,20 @@
             </a:lvl1pPr>
           </a:lstStyle>
           <a:p>
-            <a:pPr>
+            <a:pPr algn="ctr">
               <a:lnSpc>
                 <a:spcPct val="100000"/>
               </a:lnSpc>
             </a:pPr>
             <a:r>
-              <a:rPr lang="ru-RU" altLang="ru-RU" sz="4800" b="1" cap="all" dirty="0">
+              <a:rPr lang="ru-RU" altLang="ru-RU" sz="3200" b="1" cap="all" dirty="0">
                 <a:solidFill>
                   <a:schemeClr val="bg1"/>
                 </a:solidFill>
                 <a:latin typeface="Arial" panose="020B0604020202020204" pitchFamily="34" charset="0"/>
                 <a:cs typeface="Arial" panose="020B0604020202020204" pitchFamily="34" charset="0"/>
               </a:rPr>
-              <a:t>Название темы</a:t>
+              <a:t>технологии распознавания объектов на изображении и автоматического перевода текстов</a:t>
             </a:r>
           </a:p>
         </p:txBody>
@@ -3824,8 +3825,8 @@
         </p:nvSpPr>
         <p:spPr>
           <a:xfrm>
-            <a:off x="647535" y="4559631"/>
-            <a:ext cx="11169995" cy="2031325"/>
+            <a:off x="647535" y="3995678"/>
+            <a:ext cx="11169995" cy="2862322"/>
           </a:xfrm>
           <a:prstGeom prst="rect">
             <a:avLst/>
@@ -3897,10 +3898,8 @@
               </a:rPr>
               <a:t>Слушатель:</a:t>
             </a:r>
-          </a:p>
-          <a:p>
-            <a:r>
-              <a:rPr lang="ru-RU" dirty="0">
+            <a:r>
+              <a:rPr lang="en-US" dirty="0">
                 <a:solidFill>
                   <a:schemeClr val="bg1"/>
                 </a:solidFill>
@@ -3908,12 +3907,10 @@
                 <a:ea typeface="Tahoma" panose="020B0604030504040204" pitchFamily="34" charset="0"/>
                 <a:cs typeface="Arial" panose="020B0604020202020204" pitchFamily="34" charset="0"/>
               </a:rPr>
-              <a:t>Группа:</a:t>
-            </a:r>
-          </a:p>
-          <a:p>
-            <a:r>
-              <a:rPr lang="ru-RU" dirty="0">
+              <a:t>	</a:t>
+            </a:r>
+            <a:r>
+              <a:rPr lang="ru-RU" dirty="0" err="1">
                 <a:solidFill>
                   <a:schemeClr val="bg1"/>
                 </a:solidFill>
@@ -3921,7 +3918,187 @@
                 <a:ea typeface="Tahoma" panose="020B0604030504040204" pitchFamily="34" charset="0"/>
                 <a:cs typeface="Arial" panose="020B0604020202020204" pitchFamily="34" charset="0"/>
               </a:rPr>
+              <a:t>Аухадеев</a:t>
+            </a:r>
+            <a:r>
+              <a:rPr lang="ru-RU" dirty="0">
+                <a:solidFill>
+                  <a:schemeClr val="bg1"/>
+                </a:solidFill>
+                <a:latin typeface="Arial" panose="020B0604020202020204" pitchFamily="34" charset="0"/>
+                <a:ea typeface="Tahoma" panose="020B0604030504040204" pitchFamily="34" charset="0"/>
+                <a:cs typeface="Arial" panose="020B0604020202020204" pitchFamily="34" charset="0"/>
+              </a:rPr>
+              <a:t> </a:t>
+            </a:r>
+            <a:r>
+              <a:rPr lang="ru-RU" dirty="0" err="1">
+                <a:solidFill>
+                  <a:schemeClr val="bg1"/>
+                </a:solidFill>
+                <a:latin typeface="Arial" panose="020B0604020202020204" pitchFamily="34" charset="0"/>
+                <a:ea typeface="Tahoma" panose="020B0604030504040204" pitchFamily="34" charset="0"/>
+                <a:cs typeface="Arial" panose="020B0604020202020204" pitchFamily="34" charset="0"/>
+              </a:rPr>
+              <a:t>Авер</a:t>
+            </a:r>
+            <a:r>
+              <a:rPr lang="ru-RU" dirty="0">
+                <a:solidFill>
+                  <a:schemeClr val="bg1"/>
+                </a:solidFill>
+                <a:latin typeface="Arial" panose="020B0604020202020204" pitchFamily="34" charset="0"/>
+                <a:ea typeface="Tahoma" panose="020B0604030504040204" pitchFamily="34" charset="0"/>
+                <a:cs typeface="Arial" panose="020B0604020202020204" pitchFamily="34" charset="0"/>
+              </a:rPr>
+              <a:t> </a:t>
+            </a:r>
+            <a:r>
+              <a:rPr lang="ru-RU" dirty="0" err="1">
+                <a:solidFill>
+                  <a:schemeClr val="bg1"/>
+                </a:solidFill>
+                <a:latin typeface="Arial" panose="020B0604020202020204" pitchFamily="34" charset="0"/>
+                <a:ea typeface="Tahoma" panose="020B0604030504040204" pitchFamily="34" charset="0"/>
+                <a:cs typeface="Arial" panose="020B0604020202020204" pitchFamily="34" charset="0"/>
+              </a:rPr>
+              <a:t>Эрикович</a:t>
+            </a:r>
+            <a:endParaRPr lang="ru-RU" dirty="0">
+              <a:solidFill>
+                <a:schemeClr val="bg1"/>
+              </a:solidFill>
+              <a:latin typeface="Arial" panose="020B0604020202020204" pitchFamily="34" charset="0"/>
+              <a:ea typeface="Tahoma" panose="020B0604030504040204" pitchFamily="34" charset="0"/>
+              <a:cs typeface="Arial" panose="020B0604020202020204" pitchFamily="34" charset="0"/>
+            </a:endParaRPr>
+          </a:p>
+          <a:p>
+            <a:pPr lvl="4"/>
+            <a:r>
+              <a:rPr lang="ru-RU" dirty="0">
+                <a:solidFill>
+                  <a:schemeClr val="bg1"/>
+                </a:solidFill>
+                <a:latin typeface="Arial" panose="020B0604020202020204" pitchFamily="34" charset="0"/>
+                <a:ea typeface="Tahoma" panose="020B0604030504040204" pitchFamily="34" charset="0"/>
+                <a:cs typeface="Arial" panose="020B0604020202020204" pitchFamily="34" charset="0"/>
+              </a:rPr>
+              <a:t>Хамитов Ренат </a:t>
+            </a:r>
+            <a:r>
+              <a:rPr lang="ru-RU" dirty="0" err="1">
+                <a:solidFill>
+                  <a:schemeClr val="bg1"/>
+                </a:solidFill>
+                <a:latin typeface="Arial" panose="020B0604020202020204" pitchFamily="34" charset="0"/>
+                <a:ea typeface="Tahoma" panose="020B0604030504040204" pitchFamily="34" charset="0"/>
+                <a:cs typeface="Arial" panose="020B0604020202020204" pitchFamily="34" charset="0"/>
+              </a:rPr>
+              <a:t>Минзашарифович</a:t>
+            </a:r>
+            <a:endParaRPr lang="ru-RU" dirty="0">
+              <a:solidFill>
+                <a:schemeClr val="bg1"/>
+              </a:solidFill>
+              <a:latin typeface="Arial" panose="020B0604020202020204" pitchFamily="34" charset="0"/>
+              <a:ea typeface="Tahoma" panose="020B0604030504040204" pitchFamily="34" charset="0"/>
+              <a:cs typeface="Arial" panose="020B0604020202020204" pitchFamily="34" charset="0"/>
+            </a:endParaRPr>
+          </a:p>
+          <a:p>
+            <a:pPr lvl="4"/>
+            <a:r>
+              <a:rPr lang="ru-RU" dirty="0">
+                <a:solidFill>
+                  <a:schemeClr val="bg1"/>
+                </a:solidFill>
+                <a:latin typeface="Arial" panose="020B0604020202020204" pitchFamily="34" charset="0"/>
+                <a:ea typeface="Tahoma" panose="020B0604030504040204" pitchFamily="34" charset="0"/>
+                <a:cs typeface="Arial" panose="020B0604020202020204" pitchFamily="34" charset="0"/>
+              </a:rPr>
+              <a:t>Исмагилов Ильдар Рашидович</a:t>
+            </a:r>
+          </a:p>
+          <a:p>
+            <a:pPr lvl="4"/>
+            <a:r>
+              <a:rPr lang="ru-RU" dirty="0">
+                <a:solidFill>
+                  <a:schemeClr val="bg1"/>
+                </a:solidFill>
+                <a:latin typeface="Arial" panose="020B0604020202020204" pitchFamily="34" charset="0"/>
+                <a:ea typeface="Tahoma" panose="020B0604030504040204" pitchFamily="34" charset="0"/>
+                <a:cs typeface="Arial" panose="020B0604020202020204" pitchFamily="34" charset="0"/>
+              </a:rPr>
+              <a:t>Сафиуллин Булат </a:t>
+            </a:r>
+            <a:r>
+              <a:rPr lang="ru-RU" dirty="0" err="1">
+                <a:solidFill>
+                  <a:schemeClr val="bg1"/>
+                </a:solidFill>
+                <a:latin typeface="Arial" panose="020B0604020202020204" pitchFamily="34" charset="0"/>
+                <a:ea typeface="Tahoma" panose="020B0604030504040204" pitchFamily="34" charset="0"/>
+                <a:cs typeface="Arial" panose="020B0604020202020204" pitchFamily="34" charset="0"/>
+              </a:rPr>
+              <a:t>Ирекович</a:t>
+            </a:r>
+            <a:endParaRPr lang="ru-RU" dirty="0">
+              <a:solidFill>
+                <a:schemeClr val="bg1"/>
+              </a:solidFill>
+              <a:latin typeface="Arial" panose="020B0604020202020204" pitchFamily="34" charset="0"/>
+              <a:ea typeface="Tahoma" panose="020B0604030504040204" pitchFamily="34" charset="0"/>
+              <a:cs typeface="Arial" panose="020B0604020202020204" pitchFamily="34" charset="0"/>
+            </a:endParaRPr>
+          </a:p>
+          <a:p>
+            <a:r>
+              <a:rPr lang="ru-RU" dirty="0">
+                <a:solidFill>
+                  <a:schemeClr val="bg1"/>
+                </a:solidFill>
+                <a:latin typeface="Arial" panose="020B0604020202020204" pitchFamily="34" charset="0"/>
+                <a:ea typeface="Tahoma" panose="020B0604030504040204" pitchFamily="34" charset="0"/>
+                <a:cs typeface="Arial" panose="020B0604020202020204" pitchFamily="34" charset="0"/>
+              </a:rPr>
+              <a:t>Группа:</a:t>
+            </a:r>
+          </a:p>
+          <a:p>
+            <a:r>
+              <a:rPr lang="ru-RU" dirty="0">
+                <a:solidFill>
+                  <a:schemeClr val="bg1"/>
+                </a:solidFill>
+                <a:latin typeface="Arial" panose="020B0604020202020204" pitchFamily="34" charset="0"/>
+                <a:ea typeface="Tahoma" panose="020B0604030504040204" pitchFamily="34" charset="0"/>
+                <a:cs typeface="Arial" panose="020B0604020202020204" pitchFamily="34" charset="0"/>
+              </a:rPr>
               <a:t>Руководитель:</a:t>
+            </a:r>
+            <a:r>
+              <a:rPr lang="en-US" dirty="0">
+                <a:solidFill>
+                  <a:schemeClr val="bg1"/>
+                </a:solidFill>
+                <a:latin typeface="Arial" panose="020B0604020202020204" pitchFamily="34" charset="0"/>
+                <a:ea typeface="Tahoma" panose="020B0604030504040204" pitchFamily="34" charset="0"/>
+                <a:cs typeface="Arial" panose="020B0604020202020204" pitchFamily="34" charset="0"/>
+              </a:rPr>
+              <a:t> 	</a:t>
+            </a:r>
+            <a:r>
+              <a:rPr lang="ru-RU" dirty="0">
+                <a:solidFill>
+                  <a:schemeClr val="bg1"/>
+                </a:solidFill>
+                <a:latin typeface="Arial" panose="020B0604020202020204" pitchFamily="34" charset="0"/>
+                <a:ea typeface="Tahoma" panose="020B0604030504040204" pitchFamily="34" charset="0"/>
+                <a:cs typeface="Arial" panose="020B0604020202020204" pitchFamily="34" charset="0"/>
+              </a:rPr>
+              <a:t>Созыкин Андрей Владимирович</a:t>
             </a:r>
           </a:p>
         </p:txBody>
@@ -3939,7 +4116,7 @@
 </p:sld>
 </file>
 
-<file path=ppt/slides/slide2.xml><?xml version="1.0" encoding="utf-8"?>
+<file path=ppt/slides/slide10.xml><?xml version="1.0" encoding="utf-8"?>
 <p:sld xmlns:a="http://schemas.openxmlformats.org/drawingml/2006/main" xmlns:r="http://schemas.openxmlformats.org/officeDocument/2006/relationships" xmlns:p="http://schemas.openxmlformats.org/presentationml/2006/main">
   <p:cSld>
     <p:spTree>
@@ -3956,6 +4133,41 @@
           <a:chExt cx="0" cy="0"/>
         </a:xfrm>
       </p:grpSpPr>
+      <p:pic>
+        <p:nvPicPr>
+          <p:cNvPr id="4" name="Объект 1">
+            <a:extLst>
+              <a:ext uri="{FF2B5EF4-FFF2-40B4-BE49-F238E27FC236}">
+                <a16:creationId xmlns:a16="http://schemas.microsoft.com/office/drawing/2014/main" id="{8AB42B9F-7AFB-41F5-9763-43F12B58E25A}"/>
+              </a:ext>
+            </a:extLst>
+          </p:cNvPr>
+          <p:cNvPicPr>
+            <a:picLocks noChangeAspect="1"/>
+          </p:cNvPicPr>
+          <p:nvPr/>
+        </p:nvPicPr>
+        <p:blipFill rotWithShape="1">
+          <a:blip r:embed="rId2" cstate="screen">
+            <a:extLst>
+              <a:ext uri="{28A0092B-C50C-407E-A947-70E740481C1C}">
+                <a14:useLocalDpi xmlns:a14="http://schemas.microsoft.com/office/drawing/2010/main"/>
+              </a:ext>
+            </a:extLst>
+          </a:blip>
+          <a:srcRect r="38701" b="-6182"/>
+          <a:stretch/>
+        </p:blipFill>
+        <p:spPr>
+          <a:xfrm>
+            <a:off x="603100" y="319558"/>
+            <a:ext cx="1379812" cy="461277"/>
+          </a:xfrm>
+          <a:prstGeom prst="rect">
+            <a:avLst/>
+          </a:prstGeom>
+        </p:spPr>
+      </p:pic>
       <p:sp>
         <p:nvSpPr>
           <p:cNvPr id="5" name="Прямоугольник 4">
@@ -4028,6 +4240,227 @@
         </p:nvSpPr>
         <p:spPr>
           <a:xfrm>
+            <a:off x="925620" y="3175961"/>
+            <a:ext cx="10865327" cy="645992"/>
+          </a:xfrm>
+          <a:prstGeom prst="rect">
+            <a:avLst/>
+          </a:prstGeom>
+        </p:spPr>
+        <p:txBody>
+          <a:bodyPr vert="horz" lIns="91440" tIns="45720" rIns="91440" bIns="45720" rtlCol="0" anchor="ctr">
+            <a:noAutofit/>
+          </a:bodyPr>
+          <a:lstStyle>
+            <a:lvl1pPr algn="l" defTabSz="914400" rtl="0" eaLnBrk="1" latinLnBrk="0" hangingPunct="1">
+              <a:lnSpc>
+                <a:spcPct val="90000"/>
+              </a:lnSpc>
+              <a:spcBef>
+                <a:spcPct val="0"/>
+              </a:spcBef>
+              <a:buNone/>
+              <a:defRPr sz="4400" kern="1200">
+                <a:solidFill>
+                  <a:schemeClr val="tx1"/>
+                </a:solidFill>
+                <a:latin typeface="+mj-lt"/>
+                <a:ea typeface="+mj-ea"/>
+                <a:cs typeface="+mj-cs"/>
+              </a:defRPr>
+            </a:lvl1pPr>
+          </a:lstStyle>
+          <a:p>
+            <a:pPr algn="ctr" defTabSz="914400">
+              <a:spcAft>
+                <a:spcPts val="0"/>
+              </a:spcAft>
+            </a:pPr>
+            <a:r>
+              <a:rPr lang="ru-RU" sz="2400" b="1" cap="all" dirty="0">
+                <a:solidFill>
+                  <a:srgbClr val="C00000"/>
+                </a:solidFill>
+                <a:latin typeface="Verdana" panose="020B0604030504040204" pitchFamily="34" charset="0"/>
+                <a:ea typeface="Verdana" panose="020B0604030504040204" pitchFamily="34" charset="0"/>
+                <a:cs typeface="Arial" panose="020B0604020202020204" pitchFamily="34" charset="0"/>
+              </a:rPr>
+              <a:t>СПАСИБО ЗА ВНИМАНИЕ!</a:t>
+            </a:r>
+          </a:p>
+        </p:txBody>
+      </p:sp>
+      <p:sp>
+        <p:nvSpPr>
+          <p:cNvPr id="9" name="TextBox 8">
+            <a:extLst>
+              <a:ext uri="{FF2B5EF4-FFF2-40B4-BE49-F238E27FC236}">
+                <a16:creationId xmlns:a16="http://schemas.microsoft.com/office/drawing/2014/main" id="{4F46AA37-D9E8-497C-80E1-BA0A4BC4ADD3}"/>
+              </a:ext>
+            </a:extLst>
+          </p:cNvPr>
+          <p:cNvSpPr txBox="1"/>
+          <p:nvPr/>
+        </p:nvSpPr>
+        <p:spPr>
+          <a:xfrm>
+            <a:off x="743344" y="5122227"/>
+            <a:ext cx="5095754" cy="707886"/>
+          </a:xfrm>
+          <a:prstGeom prst="rect">
+            <a:avLst/>
+          </a:prstGeom>
+          <a:noFill/>
+        </p:spPr>
+        <p:txBody>
+          <a:bodyPr wrap="square" rtlCol="0">
+            <a:spAutoFit/>
+          </a:bodyPr>
+          <a:lstStyle/>
+          <a:p>
+            <a:r>
+              <a:rPr lang="ru-RU" sz="2000" b="1" dirty="0">
+                <a:latin typeface="Arial" panose="020B0604020202020204" pitchFamily="34" charset="0"/>
+                <a:ea typeface="+mj-ea"/>
+                <a:cs typeface="Arial" panose="020B0604020202020204" pitchFamily="34" charset="0"/>
+              </a:rPr>
+              <a:t>Контакты: </a:t>
+            </a:r>
+            <a:r>
+              <a:rPr lang="en-US" sz="2000" b="1" dirty="0">
+                <a:latin typeface="Arial" panose="020B0604020202020204" pitchFamily="34" charset="0"/>
+                <a:ea typeface="+mj-ea"/>
+                <a:cs typeface="Arial" panose="020B0604020202020204" pitchFamily="34" charset="0"/>
+                <a:hlinkClick r:id="rId3"/>
+              </a:rPr>
+              <a:t>hamitov@gmail</a:t>
+            </a:r>
+            <a:r>
+              <a:rPr lang="en-US" sz="2000" b="1">
+                <a:latin typeface="Arial" panose="020B0604020202020204" pitchFamily="34" charset="0"/>
+                <a:ea typeface="+mj-ea"/>
+                <a:cs typeface="Arial" panose="020B0604020202020204" pitchFamily="34" charset="0"/>
+                <a:hlinkClick r:id="rId3"/>
+              </a:rPr>
+              <a:t>.com</a:t>
+            </a:r>
+            <a:endParaRPr lang="ru-RU" sz="2000" b="1" dirty="0">
+              <a:latin typeface="Arial" panose="020B0604020202020204" pitchFamily="34" charset="0"/>
+              <a:ea typeface="+mj-ea"/>
+              <a:cs typeface="Arial" panose="020B0604020202020204" pitchFamily="34" charset="0"/>
+            </a:endParaRPr>
+          </a:p>
+          <a:p>
+            <a:endParaRPr lang="ru-RU" sz="2000" dirty="0">
+              <a:latin typeface="Arial" panose="020B0604020202020204" pitchFamily="34" charset="0"/>
+              <a:ea typeface="+mj-ea"/>
+              <a:cs typeface="Arial" panose="020B0604020202020204" pitchFamily="34" charset="0"/>
+            </a:endParaRPr>
+          </a:p>
+        </p:txBody>
+      </p:sp>
+    </p:spTree>
+    <p:extLst>
+      <p:ext uri="{BB962C8B-B14F-4D97-AF65-F5344CB8AC3E}">
+        <p14:creationId xmlns:p14="http://schemas.microsoft.com/office/powerpoint/2010/main" val="3602219001"/>
+      </p:ext>
+    </p:extLst>
+  </p:cSld>
+  <p:clrMapOvr>
+    <a:masterClrMapping/>
+  </p:clrMapOvr>
+</p:sld>
+</file>
+
+<file path=ppt/slides/slide2.xml><?xml version="1.0" encoding="utf-8"?>
+<p:sld xmlns:a="http://schemas.openxmlformats.org/drawingml/2006/main" xmlns:r="http://schemas.openxmlformats.org/officeDocument/2006/relationships" xmlns:p="http://schemas.openxmlformats.org/presentationml/2006/main">
+  <p:cSld>
+    <p:spTree>
+      <p:nvGrpSpPr>
+        <p:cNvPr id="1" name=""/>
+        <p:cNvGrpSpPr/>
+        <p:nvPr/>
+      </p:nvGrpSpPr>
+      <p:grpSpPr>
+        <a:xfrm>
+          <a:off x="0" y="0"/>
+          <a:ext cx="0" cy="0"/>
+          <a:chOff x="0" y="0"/>
+          <a:chExt cx="0" cy="0"/>
+        </a:xfrm>
+      </p:grpSpPr>
+      <p:sp>
+        <p:nvSpPr>
+          <p:cNvPr id="5" name="Прямоугольник 4">
+            <a:extLst>
+              <a:ext uri="{FF2B5EF4-FFF2-40B4-BE49-F238E27FC236}">
+                <a16:creationId xmlns:a16="http://schemas.microsoft.com/office/drawing/2014/main" id="{43DD0EEB-5277-489A-B9FE-77CECE4C6411}"/>
+              </a:ext>
+            </a:extLst>
+          </p:cNvPr>
+          <p:cNvSpPr/>
+          <p:nvPr/>
+        </p:nvSpPr>
+        <p:spPr>
+          <a:xfrm flipV="1">
+            <a:off x="925620" y="920165"/>
+            <a:ext cx="10865327" cy="21600"/>
+          </a:xfrm>
+          <a:prstGeom prst="rect">
+            <a:avLst/>
+          </a:prstGeom>
+          <a:solidFill>
+            <a:srgbClr val="E20443"/>
+          </a:solidFill>
+          <a:ln>
+            <a:noFill/>
+          </a:ln>
+        </p:spPr>
+        <p:style>
+          <a:lnRef idx="2">
+            <a:schemeClr val="accent1">
+              <a:shade val="50000"/>
+            </a:schemeClr>
+          </a:lnRef>
+          <a:fillRef idx="1">
+            <a:schemeClr val="accent1"/>
+          </a:fillRef>
+          <a:effectRef idx="0">
+            <a:schemeClr val="accent1"/>
+          </a:effectRef>
+          <a:fontRef idx="minor">
+            <a:schemeClr val="lt1"/>
+          </a:fontRef>
+        </p:style>
+        <p:txBody>
+          <a:bodyPr rtlCol="0" anchor="ctr"/>
+          <a:lstStyle/>
+          <a:p>
+            <a:pPr algn="ctr"/>
+            <a:endParaRPr lang="ru-RU">
+              <a:solidFill>
+                <a:srgbClr val="E20443"/>
+              </a:solidFill>
+            </a:endParaRPr>
+          </a:p>
+        </p:txBody>
+      </p:sp>
+      <p:sp>
+        <p:nvSpPr>
+          <p:cNvPr id="6" name="Заголовок 1">
+            <a:extLst>
+              <a:ext uri="{FF2B5EF4-FFF2-40B4-BE49-F238E27FC236}">
+                <a16:creationId xmlns:a16="http://schemas.microsoft.com/office/drawing/2014/main" id="{26AEE3EC-AE31-4913-843B-33079C5871A3}"/>
+              </a:ext>
+            </a:extLst>
+          </p:cNvPr>
+          <p:cNvSpPr txBox="1">
+            <a:spLocks/>
+          </p:cNvSpPr>
+          <p:nvPr/>
+        </p:nvSpPr>
+        <p:spPr>
+          <a:xfrm>
             <a:off x="2054831" y="162795"/>
             <a:ext cx="9414357" cy="645992"/>
           </a:xfrm>
@@ -4093,7 +4526,7 @@
         <p:spPr>
           <a:xfrm>
             <a:off x="421906" y="1260525"/>
-            <a:ext cx="5560883" cy="646331"/>
+            <a:ext cx="5560883" cy="1865126"/>
           </a:xfrm>
           <a:prstGeom prst="rect">
             <a:avLst/>
@@ -4135,12 +4568,16 @@
               <a:buChar char="•"/>
             </a:pPr>
             <a:r>
-              <a:rPr lang="ru-RU" sz="2000" dirty="0">
-                <a:latin typeface="+mn-lt"/>
-                <a:ea typeface="Verdana" panose="020B0604030504040204" pitchFamily="34" charset="0"/>
-                <a:cs typeface="Verdana" panose="020B0604030504040204" pitchFamily="34" charset="0"/>
-              </a:rPr>
-              <a:t>Описание задачи</a:t>
+              <a:rPr lang="ru-RU" dirty="0"/>
+              <a:t>поиск и применение подходящих моделей искусственного интеллекта, необходимого для распознавания объектов и перевода названий объектов, создание удобного для пользователей интерфейса, и развертывание приложения в сети</a:t>
+            </a:r>
+            <a:r>
+              <a:rPr lang="en-US" dirty="0"/>
+              <a:t> </a:t>
+            </a:r>
+            <a:r>
+              <a:rPr lang="ru-RU" dirty="0"/>
+              <a:t>интернет</a:t>
             </a:r>
             <a:endParaRPr lang="ru-RU" sz="2000" b="1" dirty="0">
               <a:latin typeface="+mn-lt"/>
@@ -4164,8 +4601,8 @@
         </p:nvSpPr>
         <p:spPr>
           <a:xfrm>
-            <a:off x="6631117" y="1252701"/>
-            <a:ext cx="5560883" cy="5327612"/>
+            <a:off x="6230064" y="1260525"/>
+            <a:ext cx="5560883" cy="5493812"/>
           </a:xfrm>
           <a:prstGeom prst="rect">
             <a:avLst/>
@@ -4207,20 +4644,9 @@
               <a:buChar char="•"/>
             </a:pPr>
             <a:r>
-              <a:rPr lang="ru-RU" sz="2000" dirty="0">
-                <a:latin typeface="+mn-lt"/>
-                <a:ea typeface="Verdana" panose="020B0604030504040204" pitchFamily="34" charset="0"/>
-                <a:cs typeface="Verdana" panose="020B0604030504040204" pitchFamily="34" charset="0"/>
-              </a:rPr>
-              <a:t>Формулировка цели</a:t>
-            </a:r>
-          </a:p>
-          <a:p>
-            <a:pPr marL="12700" lvl="1" algn="just" fontAlgn="base">
-              <a:lnSpc>
-                <a:spcPct val="90000"/>
-              </a:lnSpc>
-            </a:pPr>
+              <a:rPr lang="ru-RU" dirty="0"/>
+              <a:t>является разработка приложения, способного производить распознавание объектов на загруженном изображении и вывод названий объектов на нескольких языках.</a:t>
+            </a:r>
             <a:endParaRPr lang="ru-RU" sz="2000" b="1" dirty="0">
               <a:ea typeface="Verdana" panose="020B0604030504040204" pitchFamily="34" charset="0"/>
               <a:cs typeface="Verdana" panose="020B0604030504040204" pitchFamily="34" charset="0"/>
@@ -4261,7 +4687,7 @@
                 <a:ea typeface="Verdana" panose="020B0604030504040204" pitchFamily="34" charset="0"/>
                 <a:cs typeface="Verdana" panose="020B0604030504040204" pitchFamily="34" charset="0"/>
               </a:rPr>
-              <a:t>Выбрать подходящую предварительно обученную модель машинного обучения</a:t>
+              <a:t>Выбрать подходящие предварительно обученные модели машинного обучения для распознавания объектов и автоматического перевода текста</a:t>
             </a:r>
           </a:p>
           <a:p>
@@ -4277,43 +4703,10 @@
             </a:pPr>
             <a:r>
               <a:rPr lang="ru-RU" sz="2000" dirty="0">
-                <a:latin typeface="+mn-lt"/>
                 <a:ea typeface="Verdana" panose="020B0604030504040204" pitchFamily="34" charset="0"/>
                 <a:cs typeface="Verdana" panose="020B0604030504040204" pitchFamily="34" charset="0"/>
               </a:rPr>
-              <a:t>Реализовать </a:t>
-            </a:r>
-            <a:r>
-              <a:rPr lang="en-US" sz="2000" dirty="0">
-                <a:latin typeface="+mn-lt"/>
-                <a:ea typeface="Verdana" panose="020B0604030504040204" pitchFamily="34" charset="0"/>
-                <a:cs typeface="Verdana" panose="020B0604030504040204" pitchFamily="34" charset="0"/>
-              </a:rPr>
-              <a:t>Web </a:t>
-            </a:r>
-            <a:r>
-              <a:rPr lang="ru-RU" sz="2000" dirty="0">
-                <a:latin typeface="+mn-lt"/>
-                <a:ea typeface="Verdana" panose="020B0604030504040204" pitchFamily="34" charset="0"/>
-                <a:cs typeface="Verdana" panose="020B0604030504040204" pitchFamily="34" charset="0"/>
-              </a:rPr>
-              <a:t>или </a:t>
-            </a:r>
-            <a:r>
-              <a:rPr lang="en-US" sz="2000" dirty="0">
-                <a:latin typeface="+mn-lt"/>
-                <a:ea typeface="Verdana" panose="020B0604030504040204" pitchFamily="34" charset="0"/>
-                <a:cs typeface="Verdana" panose="020B0604030504040204" pitchFamily="34" charset="0"/>
-              </a:rPr>
-              <a:t>API </a:t>
-            </a:r>
-            <a:r>
-              <a:rPr lang="ru-RU" sz="2000" dirty="0">
-                <a:latin typeface="+mn-lt"/>
-                <a:ea typeface="Verdana" panose="020B0604030504040204" pitchFamily="34" charset="0"/>
-                <a:cs typeface="Verdana" panose="020B0604030504040204" pitchFamily="34" charset="0"/>
-              </a:rPr>
-              <a:t>приложение на основе этой модели</a:t>
+              <a:t>Интегрировать модели в единое приложение</a:t>
             </a:r>
           </a:p>
           <a:p>
@@ -4329,17 +4722,27 @@
             </a:pPr>
             <a:r>
               <a:rPr lang="ru-RU" sz="2000" dirty="0">
+                <a:latin typeface="+mn-lt"/>
                 <a:ea typeface="Verdana" panose="020B0604030504040204" pitchFamily="34" charset="0"/>
                 <a:cs typeface="Verdana" panose="020B0604030504040204" pitchFamily="34" charset="0"/>
               </a:rPr>
-              <a:t>Разместить код приложения в репозитории на </a:t>
+              <a:t>Реализовать </a:t>
             </a:r>
             <a:r>
               <a:rPr lang="en-US" sz="2000" dirty="0">
+                <a:latin typeface="+mn-lt"/>
                 <a:ea typeface="Verdana" panose="020B0604030504040204" pitchFamily="34" charset="0"/>
                 <a:cs typeface="Verdana" panose="020B0604030504040204" pitchFamily="34" charset="0"/>
               </a:rPr>
-              <a:t>GitHub</a:t>
+              <a:t>Web </a:t>
+            </a:r>
+            <a:r>
+              <a:rPr lang="ru-RU" sz="2000" dirty="0">
+                <a:latin typeface="+mn-lt"/>
+                <a:ea typeface="Verdana" panose="020B0604030504040204" pitchFamily="34" charset="0"/>
+                <a:cs typeface="Verdana" panose="020B0604030504040204" pitchFamily="34" charset="0"/>
+              </a:rPr>
+              <a:t>приложение на основе этих моделей</a:t>
             </a:r>
           </a:p>
           <a:p>
@@ -4355,15 +4758,13 @@
             </a:pPr>
             <a:r>
               <a:rPr lang="ru-RU" sz="2000" dirty="0">
-                <a:latin typeface="+mn-lt"/>
                 <a:ea typeface="Verdana" panose="020B0604030504040204" pitchFamily="34" charset="0"/>
                 <a:cs typeface="Verdana" panose="020B0604030504040204" pitchFamily="34" charset="0"/>
               </a:rPr>
-              <a:t>Организовать командную работу в репозитории на </a:t>
+              <a:t>Разместить код приложения в репозитории на </a:t>
             </a:r>
             <a:r>
               <a:rPr lang="en-US" sz="2000" dirty="0">
-                <a:latin typeface="+mn-lt"/>
                 <a:ea typeface="Verdana" panose="020B0604030504040204" pitchFamily="34" charset="0"/>
                 <a:cs typeface="Verdana" panose="020B0604030504040204" pitchFamily="34" charset="0"/>
               </a:rPr>
@@ -4387,34 +4788,7 @@
                 <a:ea typeface="Verdana" panose="020B0604030504040204" pitchFamily="34" charset="0"/>
                 <a:cs typeface="Verdana" panose="020B0604030504040204" pitchFamily="34" charset="0"/>
               </a:rPr>
-              <a:t>Разработать тесты для приложения (</a:t>
-            </a:r>
-            <a:r>
-              <a:rPr lang="ru-RU" sz="2000" i="1" dirty="0">
-                <a:ea typeface="Verdana" panose="020B0604030504040204" pitchFamily="34" charset="0"/>
-                <a:cs typeface="Verdana" panose="020B0604030504040204" pitchFamily="34" charset="0"/>
-              </a:rPr>
-              <a:t>не обязательно)</a:t>
-            </a:r>
-          </a:p>
-          <a:p>
-            <a:pPr marL="355600" lvl="1" indent="-342900" fontAlgn="base">
-              <a:lnSpc>
-                <a:spcPct val="90000"/>
-              </a:lnSpc>
-              <a:spcBef>
-                <a:spcPts val="0"/>
-              </a:spcBef>
-              <a:buFont typeface="Arial" panose="020B0604020202020204" pitchFamily="34" charset="0"/>
-              <a:buChar char="•"/>
-            </a:pPr>
-            <a:r>
-              <a:rPr lang="ru-RU" sz="2000" dirty="0">
-                <a:latin typeface="+mn-lt"/>
-                <a:ea typeface="Verdana" panose="020B0604030504040204" pitchFamily="34" charset="0"/>
-                <a:cs typeface="Verdana" panose="020B0604030504040204" pitchFamily="34" charset="0"/>
-              </a:rPr>
-              <a:t>Настроить непрерывную интеграцию на </a:t>
+              <a:t>Организовать командную работу в репозитории на </a:t>
             </a:r>
             <a:r>
               <a:rPr lang="en-US" sz="2000" dirty="0">
@@ -4422,37 +4796,8 @@
                 <a:ea typeface="Verdana" panose="020B0604030504040204" pitchFamily="34" charset="0"/>
                 <a:cs typeface="Verdana" panose="020B0604030504040204" pitchFamily="34" charset="0"/>
               </a:rPr>
-              <a:t>GitHub </a:t>
-            </a:r>
-            <a:r>
-              <a:rPr lang="en-US" sz="2000" i="1" dirty="0">
-                <a:latin typeface="+mn-lt"/>
-                <a:ea typeface="Verdana" panose="020B0604030504040204" pitchFamily="34" charset="0"/>
-                <a:cs typeface="Verdana" panose="020B0604030504040204" pitchFamily="34" charset="0"/>
-              </a:rPr>
-              <a:t>(</a:t>
-            </a:r>
-            <a:r>
-              <a:rPr lang="ru-RU" sz="2000" i="1" dirty="0">
-                <a:latin typeface="+mn-lt"/>
-                <a:ea typeface="Verdana" panose="020B0604030504040204" pitchFamily="34" charset="0"/>
-                <a:cs typeface="Verdana" panose="020B0604030504040204" pitchFamily="34" charset="0"/>
-              </a:rPr>
-              <a:t>не обязательно</a:t>
-            </a:r>
-            <a:r>
-              <a:rPr lang="en-US" sz="2000" i="1" dirty="0">
-                <a:latin typeface="+mn-lt"/>
-                <a:ea typeface="Verdana" panose="020B0604030504040204" pitchFamily="34" charset="0"/>
-                <a:cs typeface="Verdana" panose="020B0604030504040204" pitchFamily="34" charset="0"/>
-              </a:rPr>
-              <a:t>)</a:t>
-            </a:r>
-            <a:endParaRPr lang="ru-RU" sz="2000" i="1" dirty="0">
-              <a:latin typeface="+mn-lt"/>
-              <a:ea typeface="Verdana" panose="020B0604030504040204" pitchFamily="34" charset="0"/>
-              <a:cs typeface="Verdana" panose="020B0604030504040204" pitchFamily="34" charset="0"/>
-            </a:endParaRPr>
+              <a:t>GitHub</a:t>
+            </a:r>
           </a:p>
           <a:p>
             <a:pPr marL="355600" lvl="1" indent="-342900" fontAlgn="base">
@@ -4467,31 +4812,21 @@
                 <a:ea typeface="Verdana" panose="020B0604030504040204" pitchFamily="34" charset="0"/>
                 <a:cs typeface="Verdana" panose="020B0604030504040204" pitchFamily="34" charset="0"/>
               </a:rPr>
-              <a:t>Настроить развертывание приложения в облачной платформе </a:t>
-            </a:r>
-            <a:r>
-              <a:rPr lang="en-US" sz="2000" i="1" dirty="0">
-                <a:latin typeface="+mn-lt"/>
+              <a:t>Настроить развертывание приложения в облачной платформе</a:t>
+            </a:r>
+            <a:r>
+              <a:rPr lang="en-US" sz="2000" dirty="0">
                 <a:ea typeface="Verdana" panose="020B0604030504040204" pitchFamily="34" charset="0"/>
                 <a:cs typeface="Verdana" panose="020B0604030504040204" pitchFamily="34" charset="0"/>
               </a:rPr>
-              <a:t>(</a:t>
-            </a:r>
-            <a:r>
-              <a:rPr lang="ru-RU" sz="2000" i="1" dirty="0">
-                <a:latin typeface="+mn-lt"/>
+              <a:t> </a:t>
+            </a:r>
+            <a:r>
+              <a:rPr lang="en-US" sz="2000" dirty="0" err="1">
                 <a:ea typeface="Verdana" panose="020B0604030504040204" pitchFamily="34" charset="0"/>
                 <a:cs typeface="Verdana" panose="020B0604030504040204" pitchFamily="34" charset="0"/>
               </a:rPr>
-              <a:t>не обязательно</a:t>
-            </a:r>
-            <a:r>
-              <a:rPr lang="en-US" sz="2000" i="1" dirty="0">
-                <a:latin typeface="+mn-lt"/>
-                <a:ea typeface="Verdana" panose="020B0604030504040204" pitchFamily="34" charset="0"/>
-                <a:cs typeface="Verdana" panose="020B0604030504040204" pitchFamily="34" charset="0"/>
-              </a:rPr>
-              <a:t>)</a:t>
+              <a:t>Streamlit</a:t>
             </a:r>
             <a:endParaRPr lang="ru-RU" sz="2000" dirty="0">
               <a:latin typeface="+mn-lt"/>
@@ -4720,7 +5055,7 @@
         <p:spPr>
           <a:xfrm>
             <a:off x="421906" y="1260525"/>
-            <a:ext cx="5560883" cy="2031325"/>
+            <a:ext cx="5744002" cy="4247317"/>
           </a:xfrm>
           <a:prstGeom prst="rect">
             <a:avLst/>
@@ -4759,11 +5094,25 @@
             </a:pPr>
             <a:r>
               <a:rPr lang="ru-RU" sz="2000" dirty="0">
-                <a:latin typeface="+mn-lt"/>
                 <a:ea typeface="Verdana" panose="020B0604030504040204" pitchFamily="34" charset="0"/>
                 <a:cs typeface="Verdana" panose="020B0604030504040204" pitchFamily="34" charset="0"/>
               </a:rPr>
-              <a:t>Из какой библиотеки использовалась модель</a:t>
+              <a:t>В качестве модели распознавания объектов использовалась модель </a:t>
+            </a:r>
+            <a:r>
+              <a:rPr lang="en-US" b="1" dirty="0" err="1"/>
+              <a:t>nlpconnect</a:t>
+            </a:r>
+            <a:r>
+              <a:rPr lang="en-US" b="1" dirty="0"/>
+              <a:t>/vit-gpt2-image-captioning</a:t>
+            </a:r>
+            <a:r>
+              <a:rPr lang="ru-RU" sz="2000" dirty="0">
+                <a:ea typeface="Verdana" panose="020B0604030504040204" pitchFamily="34" charset="0"/>
+                <a:cs typeface="Verdana" panose="020B0604030504040204" pitchFamily="34" charset="0"/>
+              </a:rPr>
+              <a:t> </a:t>
             </a:r>
           </a:p>
           <a:p>
@@ -4778,11 +5127,19 @@
               <a:buChar char="•"/>
             </a:pPr>
             <a:r>
+              <a:rPr lang="en-US" sz="2000" dirty="0">
+                <a:ea typeface="Verdana" panose="020B0604030504040204" pitchFamily="34" charset="0"/>
+                <a:cs typeface="Verdana" panose="020B0604030504040204" pitchFamily="34" charset="0"/>
+                <a:hlinkClick r:id="rId2"/>
+              </a:rPr>
+              <a:t>https://huggingface.co/nlpconnect/vit-gpt2-image-captioning</a:t>
+            </a:r>
+            <a:r>
               <a:rPr lang="ru-RU" sz="2000" dirty="0">
                 <a:ea typeface="Verdana" panose="020B0604030504040204" pitchFamily="34" charset="0"/>
                 <a:cs typeface="Verdana" panose="020B0604030504040204" pitchFamily="34" charset="0"/>
               </a:rPr>
-              <a:t>Что на входе у модели и что на выходе</a:t>
+              <a:t> </a:t>
             </a:r>
           </a:p>
           <a:p>
@@ -4798,12 +5155,36 @@
             </a:pPr>
             <a:r>
               <a:rPr lang="ru-RU" sz="2000" dirty="0">
-                <a:latin typeface="+mn-lt"/>
                 <a:ea typeface="Verdana" panose="020B0604030504040204" pitchFamily="34" charset="0"/>
                 <a:cs typeface="Verdana" panose="020B0604030504040204" pitchFamily="34" charset="0"/>
               </a:rPr>
-              <a:t>На каком наборе данных обучалась модель</a:t>
-            </a:r>
+              <a:t>На вход модели подается изображение</a:t>
+            </a:r>
+            <a:r>
+              <a:rPr lang="en-US" sz="2000" dirty="0">
+                <a:ea typeface="Verdana" panose="020B0604030504040204" pitchFamily="34" charset="0"/>
+                <a:cs typeface="Verdana" panose="020B0604030504040204" pitchFamily="34" charset="0"/>
+              </a:rPr>
+              <a:t> </a:t>
+            </a:r>
+            <a:r>
+              <a:rPr lang="ru-RU" sz="2000" dirty="0">
+                <a:ea typeface="Verdana" panose="020B0604030504040204" pitchFamily="34" charset="0"/>
+                <a:cs typeface="Verdana" panose="020B0604030504040204" pitchFamily="34" charset="0"/>
+              </a:rPr>
+              <a:t>в формате </a:t>
+            </a:r>
+            <a:r>
+              <a:rPr lang="en-US" sz="2000" dirty="0">
+                <a:ea typeface="Verdana" panose="020B0604030504040204" pitchFamily="34" charset="0"/>
+                <a:cs typeface="Verdana" panose="020B0604030504040204" pitchFamily="34" charset="0"/>
+              </a:rPr>
+              <a:t>jpg</a:t>
+            </a:r>
+            <a:endParaRPr lang="ru-RU" sz="2000" dirty="0">
+              <a:ea typeface="Verdana" panose="020B0604030504040204" pitchFamily="34" charset="0"/>
+              <a:cs typeface="Verdana" panose="020B0604030504040204" pitchFamily="34" charset="0"/>
+            </a:endParaRPr>
           </a:p>
           <a:p>
             <a:pPr marL="355600" lvl="1" indent="-342900" algn="just" fontAlgn="base">
@@ -4816,13 +5197,10 @@
               <a:buFont typeface="Arial" panose="020B0604020202020204" pitchFamily="34" charset="0"/>
               <a:buChar char="•"/>
             </a:pPr>
-            <a:r>
-              <a:rPr lang="ru-RU" sz="2000" dirty="0">
-                <a:ea typeface="Verdana" panose="020B0604030504040204" pitchFamily="34" charset="0"/>
-                <a:cs typeface="Verdana" panose="020B0604030504040204" pitchFamily="34" charset="0"/>
-              </a:rPr>
-              <a:t>Схема модели (если есть)</a:t>
-            </a:r>
+            <a:endParaRPr lang="en-US" sz="2000" dirty="0">
+              <a:ea typeface="Verdana" panose="020B0604030504040204" pitchFamily="34" charset="0"/>
+              <a:cs typeface="Verdana" panose="020B0604030504040204" pitchFamily="34" charset="0"/>
+            </a:endParaRPr>
           </a:p>
           <a:p>
             <a:pPr marL="355600" lvl="1" indent="-342900" algn="just" fontAlgn="base">
@@ -4837,12 +5215,92 @@
             </a:pPr>
             <a:r>
               <a:rPr lang="ru-RU" sz="2000" dirty="0">
-                <a:latin typeface="+mn-lt"/>
                 <a:ea typeface="Verdana" panose="020B0604030504040204" pitchFamily="34" charset="0"/>
                 <a:cs typeface="Verdana" panose="020B0604030504040204" pitchFamily="34" charset="0"/>
               </a:rPr>
-              <a:t>Ссылка на публикацию, в которой описана модель (если есть)</a:t>
-            </a:r>
+              <a:t>Выходом модели является текст в формате </a:t>
+            </a:r>
+            <a:r>
+              <a:rPr lang="en-US" sz="2000" dirty="0">
+                <a:ea typeface="Verdana" panose="020B0604030504040204" pitchFamily="34" charset="0"/>
+                <a:cs typeface="Verdana" panose="020B0604030504040204" pitchFamily="34" charset="0"/>
+              </a:rPr>
+              <a:t>json</a:t>
+            </a:r>
+            <a:r>
+              <a:rPr lang="ru-RU" sz="2000" dirty="0">
+                <a:ea typeface="Verdana" panose="020B0604030504040204" pitchFamily="34" charset="0"/>
+                <a:cs typeface="Verdana" panose="020B0604030504040204" pitchFamily="34" charset="0"/>
+              </a:rPr>
+              <a:t> с описанием объектов на английском языке</a:t>
+            </a:r>
+          </a:p>
+          <a:p>
+            <a:pPr marL="355600" lvl="1" indent="-342900" algn="just" fontAlgn="base">
+              <a:lnSpc>
+                <a:spcPct val="90000"/>
+              </a:lnSpc>
+              <a:spcBef>
+                <a:spcPts val="0"/>
+              </a:spcBef>
+              <a:buFont typeface="Arial" panose="020B0604020202020204" pitchFamily="34" charset="0"/>
+              <a:buChar char="•"/>
+            </a:pPr>
+            <a:endParaRPr lang="en-US" sz="2000" dirty="0">
+              <a:ea typeface="Verdana" panose="020B0604030504040204" pitchFamily="34" charset="0"/>
+              <a:cs typeface="Verdana" panose="020B0604030504040204" pitchFamily="34" charset="0"/>
+            </a:endParaRPr>
+          </a:p>
+          <a:p>
+            <a:pPr marL="355600" lvl="1" indent="-342900" algn="just" fontAlgn="base">
+              <a:lnSpc>
+                <a:spcPct val="90000"/>
+              </a:lnSpc>
+              <a:spcBef>
+                <a:spcPts val="0"/>
+              </a:spcBef>
+              <a:buFont typeface="Arial" panose="020B0604020202020204" pitchFamily="34" charset="0"/>
+              <a:buChar char="•"/>
+            </a:pPr>
+            <a:r>
+              <a:rPr lang="ru-RU" sz="2000" dirty="0">
+                <a:ea typeface="Verdana" panose="020B0604030504040204" pitchFamily="34" charset="0"/>
+                <a:cs typeface="Verdana" panose="020B0604030504040204" pitchFamily="34" charset="0"/>
+              </a:rPr>
+              <a:t>Схема модели </a:t>
+            </a:r>
+          </a:p>
+          <a:p>
+            <a:pPr marL="355600" lvl="1" indent="-342900" algn="just" fontAlgn="base">
+              <a:lnSpc>
+                <a:spcPct val="90000"/>
+              </a:lnSpc>
+              <a:spcBef>
+                <a:spcPts val="0"/>
+              </a:spcBef>
+              <a:buFont typeface="Arial" panose="020B0604020202020204" pitchFamily="34" charset="0"/>
+              <a:buChar char="•"/>
+            </a:pPr>
+            <a:endParaRPr lang="ru-RU" sz="2000" dirty="0">
+              <a:ea typeface="Verdana" panose="020B0604030504040204" pitchFamily="34" charset="0"/>
+              <a:cs typeface="Verdana" panose="020B0604030504040204" pitchFamily="34" charset="0"/>
+            </a:endParaRPr>
+          </a:p>
+          <a:p>
+            <a:pPr marL="355600" lvl="1" indent="-342900" algn="just" fontAlgn="base">
+              <a:lnSpc>
+                <a:spcPct val="90000"/>
+              </a:lnSpc>
+              <a:spcBef>
+                <a:spcPts val="0"/>
+              </a:spcBef>
+              <a:buFont typeface="Arial" panose="020B0604020202020204" pitchFamily="34" charset="0"/>
+              <a:buChar char="•"/>
+            </a:pPr>
+            <a:endParaRPr lang="ru-RU" sz="2000" dirty="0">
+              <a:ea typeface="Verdana" panose="020B0604030504040204" pitchFamily="34" charset="0"/>
+              <a:cs typeface="Verdana" panose="020B0604030504040204" pitchFamily="34" charset="0"/>
+            </a:endParaRPr>
           </a:p>
         </p:txBody>
       </p:sp>
@@ -4861,7 +5319,7 @@
           <p:nvPr/>
         </p:nvPicPr>
         <p:blipFill rotWithShape="1">
-          <a:blip r:embed="rId2" cstate="screen">
+          <a:blip r:embed="rId3" cstate="screen">
             <a:extLst>
               <a:ext uri="{28A0092B-C50C-407E-A947-70E740481C1C}">
                 <a14:useLocalDpi xmlns:a14="http://schemas.microsoft.com/office/drawing/2010/main"/>
@@ -4879,6 +5337,204 @@
           <a:prstGeom prst="rect">
             <a:avLst/>
           </a:prstGeom>
+        </p:spPr>
+      </p:pic>
+      <p:sp>
+        <p:nvSpPr>
+          <p:cNvPr id="9" name="Прямоугольник 8">
+            <a:extLst>
+              <a:ext uri="{FF2B5EF4-FFF2-40B4-BE49-F238E27FC236}">
+                <a16:creationId xmlns:a16="http://schemas.microsoft.com/office/drawing/2014/main" id="{B89F7FD1-0009-4DB1-9FDA-0DFE16B67C46}"/>
+              </a:ext>
+            </a:extLst>
+          </p:cNvPr>
+          <p:cNvSpPr/>
+          <p:nvPr/>
+        </p:nvSpPr>
+        <p:spPr>
+          <a:xfrm>
+            <a:off x="6358283" y="2989450"/>
+            <a:ext cx="4505228" cy="1754326"/>
+          </a:xfrm>
+          <a:prstGeom prst="rect">
+            <a:avLst/>
+          </a:prstGeom>
+        </p:spPr>
+        <p:txBody>
+          <a:bodyPr wrap="square">
+            <a:spAutoFit/>
+          </a:bodyPr>
+          <a:lstStyle/>
+          <a:p>
+            <a:pPr marL="469900" lvl="2" algn="just" fontAlgn="base">
+              <a:lnSpc>
+                <a:spcPct val="90000"/>
+              </a:lnSpc>
+            </a:pPr>
+            <a:r>
+              <a:rPr lang="en-US" sz="2000" dirty="0">
+                <a:ea typeface="Verdana" panose="020B0604030504040204" pitchFamily="34" charset="0"/>
+                <a:cs typeface="Verdana" panose="020B0604030504040204" pitchFamily="34" charset="0"/>
+              </a:rPr>
+              <a:t>[</a:t>
+            </a:r>
+          </a:p>
+          <a:p>
+            <a:pPr marL="469900" lvl="2" algn="just" fontAlgn="base">
+              <a:lnSpc>
+                <a:spcPct val="90000"/>
+              </a:lnSpc>
+            </a:pPr>
+            <a:r>
+              <a:rPr lang="en-US" sz="2000" dirty="0">
+                <a:ea typeface="Verdana" panose="020B0604030504040204" pitchFamily="34" charset="0"/>
+                <a:cs typeface="Verdana" panose="020B0604030504040204" pitchFamily="34" charset="0"/>
+              </a:rPr>
+              <a:t>  {</a:t>
+            </a:r>
+          </a:p>
+          <a:p>
+            <a:pPr marL="469900" lvl="2" algn="just" fontAlgn="base">
+              <a:lnSpc>
+                <a:spcPct val="90000"/>
+              </a:lnSpc>
+            </a:pPr>
+            <a:r>
+              <a:rPr lang="en-US" sz="2000" dirty="0">
+                <a:ea typeface="Verdana" panose="020B0604030504040204" pitchFamily="34" charset="0"/>
+                <a:cs typeface="Verdana" panose="020B0604030504040204" pitchFamily="34" charset="0"/>
+              </a:rPr>
+              <a:t>    "</a:t>
+            </a:r>
+            <a:r>
+              <a:rPr lang="en-US" sz="2000" dirty="0" err="1">
+                <a:ea typeface="Verdana" panose="020B0604030504040204" pitchFamily="34" charset="0"/>
+                <a:cs typeface="Verdana" panose="020B0604030504040204" pitchFamily="34" charset="0"/>
+              </a:rPr>
+              <a:t>generated_text</a:t>
+            </a:r>
+            <a:r>
+              <a:rPr lang="en-US" sz="2000" dirty="0">
+                <a:ea typeface="Verdana" panose="020B0604030504040204" pitchFamily="34" charset="0"/>
+                <a:cs typeface="Verdana" panose="020B0604030504040204" pitchFamily="34" charset="0"/>
+              </a:rPr>
+              <a:t>": "a herd of giraffes and zebras grazing in a field "</a:t>
+            </a:r>
+          </a:p>
+          <a:p>
+            <a:pPr marL="469900" lvl="2" algn="just" fontAlgn="base">
+              <a:lnSpc>
+                <a:spcPct val="90000"/>
+              </a:lnSpc>
+            </a:pPr>
+            <a:r>
+              <a:rPr lang="en-US" sz="2000" dirty="0">
+                <a:ea typeface="Verdana" panose="020B0604030504040204" pitchFamily="34" charset="0"/>
+                <a:cs typeface="Verdana" panose="020B0604030504040204" pitchFamily="34" charset="0"/>
+              </a:rPr>
+              <a:t>  }</a:t>
+            </a:r>
+          </a:p>
+          <a:p>
+            <a:pPr marL="469900" lvl="2" algn="just" fontAlgn="base">
+              <a:lnSpc>
+                <a:spcPct val="90000"/>
+              </a:lnSpc>
+            </a:pPr>
+            <a:r>
+              <a:rPr lang="en-US" sz="2000" dirty="0">
+                <a:ea typeface="Verdana" panose="020B0604030504040204" pitchFamily="34" charset="0"/>
+                <a:cs typeface="Verdana" panose="020B0604030504040204" pitchFamily="34" charset="0"/>
+              </a:rPr>
+              <a:t>]</a:t>
+            </a:r>
+            <a:endParaRPr lang="ru-RU" sz="2000" dirty="0">
+              <a:ea typeface="Verdana" panose="020B0604030504040204" pitchFamily="34" charset="0"/>
+              <a:cs typeface="Verdana" panose="020B0604030504040204" pitchFamily="34" charset="0"/>
+            </a:endParaRPr>
+          </a:p>
+        </p:txBody>
+      </p:sp>
+      <p:pic>
+        <p:nvPicPr>
+          <p:cNvPr id="11" name="Рисунок 10">
+            <a:extLst>
+              <a:ext uri="{FF2B5EF4-FFF2-40B4-BE49-F238E27FC236}">
+                <a16:creationId xmlns:a16="http://schemas.microsoft.com/office/drawing/2014/main" id="{DE7511F2-B639-4571-ACBD-F1CCF010831E}"/>
+              </a:ext>
+            </a:extLst>
+          </p:cNvPr>
+          <p:cNvPicPr/>
+          <p:nvPr/>
+        </p:nvPicPr>
+        <p:blipFill rotWithShape="1">
+          <a:blip r:embed="rId4"/>
+          <a:srcRect l="68153" t="38308" r="18753" b="45705"/>
+          <a:stretch/>
+        </p:blipFill>
+        <p:spPr bwMode="auto">
+          <a:xfrm>
+            <a:off x="7508147" y="1160492"/>
+            <a:ext cx="2491531" cy="1632485"/>
+          </a:xfrm>
+          <a:prstGeom prst="rect">
+            <a:avLst/>
+          </a:prstGeom>
+          <a:ln>
+            <a:noFill/>
+          </a:ln>
+          <a:extLst>
+            <a:ext uri="{53640926-AAD7-44D8-BBD7-CCE9431645EC}">
+              <a14:shadowObscured xmlns:a14="http://schemas.microsoft.com/office/drawing/2010/main"/>
+            </a:ext>
+          </a:extLst>
+        </p:spPr>
+      </p:pic>
+      <p:pic>
+        <p:nvPicPr>
+          <p:cNvPr id="12" name="Picture 2" descr="https://ankur3107.github.io/assets/images/vision-encoder-decoder.png">
+            <a:extLst>
+              <a:ext uri="{FF2B5EF4-FFF2-40B4-BE49-F238E27FC236}">
+                <a16:creationId xmlns:a16="http://schemas.microsoft.com/office/drawing/2014/main" id="{F89DDD53-DE12-4507-8459-259622A6969E}"/>
+              </a:ext>
+            </a:extLst>
+          </p:cNvPr>
+          <p:cNvPicPr>
+            <a:picLocks noChangeAspect="1" noChangeArrowheads="1"/>
+          </p:cNvPicPr>
+          <p:nvPr/>
+        </p:nvPicPr>
+        <p:blipFill>
+          <a:blip r:embed="rId5">
+            <a:extLst>
+              <a:ext uri="{28A0092B-C50C-407E-A947-70E740481C1C}">
+                <a14:useLocalDpi xmlns:a14="http://schemas.microsoft.com/office/drawing/2010/main" val="0"/>
+              </a:ext>
+            </a:extLst>
+          </a:blip>
+          <a:srcRect/>
+          <a:stretch>
+            <a:fillRect/>
+          </a:stretch>
+        </p:blipFill>
+        <p:spPr bwMode="auto">
+          <a:xfrm>
+            <a:off x="6523091" y="4777168"/>
+            <a:ext cx="5267856" cy="1865013"/>
+          </a:xfrm>
+          <a:prstGeom prst="rect">
+            <a:avLst/>
+          </a:prstGeom>
+          <a:noFill/>
+          <a:extLst>
+            <a:ext uri="{909E8E84-426E-40DD-AFC4-6F175D3DCCD1}">
+              <a14:hiddenFill xmlns:a14="http://schemas.microsoft.com/office/drawing/2010/main">
+                <a:solidFill>
+                  <a:srgbClr val="FFFFFF"/>
+                </a:solidFill>
+              </a14:hiddenFill>
+            </a:ext>
+          </a:extLst>
         </p:spPr>
       </p:pic>
     </p:spTree>
@@ -4983,8 +5639,8 @@
         </p:nvSpPr>
         <p:spPr>
           <a:xfrm>
-            <a:off x="1982913" y="162795"/>
-            <a:ext cx="9486276" cy="645992"/>
+            <a:off x="2065106" y="162795"/>
+            <a:ext cx="9924835" cy="645992"/>
           </a:xfrm>
           <a:prstGeom prst="rect">
             <a:avLst/>
@@ -5028,7 +5684,7 @@
                 <a:ea typeface="Verdana" panose="020B0604030504040204" pitchFamily="34" charset="0"/>
                 <a:cs typeface="Arial" panose="020B0604020202020204" pitchFamily="34" charset="0"/>
               </a:rPr>
-              <a:t>АРХИТЕКТУРА ПРИЛОЖЕНИЯ</a:t>
+              <a:t>ОПИСАНИЕ ПРЕДВАРИТЕЛЬНО ОБУЧЕННОЙ МОДЕЛИ</a:t>
             </a:r>
           </a:p>
         </p:txBody>
@@ -5048,7 +5704,7 @@
         <p:spPr>
           <a:xfrm>
             <a:off x="421906" y="1260525"/>
-            <a:ext cx="5560883" cy="2951001"/>
+            <a:ext cx="5744002" cy="5604611"/>
           </a:xfrm>
           <a:prstGeom prst="rect">
             <a:avLst/>
@@ -5060,134 +5716,332 @@
           </a:bodyPr>
           <a:lstStyle/>
           <a:p>
-            <a:pPr indent="9525">
+            <a:pPr marL="12700" lvl="1" algn="just" fontAlgn="base">
               <a:lnSpc>
-                <a:spcPct val="150000"/>
+                <a:spcPct val="90000"/>
               </a:lnSpc>
             </a:pPr>
             <a:r>
-              <a:rPr lang="ru-RU" b="1" dirty="0">
-                <a:latin typeface="Times New Roman" panose="02020603050405020304" pitchFamily="18" charset="0"/>
-                <a:ea typeface="Times New Roman" panose="02020603050405020304" pitchFamily="18" charset="0"/>
-              </a:rPr>
-              <a:t>Схема</a:t>
-            </a:r>
-            <a:r>
-              <a:rPr lang="ru-RU" sz="1800" b="1" dirty="0">
-                <a:effectLst/>
-                <a:latin typeface="Times New Roman" panose="02020603050405020304" pitchFamily="18" charset="0"/>
-                <a:ea typeface="Times New Roman" panose="02020603050405020304" pitchFamily="18" charset="0"/>
-              </a:rPr>
-              <a:t> основных компонентов приложения и их взаимодействия:</a:t>
-            </a:r>
-          </a:p>
-          <a:p>
-            <a:pPr marL="342900" lvl="0" indent="-342900">
+              <a:rPr lang="ru-RU" sz="2000" b="1" dirty="0">
+                <a:latin typeface="+mn-lt"/>
+                <a:ea typeface="Verdana" panose="020B0604030504040204" pitchFamily="34" charset="0"/>
+                <a:cs typeface="Verdana" panose="020B0604030504040204" pitchFamily="34" charset="0"/>
+              </a:rPr>
+              <a:t>Характеристики модели</a:t>
+            </a:r>
+          </a:p>
+          <a:p>
+            <a:pPr marL="355600" lvl="1" indent="-342900" algn="just" fontAlgn="base">
               <a:lnSpc>
-                <a:spcPct val="150000"/>
+                <a:spcPct val="90000"/>
               </a:lnSpc>
-              <a:buFont typeface="Symbol" pitchFamily="2" charset="2"/>
-              <a:buChar char=""/>
+              <a:buFont typeface="Arial" panose="020B0604020202020204" pitchFamily="34" charset="0"/>
+              <a:buChar char="•"/>
             </a:pPr>
             <a:r>
-              <a:rPr lang="ru-RU" sz="1800" dirty="0">
-                <a:effectLst/>
-                <a:latin typeface="Times New Roman" panose="02020603050405020304" pitchFamily="18" charset="0"/>
-                <a:ea typeface="Times New Roman" panose="02020603050405020304" pitchFamily="18" charset="0"/>
-              </a:rPr>
-              <a:t>Модель машинного обучения.</a:t>
-            </a:r>
-          </a:p>
-          <a:p>
-            <a:pPr marL="342900" lvl="0" indent="-342900">
+              <a:rPr lang="ru-RU" sz="2000" dirty="0">
+                <a:ea typeface="Verdana" panose="020B0604030504040204" pitchFamily="34" charset="0"/>
+                <a:cs typeface="Verdana" panose="020B0604030504040204" pitchFamily="34" charset="0"/>
+              </a:rPr>
+              <a:t>В качестве модели перевода использовалась модель </a:t>
+            </a:r>
+            <a:r>
+              <a:rPr lang="en-US" b="1" dirty="0"/>
+              <a:t>Helsinki-NLP/opus-mt-</a:t>
+            </a:r>
+            <a:r>
+              <a:rPr lang="en-US" b="1" dirty="0" err="1"/>
+              <a:t>en</a:t>
+            </a:r>
+            <a:r>
+              <a:rPr lang="en-US" b="1" dirty="0"/>
+              <a:t>-</a:t>
+            </a:r>
+            <a:r>
+              <a:rPr lang="en-US" b="1" dirty="0" err="1"/>
+              <a:t>mul</a:t>
+            </a:r>
+            <a:r>
+              <a:rPr lang="en-US" b="1" dirty="0"/>
+              <a:t> </a:t>
+            </a:r>
+            <a:r>
+              <a:rPr lang="en-US" dirty="0"/>
+              <a:t>based on </a:t>
+            </a:r>
+            <a:r>
+              <a:rPr lang="en-US" dirty="0">
+                <a:hlinkClick r:id="rId2"/>
+              </a:rPr>
+              <a:t>Marian-NMT</a:t>
+            </a:r>
+            <a:endParaRPr lang="ru-RU" b="1" dirty="0"/>
+          </a:p>
+          <a:p>
+            <a:pPr marL="355600" lvl="1" indent="-342900" algn="just" fontAlgn="base">
               <a:lnSpc>
-                <a:spcPct val="150000"/>
+                <a:spcPct val="90000"/>
               </a:lnSpc>
-              <a:buFont typeface="Symbol" pitchFamily="2" charset="2"/>
-              <a:buChar char=""/>
+              <a:spcBef>
+                <a:spcPts val="0"/>
+              </a:spcBef>
+              <a:buFont typeface="Arial" panose="020B0604020202020204" pitchFamily="34" charset="0"/>
+              <a:buChar char="•"/>
             </a:pPr>
             <a:r>
-              <a:rPr lang="ru-RU" sz="1800" dirty="0">
-                <a:effectLst/>
-                <a:latin typeface="Times New Roman" panose="02020603050405020304" pitchFamily="18" charset="0"/>
-                <a:ea typeface="Times New Roman" panose="02020603050405020304" pitchFamily="18" charset="0"/>
-              </a:rPr>
-              <a:t>Используемый инструмент для создания приложения (</a:t>
-            </a:r>
-            <a:r>
-              <a:rPr lang="en-US" sz="1800" dirty="0" err="1">
-                <a:effectLst/>
-                <a:latin typeface="Times New Roman" panose="02020603050405020304" pitchFamily="18" charset="0"/>
-                <a:ea typeface="Times New Roman" panose="02020603050405020304" pitchFamily="18" charset="0"/>
-              </a:rPr>
-              <a:t>Streamlit</a:t>
-            </a:r>
-            <a:r>
-              <a:rPr lang="en-US" sz="1800" dirty="0">
-                <a:effectLst/>
-                <a:latin typeface="Times New Roman" panose="02020603050405020304" pitchFamily="18" charset="0"/>
-                <a:ea typeface="Times New Roman" panose="02020603050405020304" pitchFamily="18" charset="0"/>
-              </a:rPr>
-              <a:t>, FastAPI</a:t>
-            </a:r>
-            <a:r>
-              <a:rPr lang="ru-RU" sz="1800" dirty="0">
-                <a:effectLst/>
-                <a:latin typeface="Times New Roman" panose="02020603050405020304" pitchFamily="18" charset="0"/>
-                <a:ea typeface="Times New Roman" panose="02020603050405020304" pitchFamily="18" charset="0"/>
-              </a:rPr>
-              <a:t> и т.п.).</a:t>
-            </a:r>
-          </a:p>
-          <a:p>
-            <a:pPr marL="342900" lvl="0" indent="-342900">
+              <a:rPr lang="en-US" sz="2000" dirty="0">
+                <a:ea typeface="Verdana" panose="020B0604030504040204" pitchFamily="34" charset="0"/>
+                <a:cs typeface="Verdana" panose="020B0604030504040204" pitchFamily="34" charset="0"/>
+                <a:hlinkClick r:id="rId3"/>
+              </a:rPr>
+              <a:t>https://huggingface.co/Helsinki-NLP/opus-mt-en-mul</a:t>
+            </a:r>
+            <a:endParaRPr lang="ru-RU" sz="2000" dirty="0">
+              <a:ea typeface="Verdana" panose="020B0604030504040204" pitchFamily="34" charset="0"/>
+              <a:cs typeface="Verdana" panose="020B0604030504040204" pitchFamily="34" charset="0"/>
+            </a:endParaRPr>
+          </a:p>
+          <a:p>
+            <a:pPr marL="355600" lvl="1" indent="-342900" algn="just" fontAlgn="base">
               <a:lnSpc>
-                <a:spcPct val="150000"/>
+                <a:spcPct val="90000"/>
               </a:lnSpc>
-              <a:buFont typeface="Symbol" pitchFamily="2" charset="2"/>
-              <a:buChar char=""/>
+              <a:spcBef>
+                <a:spcPts val="0"/>
+              </a:spcBef>
+              <a:buFont typeface="Arial" panose="020B0604020202020204" pitchFamily="34" charset="0"/>
+              <a:buChar char="•"/>
             </a:pPr>
             <a:r>
-              <a:rPr lang="ru-RU" sz="1800" dirty="0">
-                <a:effectLst/>
-                <a:latin typeface="Times New Roman" panose="02020603050405020304" pitchFamily="18" charset="0"/>
-                <a:ea typeface="Times New Roman" panose="02020603050405020304" pitchFamily="18" charset="0"/>
-              </a:rPr>
-              <a:t>Код приложения.</a:t>
-            </a:r>
-          </a:p>
-          <a:p>
-            <a:pPr marL="342900" lvl="0" indent="-342900">
+              <a:rPr lang="ru-RU" sz="2000" dirty="0">
+                <a:ea typeface="Verdana" panose="020B0604030504040204" pitchFamily="34" charset="0"/>
+                <a:cs typeface="Verdana" panose="020B0604030504040204" pitchFamily="34" charset="0"/>
+              </a:rPr>
+              <a:t>Для доступа к модели использовался </a:t>
+            </a:r>
+            <a:r>
+              <a:rPr lang="en-US" sz="2000" dirty="0">
+                <a:ea typeface="Verdana" panose="020B0604030504040204" pitchFamily="34" charset="0"/>
+                <a:cs typeface="Verdana" panose="020B0604030504040204" pitchFamily="34" charset="0"/>
+              </a:rPr>
+              <a:t>API</a:t>
+            </a:r>
+            <a:endParaRPr lang="ru-RU" sz="2000" dirty="0">
+              <a:ea typeface="Verdana" panose="020B0604030504040204" pitchFamily="34" charset="0"/>
+              <a:cs typeface="Verdana" panose="020B0604030504040204" pitchFamily="34" charset="0"/>
+            </a:endParaRPr>
+          </a:p>
+          <a:p>
+            <a:pPr marL="355600" lvl="1" indent="-342900" algn="just" fontAlgn="base">
               <a:lnSpc>
-                <a:spcPct val="150000"/>
+                <a:spcPct val="90000"/>
               </a:lnSpc>
-              <a:buFont typeface="Symbol" pitchFamily="2" charset="2"/>
-              <a:buChar char=""/>
+              <a:spcBef>
+                <a:spcPts val="0"/>
+              </a:spcBef>
+              <a:buFont typeface="Arial" panose="020B0604020202020204" pitchFamily="34" charset="0"/>
+              <a:buChar char="•"/>
             </a:pPr>
-            <a:r>
-              <a:rPr lang="ru-RU" sz="1800" dirty="0">
-                <a:effectLst/>
-                <a:latin typeface="Times New Roman" panose="02020603050405020304" pitchFamily="18" charset="0"/>
-                <a:ea typeface="Times New Roman" panose="02020603050405020304" pitchFamily="18" charset="0"/>
-              </a:rPr>
-              <a:t>Пользовательский клиент: браузер, </a:t>
-            </a:r>
-            <a:r>
-              <a:rPr lang="en-US" sz="1800" dirty="0">
-                <a:effectLst/>
-                <a:latin typeface="Times New Roman" panose="02020603050405020304" pitchFamily="18" charset="0"/>
-                <a:ea typeface="Times New Roman" panose="02020603050405020304" pitchFamily="18" charset="0"/>
-              </a:rPr>
-              <a:t>Postman </a:t>
-            </a:r>
-            <a:r>
-              <a:rPr lang="ru-RU" sz="1800" dirty="0">
-                <a:effectLst/>
-                <a:latin typeface="Times New Roman" panose="02020603050405020304" pitchFamily="18" charset="0"/>
-                <a:ea typeface="Times New Roman" panose="02020603050405020304" pitchFamily="18" charset="0"/>
-              </a:rPr>
-              <a:t>и т.п.</a:t>
-            </a:r>
+            <a:endParaRPr lang="ru-RU" sz="2000" dirty="0">
+              <a:ea typeface="Verdana" panose="020B0604030504040204" pitchFamily="34" charset="0"/>
+              <a:cs typeface="Verdana" panose="020B0604030504040204" pitchFamily="34" charset="0"/>
+            </a:endParaRPr>
+          </a:p>
+          <a:p>
+            <a:pPr marL="355600" lvl="1" indent="-342900" algn="just" fontAlgn="base">
+              <a:lnSpc>
+                <a:spcPct val="90000"/>
+              </a:lnSpc>
+              <a:spcBef>
+                <a:spcPts val="0"/>
+              </a:spcBef>
+              <a:buFont typeface="Arial" panose="020B0604020202020204" pitchFamily="34" charset="0"/>
+              <a:buChar char="•"/>
+            </a:pPr>
+            <a:r>
+              <a:rPr lang="ru-RU" sz="2000" dirty="0">
+                <a:ea typeface="Verdana" panose="020B0604030504040204" pitchFamily="34" charset="0"/>
+                <a:cs typeface="Verdana" panose="020B0604030504040204" pitchFamily="34" charset="0"/>
+              </a:rPr>
+              <a:t>На вход модели подается список исходного текста в формате </a:t>
+            </a:r>
+            <a:r>
+              <a:rPr lang="en-US" sz="2000" dirty="0">
+                <a:ea typeface="Verdana" panose="020B0604030504040204" pitchFamily="34" charset="0"/>
+                <a:cs typeface="Verdana" panose="020B0604030504040204" pitchFamily="34" charset="0"/>
+              </a:rPr>
+              <a:t>json </a:t>
+            </a:r>
+            <a:r>
+              <a:rPr lang="ru-RU" sz="2000" dirty="0">
+                <a:ea typeface="Verdana" panose="020B0604030504040204" pitchFamily="34" charset="0"/>
+                <a:cs typeface="Verdana" panose="020B0604030504040204" pitchFamily="34" charset="0"/>
+              </a:rPr>
+              <a:t> </a:t>
+            </a:r>
+            <a:r>
+              <a:rPr lang="en-US" sz="2000" dirty="0">
+                <a:ea typeface="Verdana" panose="020B0604030504040204" pitchFamily="34" charset="0"/>
+                <a:cs typeface="Verdana" panose="020B0604030504040204" pitchFamily="34" charset="0"/>
+              </a:rPr>
+              <a:t>c </a:t>
+            </a:r>
+            <a:r>
+              <a:rPr lang="ru-RU" sz="2000" dirty="0">
+                <a:ea typeface="Verdana" panose="020B0604030504040204" pitchFamily="34" charset="0"/>
+                <a:cs typeface="Verdana" panose="020B0604030504040204" pitchFamily="34" charset="0"/>
+              </a:rPr>
+              <a:t>указанием направления перевода</a:t>
+            </a:r>
+          </a:p>
+          <a:p>
+            <a:pPr marL="355600" lvl="1" indent="-342900" algn="just" fontAlgn="base">
+              <a:lnSpc>
+                <a:spcPct val="90000"/>
+              </a:lnSpc>
+              <a:spcBef>
+                <a:spcPts val="0"/>
+              </a:spcBef>
+              <a:buFont typeface="Arial" panose="020B0604020202020204" pitchFamily="34" charset="0"/>
+              <a:buChar char="•"/>
+            </a:pPr>
+            <a:endParaRPr lang="en-US" sz="2000" dirty="0">
+              <a:ea typeface="Verdana" panose="020B0604030504040204" pitchFamily="34" charset="0"/>
+              <a:cs typeface="Verdana" panose="020B0604030504040204" pitchFamily="34" charset="0"/>
+            </a:endParaRPr>
+          </a:p>
+          <a:p>
+            <a:pPr marL="355600" lvl="1" indent="-342900" algn="just" fontAlgn="base">
+              <a:lnSpc>
+                <a:spcPct val="90000"/>
+              </a:lnSpc>
+              <a:spcBef>
+                <a:spcPts val="0"/>
+              </a:spcBef>
+              <a:buFont typeface="Arial" panose="020B0604020202020204" pitchFamily="34" charset="0"/>
+              <a:buChar char="•"/>
+            </a:pPr>
+            <a:r>
+              <a:rPr lang="ru-RU" sz="2000" dirty="0">
+                <a:ea typeface="Verdana" panose="020B0604030504040204" pitchFamily="34" charset="0"/>
+                <a:cs typeface="Verdana" panose="020B0604030504040204" pitchFamily="34" charset="0"/>
+              </a:rPr>
+              <a:t>Выходом модели является список в формате </a:t>
+            </a:r>
+            <a:r>
+              <a:rPr lang="en-US" sz="2000" dirty="0">
+                <a:ea typeface="Verdana" panose="020B0604030504040204" pitchFamily="34" charset="0"/>
+                <a:cs typeface="Verdana" panose="020B0604030504040204" pitchFamily="34" charset="0"/>
+              </a:rPr>
+              <a:t>json</a:t>
+            </a:r>
+            <a:endParaRPr lang="ru-RU" sz="2000" dirty="0">
+              <a:ea typeface="Verdana" panose="020B0604030504040204" pitchFamily="34" charset="0"/>
+              <a:cs typeface="Verdana" panose="020B0604030504040204" pitchFamily="34" charset="0"/>
+            </a:endParaRPr>
+          </a:p>
+          <a:p>
+            <a:pPr marL="355600" lvl="1" indent="-342900" algn="just" fontAlgn="base">
+              <a:lnSpc>
+                <a:spcPct val="90000"/>
+              </a:lnSpc>
+              <a:spcBef>
+                <a:spcPts val="0"/>
+              </a:spcBef>
+              <a:buFont typeface="Arial" panose="020B0604020202020204" pitchFamily="34" charset="0"/>
+              <a:buChar char="•"/>
+            </a:pPr>
+            <a:endParaRPr lang="ru-RU" sz="2000" dirty="0">
+              <a:ea typeface="Verdana" panose="020B0604030504040204" pitchFamily="34" charset="0"/>
+              <a:cs typeface="Verdana" panose="020B0604030504040204" pitchFamily="34" charset="0"/>
+            </a:endParaRPr>
+          </a:p>
+          <a:p>
+            <a:pPr marL="355600" lvl="1" indent="-342900" algn="just" fontAlgn="base">
+              <a:lnSpc>
+                <a:spcPct val="90000"/>
+              </a:lnSpc>
+              <a:spcBef>
+                <a:spcPts val="0"/>
+              </a:spcBef>
+              <a:buFont typeface="Arial" panose="020B0604020202020204" pitchFamily="34" charset="0"/>
+              <a:buChar char="•"/>
+            </a:pPr>
+            <a:r>
+              <a:rPr lang="ru-RU" sz="2000" dirty="0">
+                <a:ea typeface="Verdana" panose="020B0604030504040204" pitchFamily="34" charset="0"/>
+                <a:cs typeface="Verdana" panose="020B0604030504040204" pitchFamily="34" charset="0"/>
+              </a:rPr>
+              <a:t>В качестве данных для обучения использовался </a:t>
+            </a:r>
+            <a:r>
+              <a:rPr lang="en-US" sz="2000" dirty="0">
+                <a:ea typeface="Verdana" panose="020B0604030504040204" pitchFamily="34" charset="0"/>
+                <a:cs typeface="Verdana" panose="020B0604030504040204" pitchFamily="34" charset="0"/>
+                <a:hlinkClick r:id="rId4"/>
+              </a:rPr>
+              <a:t>h</a:t>
+            </a:r>
+            <a:r>
+              <a:rPr lang="en-US" sz="2000" dirty="0">
+                <a:ea typeface="Verdana" panose="020B0604030504040204" pitchFamily="34" charset="0"/>
+                <a:cs typeface="Verdana" panose="020B0604030504040204" pitchFamily="34" charset="0"/>
+                <a:hlinkClick r:id="rId4"/>
+              </a:rPr>
+              <a:t>ttps://huggingface.co/datasets/opus_books</a:t>
+            </a:r>
+            <a:endParaRPr lang="ru-RU" sz="2000" dirty="0">
+              <a:ea typeface="Verdana" panose="020B0604030504040204" pitchFamily="34" charset="0"/>
+              <a:cs typeface="Verdana" panose="020B0604030504040204" pitchFamily="34" charset="0"/>
+            </a:endParaRPr>
+          </a:p>
+          <a:p>
+            <a:pPr marL="355600" lvl="1" indent="-342900" algn="just" fontAlgn="base">
+              <a:lnSpc>
+                <a:spcPct val="90000"/>
+              </a:lnSpc>
+              <a:spcBef>
+                <a:spcPts val="0"/>
+              </a:spcBef>
+              <a:buFont typeface="Arial" panose="020B0604020202020204" pitchFamily="34" charset="0"/>
+              <a:buChar char="•"/>
+            </a:pPr>
+            <a:endParaRPr lang="en-US" sz="2000" dirty="0">
+              <a:ea typeface="Verdana" panose="020B0604030504040204" pitchFamily="34" charset="0"/>
+              <a:cs typeface="Verdana" panose="020B0604030504040204" pitchFamily="34" charset="0"/>
+            </a:endParaRPr>
+          </a:p>
+          <a:p>
+            <a:pPr marL="355600" lvl="1" indent="-342900" algn="just" fontAlgn="base">
+              <a:lnSpc>
+                <a:spcPct val="90000"/>
+              </a:lnSpc>
+              <a:spcBef>
+                <a:spcPts val="0"/>
+              </a:spcBef>
+              <a:buFont typeface="Arial" panose="020B0604020202020204" pitchFamily="34" charset="0"/>
+              <a:buChar char="•"/>
+            </a:pPr>
+            <a:endParaRPr lang="ru-RU" sz="2000" dirty="0">
+              <a:ea typeface="Verdana" panose="020B0604030504040204" pitchFamily="34" charset="0"/>
+              <a:cs typeface="Verdana" panose="020B0604030504040204" pitchFamily="34" charset="0"/>
+            </a:endParaRPr>
+          </a:p>
+          <a:p>
+            <a:pPr marL="355600" lvl="1" indent="-342900" algn="just" fontAlgn="base">
+              <a:lnSpc>
+                <a:spcPct val="90000"/>
+              </a:lnSpc>
+              <a:spcBef>
+                <a:spcPts val="0"/>
+              </a:spcBef>
+              <a:buFont typeface="Arial" panose="020B0604020202020204" pitchFamily="34" charset="0"/>
+              <a:buChar char="•"/>
+            </a:pPr>
+            <a:endParaRPr lang="ru-RU" sz="2000" dirty="0">
+              <a:ea typeface="Verdana" panose="020B0604030504040204" pitchFamily="34" charset="0"/>
+              <a:cs typeface="Verdana" panose="020B0604030504040204" pitchFamily="34" charset="0"/>
+            </a:endParaRPr>
           </a:p>
         </p:txBody>
       </p:sp>
@@ -5196,7 +6050,7 @@
           <p:cNvPr id="2" name="Объект 1">
             <a:extLst>
               <a:ext uri="{FF2B5EF4-FFF2-40B4-BE49-F238E27FC236}">
-                <a16:creationId xmlns:a16="http://schemas.microsoft.com/office/drawing/2014/main" id="{C40ED2F8-06A7-6E9D-97D9-2CEA39742989}"/>
+                <a16:creationId xmlns:a16="http://schemas.microsoft.com/office/drawing/2014/main" id="{D74249E5-BB32-5CC3-3869-34A1DB5C6109}"/>
               </a:ext>
             </a:extLst>
           </p:cNvPr>
@@ -5206,7 +6060,7 @@
           <p:nvPr/>
         </p:nvPicPr>
         <p:blipFill rotWithShape="1">
-          <a:blip r:embed="rId2" cstate="screen">
+          <a:blip r:embed="rId5" cstate="screen">
             <a:extLst>
               <a:ext uri="{28A0092B-C50C-407E-A947-70E740481C1C}">
                 <a14:useLocalDpi xmlns:a14="http://schemas.microsoft.com/office/drawing/2010/main"/>
@@ -5226,10 +6080,1008 @@
           </a:prstGeom>
         </p:spPr>
       </p:pic>
+      <p:sp>
+        <p:nvSpPr>
+          <p:cNvPr id="10" name="Прямоугольник 9">
+            <a:extLst>
+              <a:ext uri="{FF2B5EF4-FFF2-40B4-BE49-F238E27FC236}">
+                <a16:creationId xmlns:a16="http://schemas.microsoft.com/office/drawing/2014/main" id="{F7ACB4BD-F011-44E8-8CCD-B1BA83D660A1}"/>
+              </a:ext>
+            </a:extLst>
+          </p:cNvPr>
+          <p:cNvSpPr/>
+          <p:nvPr/>
+        </p:nvSpPr>
+        <p:spPr>
+          <a:xfrm>
+            <a:off x="6502238" y="1363267"/>
+            <a:ext cx="5267856" cy="1502719"/>
+          </a:xfrm>
+          <a:prstGeom prst="rect">
+            <a:avLst/>
+          </a:prstGeom>
+        </p:spPr>
+        <p:txBody>
+          <a:bodyPr wrap="square">
+            <a:spAutoFit/>
+          </a:bodyPr>
+          <a:lstStyle/>
+          <a:p>
+            <a:pPr>
+              <a:lnSpc>
+                <a:spcPct val="107000"/>
+              </a:lnSpc>
+              <a:spcAft>
+                <a:spcPts val="0"/>
+              </a:spcAft>
+              <a:tabLst>
+                <a:tab pos="581660" algn="l"/>
+                <a:tab pos="1163320" algn="l"/>
+                <a:tab pos="1744980" algn="l"/>
+                <a:tab pos="2326640" algn="l"/>
+                <a:tab pos="2908300" algn="l"/>
+                <a:tab pos="3489960" algn="l"/>
+                <a:tab pos="4071620" algn="l"/>
+                <a:tab pos="4653280" algn="l"/>
+                <a:tab pos="5234940" algn="l"/>
+                <a:tab pos="5816600" algn="l"/>
+                <a:tab pos="6398260" algn="l"/>
+                <a:tab pos="6979920" algn="l"/>
+                <a:tab pos="7561580" algn="l"/>
+                <a:tab pos="8143240" algn="l"/>
+                <a:tab pos="8724900" algn="l"/>
+                <a:tab pos="9306560" algn="l"/>
+              </a:tabLst>
+            </a:pPr>
+            <a:r>
+              <a:rPr lang="en-US" sz="700" dirty="0">
+                <a:solidFill>
+                  <a:srgbClr val="A626A4"/>
+                </a:solidFill>
+                <a:latin typeface="Consolas" panose="020B0609020204030204" pitchFamily="49" charset="0"/>
+                <a:ea typeface="Times New Roman" panose="02020603050405020304" pitchFamily="18" charset="0"/>
+                <a:cs typeface="Courier New" panose="02070309020205020404" pitchFamily="49" charset="0"/>
+              </a:rPr>
+              <a:t>import</a:t>
+            </a:r>
+            <a:r>
+              <a:rPr lang="en-US" sz="700" dirty="0">
+                <a:latin typeface="Consolas" panose="020B0609020204030204" pitchFamily="49" charset="0"/>
+                <a:ea typeface="Times New Roman" panose="02020603050405020304" pitchFamily="18" charset="0"/>
+                <a:cs typeface="Courier New" panose="02070309020205020404" pitchFamily="49" charset="0"/>
+              </a:rPr>
+              <a:t> requests</a:t>
+            </a:r>
+            <a:endParaRPr lang="ru-RU" sz="900" dirty="0">
+              <a:latin typeface="Calibri" panose="020F0502020204030204" pitchFamily="34" charset="0"/>
+              <a:ea typeface="Calibri" panose="020F0502020204030204" pitchFamily="34" charset="0"/>
+              <a:cs typeface="Times New Roman" panose="02020603050405020304" pitchFamily="18" charset="0"/>
+            </a:endParaRPr>
+          </a:p>
+          <a:p>
+            <a:pPr>
+              <a:lnSpc>
+                <a:spcPct val="107000"/>
+              </a:lnSpc>
+              <a:spcAft>
+                <a:spcPts val="0"/>
+              </a:spcAft>
+              <a:tabLst>
+                <a:tab pos="581660" algn="l"/>
+                <a:tab pos="1163320" algn="l"/>
+                <a:tab pos="1744980" algn="l"/>
+                <a:tab pos="2326640" algn="l"/>
+                <a:tab pos="2908300" algn="l"/>
+                <a:tab pos="3489960" algn="l"/>
+                <a:tab pos="4071620" algn="l"/>
+                <a:tab pos="4653280" algn="l"/>
+                <a:tab pos="5234940" algn="l"/>
+                <a:tab pos="5816600" algn="l"/>
+                <a:tab pos="6398260" algn="l"/>
+                <a:tab pos="6979920" algn="l"/>
+                <a:tab pos="7561580" algn="l"/>
+                <a:tab pos="8143240" algn="l"/>
+                <a:tab pos="8724900" algn="l"/>
+                <a:tab pos="9306560" algn="l"/>
+              </a:tabLst>
+            </a:pPr>
+            <a:r>
+              <a:rPr lang="en-US" sz="700" dirty="0">
+                <a:latin typeface="Consolas" panose="020B0609020204030204" pitchFamily="49" charset="0"/>
+                <a:ea typeface="Times New Roman" panose="02020603050405020304" pitchFamily="18" charset="0"/>
+                <a:cs typeface="Courier New" panose="02070309020205020404" pitchFamily="49" charset="0"/>
+              </a:rPr>
+              <a:t> </a:t>
+            </a:r>
+            <a:endParaRPr lang="ru-RU" sz="900" dirty="0">
+              <a:latin typeface="Calibri" panose="020F0502020204030204" pitchFamily="34" charset="0"/>
+              <a:ea typeface="Calibri" panose="020F0502020204030204" pitchFamily="34" charset="0"/>
+              <a:cs typeface="Times New Roman" panose="02020603050405020304" pitchFamily="18" charset="0"/>
+            </a:endParaRPr>
+          </a:p>
+          <a:p>
+            <a:pPr>
+              <a:lnSpc>
+                <a:spcPct val="107000"/>
+              </a:lnSpc>
+              <a:spcAft>
+                <a:spcPts val="0"/>
+              </a:spcAft>
+              <a:tabLst>
+                <a:tab pos="581660" algn="l"/>
+                <a:tab pos="1163320" algn="l"/>
+                <a:tab pos="1744980" algn="l"/>
+                <a:tab pos="2326640" algn="l"/>
+                <a:tab pos="2908300" algn="l"/>
+                <a:tab pos="3489960" algn="l"/>
+                <a:tab pos="4071620" algn="l"/>
+                <a:tab pos="4653280" algn="l"/>
+                <a:tab pos="5234940" algn="l"/>
+                <a:tab pos="5816600" algn="l"/>
+                <a:tab pos="6398260" algn="l"/>
+                <a:tab pos="6979920" algn="l"/>
+                <a:tab pos="7561580" algn="l"/>
+                <a:tab pos="8143240" algn="l"/>
+                <a:tab pos="8724900" algn="l"/>
+                <a:tab pos="9306560" algn="l"/>
+              </a:tabLst>
+            </a:pPr>
+            <a:r>
+              <a:rPr lang="en-US" sz="700" dirty="0">
+                <a:latin typeface="Consolas" panose="020B0609020204030204" pitchFamily="49" charset="0"/>
+                <a:ea typeface="Times New Roman" panose="02020603050405020304" pitchFamily="18" charset="0"/>
+                <a:cs typeface="Courier New" panose="02070309020205020404" pitchFamily="49" charset="0"/>
+              </a:rPr>
+              <a:t>API_URL = </a:t>
+            </a:r>
+            <a:r>
+              <a:rPr lang="en-US" sz="700" dirty="0">
+                <a:solidFill>
+                  <a:srgbClr val="50A14F"/>
+                </a:solidFill>
+                <a:latin typeface="Consolas" panose="020B0609020204030204" pitchFamily="49" charset="0"/>
+                <a:ea typeface="Times New Roman" panose="02020603050405020304" pitchFamily="18" charset="0"/>
+                <a:cs typeface="Courier New" panose="02070309020205020404" pitchFamily="49" charset="0"/>
+              </a:rPr>
+              <a:t>"https://api-inference.huggingface.co/models/Helsinki-NLP/opus-mt-</a:t>
+            </a:r>
+            <a:r>
+              <a:rPr lang="en-US" sz="700" dirty="0" err="1">
+                <a:solidFill>
+                  <a:srgbClr val="50A14F"/>
+                </a:solidFill>
+                <a:latin typeface="Consolas" panose="020B0609020204030204" pitchFamily="49" charset="0"/>
+                <a:ea typeface="Times New Roman" panose="02020603050405020304" pitchFamily="18" charset="0"/>
+                <a:cs typeface="Courier New" panose="02070309020205020404" pitchFamily="49" charset="0"/>
+              </a:rPr>
+              <a:t>en</a:t>
+            </a:r>
+            <a:r>
+              <a:rPr lang="en-US" sz="700" dirty="0">
+                <a:solidFill>
+                  <a:srgbClr val="50A14F"/>
+                </a:solidFill>
+                <a:latin typeface="Consolas" panose="020B0609020204030204" pitchFamily="49" charset="0"/>
+                <a:ea typeface="Times New Roman" panose="02020603050405020304" pitchFamily="18" charset="0"/>
+                <a:cs typeface="Courier New" panose="02070309020205020404" pitchFamily="49" charset="0"/>
+              </a:rPr>
+              <a:t>-</a:t>
+            </a:r>
+            <a:r>
+              <a:rPr lang="en-US" sz="700" dirty="0" err="1">
+                <a:solidFill>
+                  <a:srgbClr val="50A14F"/>
+                </a:solidFill>
+                <a:latin typeface="Consolas" panose="020B0609020204030204" pitchFamily="49" charset="0"/>
+                <a:ea typeface="Times New Roman" panose="02020603050405020304" pitchFamily="18" charset="0"/>
+                <a:cs typeface="Courier New" panose="02070309020205020404" pitchFamily="49" charset="0"/>
+              </a:rPr>
+              <a:t>mul</a:t>
+            </a:r>
+            <a:r>
+              <a:rPr lang="en-US" sz="700" dirty="0">
+                <a:solidFill>
+                  <a:srgbClr val="50A14F"/>
+                </a:solidFill>
+                <a:latin typeface="Consolas" panose="020B0609020204030204" pitchFamily="49" charset="0"/>
+                <a:ea typeface="Times New Roman" panose="02020603050405020304" pitchFamily="18" charset="0"/>
+                <a:cs typeface="Courier New" panose="02070309020205020404" pitchFamily="49" charset="0"/>
+              </a:rPr>
+              <a:t>"</a:t>
+            </a:r>
+            <a:endParaRPr lang="ru-RU" sz="900" dirty="0">
+              <a:latin typeface="Calibri" panose="020F0502020204030204" pitchFamily="34" charset="0"/>
+              <a:ea typeface="Calibri" panose="020F0502020204030204" pitchFamily="34" charset="0"/>
+              <a:cs typeface="Times New Roman" panose="02020603050405020304" pitchFamily="18" charset="0"/>
+            </a:endParaRPr>
+          </a:p>
+          <a:p>
+            <a:pPr>
+              <a:lnSpc>
+                <a:spcPct val="107000"/>
+              </a:lnSpc>
+              <a:spcAft>
+                <a:spcPts val="0"/>
+              </a:spcAft>
+              <a:tabLst>
+                <a:tab pos="581660" algn="l"/>
+                <a:tab pos="1163320" algn="l"/>
+                <a:tab pos="1744980" algn="l"/>
+                <a:tab pos="2326640" algn="l"/>
+                <a:tab pos="2908300" algn="l"/>
+                <a:tab pos="3489960" algn="l"/>
+                <a:tab pos="4071620" algn="l"/>
+                <a:tab pos="4653280" algn="l"/>
+                <a:tab pos="5234940" algn="l"/>
+                <a:tab pos="5816600" algn="l"/>
+                <a:tab pos="6398260" algn="l"/>
+                <a:tab pos="6979920" algn="l"/>
+                <a:tab pos="7561580" algn="l"/>
+                <a:tab pos="8143240" algn="l"/>
+                <a:tab pos="8724900" algn="l"/>
+                <a:tab pos="9306560" algn="l"/>
+              </a:tabLst>
+            </a:pPr>
+            <a:r>
+              <a:rPr lang="en-US" sz="700" dirty="0">
+                <a:latin typeface="Consolas" panose="020B0609020204030204" pitchFamily="49" charset="0"/>
+                <a:ea typeface="Times New Roman" panose="02020603050405020304" pitchFamily="18" charset="0"/>
+                <a:cs typeface="Courier New" panose="02070309020205020404" pitchFamily="49" charset="0"/>
+              </a:rPr>
+              <a:t>headers = {</a:t>
+            </a:r>
+            <a:r>
+              <a:rPr lang="en-US" sz="700" dirty="0">
+                <a:solidFill>
+                  <a:srgbClr val="50A14F"/>
+                </a:solidFill>
+                <a:latin typeface="Consolas" panose="020B0609020204030204" pitchFamily="49" charset="0"/>
+                <a:ea typeface="Times New Roman" panose="02020603050405020304" pitchFamily="18" charset="0"/>
+                <a:cs typeface="Courier New" panose="02070309020205020404" pitchFamily="49" charset="0"/>
+              </a:rPr>
+              <a:t>"Authorization"</a:t>
+            </a:r>
+            <a:r>
+              <a:rPr lang="en-US" sz="700" dirty="0">
+                <a:latin typeface="Consolas" panose="020B0609020204030204" pitchFamily="49" charset="0"/>
+                <a:ea typeface="Times New Roman" panose="02020603050405020304" pitchFamily="18" charset="0"/>
+                <a:cs typeface="Courier New" panose="02070309020205020404" pitchFamily="49" charset="0"/>
+              </a:rPr>
+              <a:t>: </a:t>
+            </a:r>
+            <a:r>
+              <a:rPr lang="en-US" sz="700" dirty="0" err="1">
+                <a:solidFill>
+                  <a:srgbClr val="50A14F"/>
+                </a:solidFill>
+                <a:latin typeface="Consolas" panose="020B0609020204030204" pitchFamily="49" charset="0"/>
+                <a:ea typeface="Times New Roman" panose="02020603050405020304" pitchFamily="18" charset="0"/>
+                <a:cs typeface="Courier New" panose="02070309020205020404" pitchFamily="49" charset="0"/>
+              </a:rPr>
+              <a:t>f"Bearer</a:t>
+            </a:r>
+            <a:r>
+              <a:rPr lang="en-US" sz="700" dirty="0">
+                <a:solidFill>
+                  <a:srgbClr val="50A14F"/>
+                </a:solidFill>
+                <a:latin typeface="Consolas" panose="020B0609020204030204" pitchFamily="49" charset="0"/>
+                <a:ea typeface="Times New Roman" panose="02020603050405020304" pitchFamily="18" charset="0"/>
+                <a:cs typeface="Courier New" panose="02070309020205020404" pitchFamily="49" charset="0"/>
+              </a:rPr>
+              <a:t> </a:t>
+            </a:r>
+            <a:r>
+              <a:rPr lang="en-US" sz="700" dirty="0">
+                <a:solidFill>
+                  <a:srgbClr val="E45649"/>
+                </a:solidFill>
+                <a:latin typeface="Consolas" panose="020B0609020204030204" pitchFamily="49" charset="0"/>
+                <a:ea typeface="Times New Roman" panose="02020603050405020304" pitchFamily="18" charset="0"/>
+                <a:cs typeface="Courier New" panose="02070309020205020404" pitchFamily="49" charset="0"/>
+              </a:rPr>
+              <a:t>{API_TOKEN}</a:t>
+            </a:r>
+            <a:r>
+              <a:rPr lang="en-US" sz="700" dirty="0">
+                <a:solidFill>
+                  <a:srgbClr val="50A14F"/>
+                </a:solidFill>
+                <a:latin typeface="Consolas" panose="020B0609020204030204" pitchFamily="49" charset="0"/>
+                <a:ea typeface="Times New Roman" panose="02020603050405020304" pitchFamily="18" charset="0"/>
+                <a:cs typeface="Courier New" panose="02070309020205020404" pitchFamily="49" charset="0"/>
+              </a:rPr>
+              <a:t>"</a:t>
+            </a:r>
+            <a:r>
+              <a:rPr lang="en-US" sz="700" dirty="0">
+                <a:latin typeface="Consolas" panose="020B0609020204030204" pitchFamily="49" charset="0"/>
+                <a:ea typeface="Times New Roman" panose="02020603050405020304" pitchFamily="18" charset="0"/>
+                <a:cs typeface="Courier New" panose="02070309020205020404" pitchFamily="49" charset="0"/>
+              </a:rPr>
+              <a:t>}</a:t>
+            </a:r>
+            <a:endParaRPr lang="ru-RU" sz="900" dirty="0">
+              <a:latin typeface="Calibri" panose="020F0502020204030204" pitchFamily="34" charset="0"/>
+              <a:ea typeface="Calibri" panose="020F0502020204030204" pitchFamily="34" charset="0"/>
+              <a:cs typeface="Times New Roman" panose="02020603050405020304" pitchFamily="18" charset="0"/>
+            </a:endParaRPr>
+          </a:p>
+          <a:p>
+            <a:pPr>
+              <a:lnSpc>
+                <a:spcPct val="107000"/>
+              </a:lnSpc>
+              <a:spcAft>
+                <a:spcPts val="0"/>
+              </a:spcAft>
+              <a:tabLst>
+                <a:tab pos="581660" algn="l"/>
+                <a:tab pos="1163320" algn="l"/>
+                <a:tab pos="1744980" algn="l"/>
+                <a:tab pos="2326640" algn="l"/>
+                <a:tab pos="2908300" algn="l"/>
+                <a:tab pos="3489960" algn="l"/>
+                <a:tab pos="4071620" algn="l"/>
+                <a:tab pos="4653280" algn="l"/>
+                <a:tab pos="5234940" algn="l"/>
+                <a:tab pos="5816600" algn="l"/>
+                <a:tab pos="6398260" algn="l"/>
+                <a:tab pos="6979920" algn="l"/>
+                <a:tab pos="7561580" algn="l"/>
+                <a:tab pos="8143240" algn="l"/>
+                <a:tab pos="8724900" algn="l"/>
+                <a:tab pos="9306560" algn="l"/>
+              </a:tabLst>
+            </a:pPr>
+            <a:r>
+              <a:rPr lang="en-US" sz="700" dirty="0">
+                <a:latin typeface="Consolas" panose="020B0609020204030204" pitchFamily="49" charset="0"/>
+                <a:ea typeface="Times New Roman" panose="02020603050405020304" pitchFamily="18" charset="0"/>
+                <a:cs typeface="Courier New" panose="02070309020205020404" pitchFamily="49" charset="0"/>
+              </a:rPr>
+              <a:t> </a:t>
+            </a:r>
+            <a:endParaRPr lang="ru-RU" sz="900" dirty="0">
+              <a:latin typeface="Calibri" panose="020F0502020204030204" pitchFamily="34" charset="0"/>
+              <a:ea typeface="Calibri" panose="020F0502020204030204" pitchFamily="34" charset="0"/>
+              <a:cs typeface="Times New Roman" panose="02020603050405020304" pitchFamily="18" charset="0"/>
+            </a:endParaRPr>
+          </a:p>
+          <a:p>
+            <a:pPr>
+              <a:lnSpc>
+                <a:spcPct val="107000"/>
+              </a:lnSpc>
+              <a:spcAft>
+                <a:spcPts val="0"/>
+              </a:spcAft>
+              <a:tabLst>
+                <a:tab pos="581660" algn="l"/>
+                <a:tab pos="1163320" algn="l"/>
+                <a:tab pos="1744980" algn="l"/>
+                <a:tab pos="2326640" algn="l"/>
+                <a:tab pos="2908300" algn="l"/>
+                <a:tab pos="3489960" algn="l"/>
+                <a:tab pos="4071620" algn="l"/>
+                <a:tab pos="4653280" algn="l"/>
+                <a:tab pos="5234940" algn="l"/>
+                <a:tab pos="5816600" algn="l"/>
+                <a:tab pos="6398260" algn="l"/>
+                <a:tab pos="6979920" algn="l"/>
+                <a:tab pos="7561580" algn="l"/>
+                <a:tab pos="8143240" algn="l"/>
+                <a:tab pos="8724900" algn="l"/>
+                <a:tab pos="9306560" algn="l"/>
+              </a:tabLst>
+            </a:pPr>
+            <a:r>
+              <a:rPr lang="en-US" sz="700" dirty="0">
+                <a:solidFill>
+                  <a:srgbClr val="A626A4"/>
+                </a:solidFill>
+                <a:latin typeface="Consolas" panose="020B0609020204030204" pitchFamily="49" charset="0"/>
+                <a:ea typeface="Times New Roman" panose="02020603050405020304" pitchFamily="18" charset="0"/>
+                <a:cs typeface="Courier New" panose="02070309020205020404" pitchFamily="49" charset="0"/>
+              </a:rPr>
+              <a:t>def</a:t>
+            </a:r>
+            <a:r>
+              <a:rPr lang="en-US" sz="700" dirty="0">
+                <a:latin typeface="Consolas" panose="020B0609020204030204" pitchFamily="49" charset="0"/>
+                <a:ea typeface="Times New Roman" panose="02020603050405020304" pitchFamily="18" charset="0"/>
+                <a:cs typeface="Courier New" panose="02070309020205020404" pitchFamily="49" charset="0"/>
+              </a:rPr>
+              <a:t> </a:t>
+            </a:r>
+            <a:r>
+              <a:rPr lang="en-US" sz="700" dirty="0">
+                <a:solidFill>
+                  <a:srgbClr val="4078F2"/>
+                </a:solidFill>
+                <a:latin typeface="Consolas" panose="020B0609020204030204" pitchFamily="49" charset="0"/>
+                <a:ea typeface="Times New Roman" panose="02020603050405020304" pitchFamily="18" charset="0"/>
+                <a:cs typeface="Courier New" panose="02070309020205020404" pitchFamily="49" charset="0"/>
+              </a:rPr>
+              <a:t>query</a:t>
+            </a:r>
+            <a:r>
+              <a:rPr lang="en-US" sz="700" dirty="0">
+                <a:latin typeface="Consolas" panose="020B0609020204030204" pitchFamily="49" charset="0"/>
+                <a:ea typeface="Times New Roman" panose="02020603050405020304" pitchFamily="18" charset="0"/>
+                <a:cs typeface="Courier New" panose="02070309020205020404" pitchFamily="49" charset="0"/>
+              </a:rPr>
+              <a:t>(payload):</a:t>
+            </a:r>
+            <a:endParaRPr lang="ru-RU" sz="900" dirty="0">
+              <a:latin typeface="Calibri" panose="020F0502020204030204" pitchFamily="34" charset="0"/>
+              <a:ea typeface="Calibri" panose="020F0502020204030204" pitchFamily="34" charset="0"/>
+              <a:cs typeface="Times New Roman" panose="02020603050405020304" pitchFamily="18" charset="0"/>
+            </a:endParaRPr>
+          </a:p>
+          <a:p>
+            <a:pPr>
+              <a:lnSpc>
+                <a:spcPct val="107000"/>
+              </a:lnSpc>
+              <a:spcAft>
+                <a:spcPts val="0"/>
+              </a:spcAft>
+              <a:tabLst>
+                <a:tab pos="581660" algn="l"/>
+                <a:tab pos="1163320" algn="l"/>
+                <a:tab pos="1744980" algn="l"/>
+                <a:tab pos="2326640" algn="l"/>
+                <a:tab pos="2908300" algn="l"/>
+                <a:tab pos="3489960" algn="l"/>
+                <a:tab pos="4071620" algn="l"/>
+                <a:tab pos="4653280" algn="l"/>
+                <a:tab pos="5234940" algn="l"/>
+                <a:tab pos="5816600" algn="l"/>
+                <a:tab pos="6398260" algn="l"/>
+                <a:tab pos="6979920" algn="l"/>
+                <a:tab pos="7561580" algn="l"/>
+                <a:tab pos="8143240" algn="l"/>
+                <a:tab pos="8724900" algn="l"/>
+                <a:tab pos="9306560" algn="l"/>
+              </a:tabLst>
+            </a:pPr>
+            <a:r>
+              <a:rPr lang="en-US" sz="700" dirty="0">
+                <a:latin typeface="Consolas" panose="020B0609020204030204" pitchFamily="49" charset="0"/>
+                <a:ea typeface="Times New Roman" panose="02020603050405020304" pitchFamily="18" charset="0"/>
+                <a:cs typeface="Courier New" panose="02070309020205020404" pitchFamily="49" charset="0"/>
+              </a:rPr>
+              <a:t>	response = </a:t>
+            </a:r>
+            <a:r>
+              <a:rPr lang="en-US" sz="700" dirty="0" err="1">
+                <a:latin typeface="Consolas" panose="020B0609020204030204" pitchFamily="49" charset="0"/>
+                <a:ea typeface="Times New Roman" panose="02020603050405020304" pitchFamily="18" charset="0"/>
+                <a:cs typeface="Courier New" panose="02070309020205020404" pitchFamily="49" charset="0"/>
+              </a:rPr>
+              <a:t>requests.post</a:t>
+            </a:r>
+            <a:r>
+              <a:rPr lang="en-US" sz="700" dirty="0">
+                <a:latin typeface="Consolas" panose="020B0609020204030204" pitchFamily="49" charset="0"/>
+                <a:ea typeface="Times New Roman" panose="02020603050405020304" pitchFamily="18" charset="0"/>
+                <a:cs typeface="Courier New" panose="02070309020205020404" pitchFamily="49" charset="0"/>
+              </a:rPr>
+              <a:t>(API_URL, headers=headers, json=payload)</a:t>
+            </a:r>
+            <a:endParaRPr lang="ru-RU" sz="900" dirty="0">
+              <a:latin typeface="Calibri" panose="020F0502020204030204" pitchFamily="34" charset="0"/>
+              <a:ea typeface="Calibri" panose="020F0502020204030204" pitchFamily="34" charset="0"/>
+              <a:cs typeface="Times New Roman" panose="02020603050405020304" pitchFamily="18" charset="0"/>
+            </a:endParaRPr>
+          </a:p>
+          <a:p>
+            <a:pPr>
+              <a:lnSpc>
+                <a:spcPct val="107000"/>
+              </a:lnSpc>
+              <a:spcAft>
+                <a:spcPts val="0"/>
+              </a:spcAft>
+              <a:tabLst>
+                <a:tab pos="581660" algn="l"/>
+                <a:tab pos="1163320" algn="l"/>
+                <a:tab pos="1744980" algn="l"/>
+                <a:tab pos="2326640" algn="l"/>
+                <a:tab pos="2908300" algn="l"/>
+                <a:tab pos="3489960" algn="l"/>
+                <a:tab pos="4071620" algn="l"/>
+                <a:tab pos="4653280" algn="l"/>
+                <a:tab pos="5234940" algn="l"/>
+                <a:tab pos="5816600" algn="l"/>
+                <a:tab pos="6398260" algn="l"/>
+                <a:tab pos="6979920" algn="l"/>
+                <a:tab pos="7561580" algn="l"/>
+                <a:tab pos="8143240" algn="l"/>
+                <a:tab pos="8724900" algn="l"/>
+                <a:tab pos="9306560" algn="l"/>
+              </a:tabLst>
+            </a:pPr>
+            <a:r>
+              <a:rPr lang="en-US" sz="700" dirty="0">
+                <a:latin typeface="Consolas" panose="020B0609020204030204" pitchFamily="49" charset="0"/>
+                <a:ea typeface="Times New Roman" panose="02020603050405020304" pitchFamily="18" charset="0"/>
+                <a:cs typeface="Courier New" panose="02070309020205020404" pitchFamily="49" charset="0"/>
+              </a:rPr>
+              <a:t>	</a:t>
+            </a:r>
+            <a:r>
+              <a:rPr lang="en-US" sz="700" dirty="0">
+                <a:solidFill>
+                  <a:srgbClr val="A626A4"/>
+                </a:solidFill>
+                <a:latin typeface="Consolas" panose="020B0609020204030204" pitchFamily="49" charset="0"/>
+                <a:ea typeface="Times New Roman" panose="02020603050405020304" pitchFamily="18" charset="0"/>
+                <a:cs typeface="Courier New" panose="02070309020205020404" pitchFamily="49" charset="0"/>
+              </a:rPr>
+              <a:t>return</a:t>
+            </a:r>
+            <a:r>
+              <a:rPr lang="en-US" sz="700" dirty="0">
+                <a:latin typeface="Consolas" panose="020B0609020204030204" pitchFamily="49" charset="0"/>
+                <a:ea typeface="Times New Roman" panose="02020603050405020304" pitchFamily="18" charset="0"/>
+                <a:cs typeface="Courier New" panose="02070309020205020404" pitchFamily="49" charset="0"/>
+              </a:rPr>
+              <a:t> </a:t>
+            </a:r>
+            <a:r>
+              <a:rPr lang="en-US" sz="700" dirty="0" err="1">
+                <a:latin typeface="Consolas" panose="020B0609020204030204" pitchFamily="49" charset="0"/>
+                <a:ea typeface="Times New Roman" panose="02020603050405020304" pitchFamily="18" charset="0"/>
+                <a:cs typeface="Courier New" panose="02070309020205020404" pitchFamily="49" charset="0"/>
+              </a:rPr>
+              <a:t>response.json</a:t>
+            </a:r>
+            <a:r>
+              <a:rPr lang="en-US" sz="700" dirty="0">
+                <a:latin typeface="Consolas" panose="020B0609020204030204" pitchFamily="49" charset="0"/>
+                <a:ea typeface="Times New Roman" panose="02020603050405020304" pitchFamily="18" charset="0"/>
+                <a:cs typeface="Courier New" panose="02070309020205020404" pitchFamily="49" charset="0"/>
+              </a:rPr>
+              <a:t>()</a:t>
+            </a:r>
+            <a:endParaRPr lang="ru-RU" sz="900" dirty="0">
+              <a:latin typeface="Calibri" panose="020F0502020204030204" pitchFamily="34" charset="0"/>
+              <a:ea typeface="Calibri" panose="020F0502020204030204" pitchFamily="34" charset="0"/>
+              <a:cs typeface="Times New Roman" panose="02020603050405020304" pitchFamily="18" charset="0"/>
+            </a:endParaRPr>
+          </a:p>
+          <a:p>
+            <a:pPr>
+              <a:lnSpc>
+                <a:spcPct val="107000"/>
+              </a:lnSpc>
+              <a:spcAft>
+                <a:spcPts val="0"/>
+              </a:spcAft>
+              <a:tabLst>
+                <a:tab pos="581660" algn="l"/>
+                <a:tab pos="1163320" algn="l"/>
+                <a:tab pos="1744980" algn="l"/>
+                <a:tab pos="2326640" algn="l"/>
+                <a:tab pos="2908300" algn="l"/>
+                <a:tab pos="3489960" algn="l"/>
+                <a:tab pos="4071620" algn="l"/>
+                <a:tab pos="4653280" algn="l"/>
+                <a:tab pos="5234940" algn="l"/>
+                <a:tab pos="5816600" algn="l"/>
+                <a:tab pos="6398260" algn="l"/>
+                <a:tab pos="6979920" algn="l"/>
+                <a:tab pos="7561580" algn="l"/>
+                <a:tab pos="8143240" algn="l"/>
+                <a:tab pos="8724900" algn="l"/>
+                <a:tab pos="9306560" algn="l"/>
+              </a:tabLst>
+            </a:pPr>
+            <a:r>
+              <a:rPr lang="en-US" sz="700" dirty="0">
+                <a:latin typeface="Consolas" panose="020B0609020204030204" pitchFamily="49" charset="0"/>
+                <a:ea typeface="Times New Roman" panose="02020603050405020304" pitchFamily="18" charset="0"/>
+                <a:cs typeface="Courier New" panose="02070309020205020404" pitchFamily="49" charset="0"/>
+              </a:rPr>
+              <a:t>	</a:t>
+            </a:r>
+            <a:endParaRPr lang="ru-RU" sz="900" dirty="0">
+              <a:latin typeface="Calibri" panose="020F0502020204030204" pitchFamily="34" charset="0"/>
+              <a:ea typeface="Calibri" panose="020F0502020204030204" pitchFamily="34" charset="0"/>
+              <a:cs typeface="Times New Roman" panose="02020603050405020304" pitchFamily="18" charset="0"/>
+            </a:endParaRPr>
+          </a:p>
+          <a:p>
+            <a:pPr>
+              <a:lnSpc>
+                <a:spcPct val="107000"/>
+              </a:lnSpc>
+              <a:spcAft>
+                <a:spcPts val="0"/>
+              </a:spcAft>
+              <a:tabLst>
+                <a:tab pos="581660" algn="l"/>
+                <a:tab pos="1163320" algn="l"/>
+                <a:tab pos="1744980" algn="l"/>
+                <a:tab pos="2326640" algn="l"/>
+                <a:tab pos="2908300" algn="l"/>
+                <a:tab pos="3489960" algn="l"/>
+                <a:tab pos="4071620" algn="l"/>
+                <a:tab pos="4653280" algn="l"/>
+                <a:tab pos="5234940" algn="l"/>
+                <a:tab pos="5816600" algn="l"/>
+                <a:tab pos="6398260" algn="l"/>
+                <a:tab pos="6979920" algn="l"/>
+                <a:tab pos="7561580" algn="l"/>
+                <a:tab pos="8143240" algn="l"/>
+                <a:tab pos="8724900" algn="l"/>
+                <a:tab pos="9306560" algn="l"/>
+              </a:tabLst>
+            </a:pPr>
+            <a:r>
+              <a:rPr lang="en-US" sz="700" dirty="0">
+                <a:latin typeface="Consolas" panose="020B0609020204030204" pitchFamily="49" charset="0"/>
+                <a:ea typeface="Times New Roman" panose="02020603050405020304" pitchFamily="18" charset="0"/>
+                <a:cs typeface="Courier New" panose="02070309020205020404" pitchFamily="49" charset="0"/>
+              </a:rPr>
+              <a:t>output = query({</a:t>
+            </a:r>
+            <a:endParaRPr lang="ru-RU" sz="900" dirty="0">
+              <a:latin typeface="Calibri" panose="020F0502020204030204" pitchFamily="34" charset="0"/>
+              <a:ea typeface="Calibri" panose="020F0502020204030204" pitchFamily="34" charset="0"/>
+              <a:cs typeface="Times New Roman" panose="02020603050405020304" pitchFamily="18" charset="0"/>
+            </a:endParaRPr>
+          </a:p>
+          <a:p>
+            <a:pPr>
+              <a:lnSpc>
+                <a:spcPct val="107000"/>
+              </a:lnSpc>
+              <a:spcAft>
+                <a:spcPts val="0"/>
+              </a:spcAft>
+              <a:tabLst>
+                <a:tab pos="581660" algn="l"/>
+                <a:tab pos="1163320" algn="l"/>
+                <a:tab pos="1744980" algn="l"/>
+                <a:tab pos="2326640" algn="l"/>
+                <a:tab pos="2908300" algn="l"/>
+                <a:tab pos="3489960" algn="l"/>
+                <a:tab pos="4071620" algn="l"/>
+                <a:tab pos="4653280" algn="l"/>
+                <a:tab pos="5234940" algn="l"/>
+                <a:tab pos="5816600" algn="l"/>
+                <a:tab pos="6398260" algn="l"/>
+                <a:tab pos="6979920" algn="l"/>
+                <a:tab pos="7561580" algn="l"/>
+                <a:tab pos="8143240" algn="l"/>
+                <a:tab pos="8724900" algn="l"/>
+                <a:tab pos="9306560" algn="l"/>
+              </a:tabLst>
+            </a:pPr>
+            <a:r>
+              <a:rPr lang="en-US" sz="700" dirty="0">
+                <a:latin typeface="Consolas" panose="020B0609020204030204" pitchFamily="49" charset="0"/>
+                <a:ea typeface="Times New Roman" panose="02020603050405020304" pitchFamily="18" charset="0"/>
+                <a:cs typeface="Courier New" panose="02070309020205020404" pitchFamily="49" charset="0"/>
+              </a:rPr>
+              <a:t>	</a:t>
+            </a:r>
+            <a:r>
+              <a:rPr lang="ru-RU" sz="700" dirty="0">
+                <a:solidFill>
+                  <a:srgbClr val="50A14F"/>
+                </a:solidFill>
+                <a:latin typeface="Consolas" panose="020B0609020204030204" pitchFamily="49" charset="0"/>
+                <a:ea typeface="Times New Roman" panose="02020603050405020304" pitchFamily="18" charset="0"/>
+                <a:cs typeface="Courier New" panose="02070309020205020404" pitchFamily="49" charset="0"/>
+              </a:rPr>
+              <a:t>"</a:t>
+            </a:r>
+            <a:r>
+              <a:rPr lang="ru-RU" sz="700" dirty="0" err="1">
+                <a:solidFill>
+                  <a:srgbClr val="50A14F"/>
+                </a:solidFill>
+                <a:latin typeface="Consolas" panose="020B0609020204030204" pitchFamily="49" charset="0"/>
+                <a:ea typeface="Times New Roman" panose="02020603050405020304" pitchFamily="18" charset="0"/>
+                <a:cs typeface="Courier New" panose="02070309020205020404" pitchFamily="49" charset="0"/>
+              </a:rPr>
+              <a:t>inputs</a:t>
+            </a:r>
+            <a:r>
+              <a:rPr lang="ru-RU" sz="700" dirty="0">
+                <a:solidFill>
+                  <a:srgbClr val="50A14F"/>
+                </a:solidFill>
+                <a:latin typeface="Consolas" panose="020B0609020204030204" pitchFamily="49" charset="0"/>
+                <a:ea typeface="Times New Roman" panose="02020603050405020304" pitchFamily="18" charset="0"/>
+                <a:cs typeface="Courier New" panose="02070309020205020404" pitchFamily="49" charset="0"/>
+              </a:rPr>
+              <a:t>"</a:t>
+            </a:r>
+            <a:r>
+              <a:rPr lang="ru-RU" sz="700" dirty="0">
+                <a:latin typeface="Consolas" panose="020B0609020204030204" pitchFamily="49" charset="0"/>
+                <a:ea typeface="Times New Roman" panose="02020603050405020304" pitchFamily="18" charset="0"/>
+                <a:cs typeface="Courier New" panose="02070309020205020404" pitchFamily="49" charset="0"/>
+              </a:rPr>
+              <a:t>: </a:t>
+            </a:r>
+            <a:r>
+              <a:rPr lang="ru-RU" sz="700" dirty="0">
+                <a:solidFill>
+                  <a:srgbClr val="50A14F"/>
+                </a:solidFill>
+                <a:latin typeface="Consolas" panose="020B0609020204030204" pitchFamily="49" charset="0"/>
+                <a:ea typeface="Times New Roman" panose="02020603050405020304" pitchFamily="18" charset="0"/>
+                <a:cs typeface="Courier New" panose="02070309020205020404" pitchFamily="49" charset="0"/>
+              </a:rPr>
+              <a:t>"Меня зовут Вольфганг и я живу в Берлине"</a:t>
+            </a:r>
+            <a:r>
+              <a:rPr lang="ru-RU" sz="700" dirty="0">
+                <a:latin typeface="Consolas" panose="020B0609020204030204" pitchFamily="49" charset="0"/>
+                <a:ea typeface="Times New Roman" panose="02020603050405020304" pitchFamily="18" charset="0"/>
+                <a:cs typeface="Courier New" panose="02070309020205020404" pitchFamily="49" charset="0"/>
+              </a:rPr>
+              <a:t>,</a:t>
+            </a:r>
+            <a:endParaRPr lang="ru-RU" sz="900" dirty="0">
+              <a:latin typeface="Calibri" panose="020F0502020204030204" pitchFamily="34" charset="0"/>
+              <a:ea typeface="Calibri" panose="020F0502020204030204" pitchFamily="34" charset="0"/>
+              <a:cs typeface="Times New Roman" panose="02020603050405020304" pitchFamily="18" charset="0"/>
+            </a:endParaRPr>
+          </a:p>
+          <a:p>
+            <a:pPr>
+              <a:lnSpc>
+                <a:spcPct val="107000"/>
+              </a:lnSpc>
+              <a:spcAft>
+                <a:spcPts val="0"/>
+              </a:spcAft>
+              <a:tabLst>
+                <a:tab pos="581660" algn="l"/>
+                <a:tab pos="1163320" algn="l"/>
+                <a:tab pos="1744980" algn="l"/>
+                <a:tab pos="2326640" algn="l"/>
+                <a:tab pos="2908300" algn="l"/>
+                <a:tab pos="3489960" algn="l"/>
+                <a:tab pos="4071620" algn="l"/>
+                <a:tab pos="4653280" algn="l"/>
+                <a:tab pos="5234940" algn="l"/>
+                <a:tab pos="5816600" algn="l"/>
+                <a:tab pos="6398260" algn="l"/>
+                <a:tab pos="6979920" algn="l"/>
+                <a:tab pos="7561580" algn="l"/>
+                <a:tab pos="8143240" algn="l"/>
+                <a:tab pos="8724900" algn="l"/>
+                <a:tab pos="9306560" algn="l"/>
+              </a:tabLst>
+            </a:pPr>
+            <a:r>
+              <a:rPr lang="ru-RU" sz="700" dirty="0">
+                <a:latin typeface="Consolas" panose="020B0609020204030204" pitchFamily="49" charset="0"/>
+                <a:ea typeface="Times New Roman" panose="02020603050405020304" pitchFamily="18" charset="0"/>
+                <a:cs typeface="Courier New" panose="02070309020205020404" pitchFamily="49" charset="0"/>
+              </a:rPr>
+              <a:t>})</a:t>
+            </a:r>
+            <a:endParaRPr lang="ru-RU" sz="900" dirty="0">
+              <a:effectLst/>
+              <a:latin typeface="Calibri" panose="020F0502020204030204" pitchFamily="34" charset="0"/>
+              <a:ea typeface="Calibri" panose="020F0502020204030204" pitchFamily="34" charset="0"/>
+              <a:cs typeface="Times New Roman" panose="02020603050405020304" pitchFamily="18" charset="0"/>
+            </a:endParaRPr>
+          </a:p>
+        </p:txBody>
+      </p:sp>
+      <p:sp>
+        <p:nvSpPr>
+          <p:cNvPr id="13" name="Прямоугольник 12">
+            <a:extLst>
+              <a:ext uri="{FF2B5EF4-FFF2-40B4-BE49-F238E27FC236}">
+                <a16:creationId xmlns:a16="http://schemas.microsoft.com/office/drawing/2014/main" id="{751C2386-D21F-4514-A91F-8DFC09E84745}"/>
+              </a:ext>
+            </a:extLst>
+          </p:cNvPr>
+          <p:cNvSpPr/>
+          <p:nvPr/>
+        </p:nvSpPr>
+        <p:spPr>
+          <a:xfrm>
+            <a:off x="6502238" y="3061017"/>
+            <a:ext cx="5015846" cy="646331"/>
+          </a:xfrm>
+          <a:prstGeom prst="rect">
+            <a:avLst/>
+          </a:prstGeom>
+        </p:spPr>
+        <p:txBody>
+          <a:bodyPr wrap="square">
+            <a:spAutoFit/>
+          </a:bodyPr>
+          <a:lstStyle/>
+          <a:p>
+            <a:r>
+              <a:rPr lang="sv-SE" dirty="0">
+                <a:solidFill>
+                  <a:srgbClr val="24292F"/>
+                </a:solidFill>
+                <a:latin typeface="ui-monospace"/>
+              </a:rPr>
+              <a:t>{</a:t>
+            </a:r>
+            <a:r>
+              <a:rPr lang="sv-SE" dirty="0">
+                <a:latin typeface="ui-monospace"/>
+              </a:rPr>
+              <a:t>"inputs"</a:t>
+            </a:r>
+            <a:r>
+              <a:rPr lang="sv-SE" dirty="0">
+                <a:solidFill>
+                  <a:srgbClr val="24292F"/>
+                </a:solidFill>
+                <a:latin typeface="ui-monospace"/>
+              </a:rPr>
+              <a:t>: [</a:t>
+            </a:r>
+            <a:r>
+              <a:rPr lang="sv-SE" dirty="0">
+                <a:latin typeface="ui-monospace"/>
+              </a:rPr>
+              <a:t>"&gt;&gt;rus&lt;&lt; "+</a:t>
+            </a:r>
+            <a:r>
+              <a:rPr lang="sv-SE" dirty="0">
+                <a:solidFill>
+                  <a:srgbClr val="24292F"/>
+                </a:solidFill>
+                <a:latin typeface="ui-monospace"/>
+              </a:rPr>
+              <a:t>en_text, </a:t>
+            </a:r>
+            <a:r>
+              <a:rPr lang="sv-SE" dirty="0">
+                <a:latin typeface="ui-monospace"/>
+              </a:rPr>
+              <a:t>"&gt;&gt;tat&lt;&lt; "+</a:t>
+            </a:r>
+            <a:r>
+              <a:rPr lang="sv-SE" dirty="0">
+                <a:solidFill>
+                  <a:srgbClr val="24292F"/>
+                </a:solidFill>
+                <a:latin typeface="ui-monospace"/>
+              </a:rPr>
+              <a:t>en_text, </a:t>
+            </a:r>
+            <a:r>
+              <a:rPr lang="sv-SE" dirty="0">
+                <a:latin typeface="ui-monospace"/>
+              </a:rPr>
+              <a:t>"&gt;&gt;deu&lt;&lt; "+</a:t>
+            </a:r>
+            <a:r>
+              <a:rPr lang="sv-SE" dirty="0">
+                <a:solidFill>
+                  <a:srgbClr val="24292F"/>
+                </a:solidFill>
+                <a:latin typeface="ui-monospace"/>
+              </a:rPr>
+              <a:t>en_text,]}</a:t>
+            </a:r>
+            <a:endParaRPr lang="ru-RU" dirty="0"/>
+          </a:p>
+        </p:txBody>
+      </p:sp>
+      <p:sp>
+        <p:nvSpPr>
+          <p:cNvPr id="15" name="Прямоугольник 14">
+            <a:extLst>
+              <a:ext uri="{FF2B5EF4-FFF2-40B4-BE49-F238E27FC236}">
+                <a16:creationId xmlns:a16="http://schemas.microsoft.com/office/drawing/2014/main" id="{77E4834A-E139-4E5E-8848-D31EB964E417}"/>
+              </a:ext>
+            </a:extLst>
+          </p:cNvPr>
+          <p:cNvSpPr/>
+          <p:nvPr/>
+        </p:nvSpPr>
+        <p:spPr>
+          <a:xfrm>
+            <a:off x="6502238" y="4066293"/>
+            <a:ext cx="4294765" cy="923330"/>
+          </a:xfrm>
+          <a:prstGeom prst="rect">
+            <a:avLst/>
+          </a:prstGeom>
+        </p:spPr>
+        <p:txBody>
+          <a:bodyPr wrap="none">
+            <a:spAutoFit/>
+          </a:bodyPr>
+          <a:lstStyle/>
+          <a:p>
+            <a:r>
+              <a:rPr lang="en-US" dirty="0"/>
+              <a:t>[{'</a:t>
+            </a:r>
+            <a:r>
+              <a:rPr lang="en-US" dirty="0" err="1"/>
+              <a:t>translation_text</a:t>
+            </a:r>
+            <a:r>
+              <a:rPr lang="en-US" dirty="0"/>
+              <a:t>’: </a:t>
+            </a:r>
+            <a:r>
+              <a:rPr lang="ru-RU" dirty="0"/>
+              <a:t>перевод на русский</a:t>
+            </a:r>
+            <a:r>
+              <a:rPr lang="en-US" dirty="0"/>
+              <a:t>’</a:t>
+            </a:r>
+            <a:r>
+              <a:rPr lang="ru-RU" dirty="0"/>
+              <a:t>, </a:t>
+            </a:r>
+          </a:p>
+          <a:p>
+            <a:r>
+              <a:rPr lang="en-US" dirty="0"/>
+              <a:t>'</a:t>
+            </a:r>
+            <a:r>
+              <a:rPr lang="en-US" dirty="0" err="1"/>
+              <a:t>translation_text</a:t>
+            </a:r>
+            <a:r>
+              <a:rPr lang="en-US" dirty="0"/>
+              <a:t>’: ‘</a:t>
+            </a:r>
+            <a:r>
+              <a:rPr lang="ru-RU" dirty="0"/>
+              <a:t>перевод на татарский</a:t>
+            </a:r>
+            <a:r>
+              <a:rPr lang="en-US" dirty="0"/>
+              <a:t>’},</a:t>
+            </a:r>
+          </a:p>
+          <a:p>
+            <a:r>
+              <a:rPr lang="en-US" dirty="0"/>
+              <a:t>'</a:t>
+            </a:r>
+            <a:r>
+              <a:rPr lang="en-US" dirty="0" err="1"/>
+              <a:t>translation_text</a:t>
+            </a:r>
+            <a:r>
+              <a:rPr lang="en-US" dirty="0"/>
+              <a:t>’: ‘</a:t>
+            </a:r>
+            <a:r>
+              <a:rPr lang="ru-RU" dirty="0"/>
+              <a:t>перевод на немецкий</a:t>
+            </a:r>
+            <a:r>
+              <a:rPr lang="en-US" dirty="0"/>
+              <a:t>’]</a:t>
+            </a:r>
+            <a:endParaRPr lang="ru-RU" dirty="0"/>
+          </a:p>
+        </p:txBody>
+      </p:sp>
     </p:spTree>
     <p:extLst>
       <p:ext uri="{BB962C8B-B14F-4D97-AF65-F5344CB8AC3E}">
-        <p14:creationId xmlns:p14="http://schemas.microsoft.com/office/powerpoint/2010/main" val="1096719993"/>
+        <p14:creationId xmlns:p14="http://schemas.microsoft.com/office/powerpoint/2010/main" val="3788395397"/>
       </p:ext>
     </p:extLst>
   </p:cSld>
@@ -5373,7 +7225,7 @@
                 <a:ea typeface="Verdana" panose="020B0604030504040204" pitchFamily="34" charset="0"/>
                 <a:cs typeface="Arial" panose="020B0604020202020204" pitchFamily="34" charset="0"/>
               </a:rPr>
-              <a:t>ДЕМОНСТРАЦИЯ ПРИЛОЖЕНИЯ</a:t>
+              <a:t>АРХИТЕКТУРА ПРИЛОЖЕНИЯ</a:t>
             </a:r>
           </a:p>
         </p:txBody>
@@ -5383,7 +7235,7 @@
           <p:cNvPr id="7" name="Прямоугольник 6">
             <a:extLst>
               <a:ext uri="{FF2B5EF4-FFF2-40B4-BE49-F238E27FC236}">
-                <a16:creationId xmlns:a16="http://schemas.microsoft.com/office/drawing/2014/main" id="{4D44A65F-E188-4968-B07C-25421CD26538}"/>
+                <a16:creationId xmlns:a16="http://schemas.microsoft.com/office/drawing/2014/main" id="{6441B485-D7CD-49CD-A4E6-BA79C5E7DDC0}"/>
               </a:ext>
             </a:extLst>
           </p:cNvPr>
@@ -5393,7 +7245,7 @@
         <p:spPr>
           <a:xfrm>
             <a:off x="421906" y="1260525"/>
-            <a:ext cx="11290633" cy="369332"/>
+            <a:ext cx="5560883" cy="4613058"/>
           </a:xfrm>
           <a:prstGeom prst="rect">
             <a:avLst/>
@@ -5405,58 +7257,209 @@
           </a:bodyPr>
           <a:lstStyle/>
           <a:p>
-            <a:pPr marL="12700" lvl="1" algn="just" fontAlgn="base">
+            <a:pPr indent="9525">
               <a:lnSpc>
-                <a:spcPct val="90000"/>
+                <a:spcPct val="150000"/>
               </a:lnSpc>
             </a:pPr>
             <a:r>
-              <a:rPr lang="ru-RU" sz="2000" dirty="0">
-                <a:ea typeface="Verdana" panose="020B0604030504040204" pitchFamily="34" charset="0"/>
-                <a:cs typeface="Verdana" panose="020B0604030504040204" pitchFamily="34" charset="0"/>
-              </a:rPr>
-              <a:t>Скриншоты </a:t>
-            </a:r>
-            <a:r>
-              <a:rPr lang="en-US" sz="2000" dirty="0">
-                <a:ea typeface="Verdana" panose="020B0604030504040204" pitchFamily="34" charset="0"/>
-                <a:cs typeface="Verdana" panose="020B0604030504040204" pitchFamily="34" charset="0"/>
-              </a:rPr>
-              <a:t>Web </a:t>
-            </a:r>
-            <a:r>
-              <a:rPr lang="ru-RU" sz="2000" dirty="0">
-                <a:ea typeface="Verdana" panose="020B0604030504040204" pitchFamily="34" charset="0"/>
-                <a:cs typeface="Verdana" panose="020B0604030504040204" pitchFamily="34" charset="0"/>
-              </a:rPr>
-              <a:t>приложения</a:t>
-            </a:r>
-            <a:r>
-              <a:rPr lang="en-US" sz="2000" dirty="0">
-                <a:ea typeface="Verdana" panose="020B0604030504040204" pitchFamily="34" charset="0"/>
-                <a:cs typeface="Verdana" panose="020B0604030504040204" pitchFamily="34" charset="0"/>
+              <a:rPr lang="ru-RU" b="1" dirty="0">
+                <a:latin typeface="Times New Roman" panose="02020603050405020304" pitchFamily="18" charset="0"/>
+                <a:ea typeface="Times New Roman" panose="02020603050405020304" pitchFamily="18" charset="0"/>
+              </a:rPr>
+              <a:t>Схема</a:t>
+            </a:r>
+            <a:r>
+              <a:rPr lang="ru-RU" sz="1800" b="1" dirty="0">
+                <a:effectLst/>
+                <a:latin typeface="Times New Roman" panose="02020603050405020304" pitchFamily="18" charset="0"/>
+                <a:ea typeface="Times New Roman" panose="02020603050405020304" pitchFamily="18" charset="0"/>
+              </a:rPr>
+              <a:t> основных компонентов приложения и их взаимодействия:</a:t>
+            </a:r>
+          </a:p>
+          <a:p>
+            <a:pPr marL="342900" lvl="0" indent="-342900">
+              <a:lnSpc>
+                <a:spcPct val="150000"/>
+              </a:lnSpc>
+              <a:buFont typeface="Symbol" pitchFamily="2" charset="2"/>
+              <a:buChar char=""/>
+            </a:pPr>
+            <a:r>
+              <a:rPr lang="ru-RU" sz="1800" dirty="0">
+                <a:effectLst/>
+                <a:latin typeface="Times New Roman" panose="02020603050405020304" pitchFamily="18" charset="0"/>
+                <a:ea typeface="Times New Roman" panose="02020603050405020304" pitchFamily="18" charset="0"/>
+              </a:rPr>
+              <a:t>Модель машинного обучения.</a:t>
+            </a:r>
+          </a:p>
+          <a:p>
+            <a:pPr marL="342900" lvl="0" indent="-342900">
+              <a:lnSpc>
+                <a:spcPct val="150000"/>
+              </a:lnSpc>
+              <a:buFont typeface="Symbol" pitchFamily="2" charset="2"/>
+              <a:buChar char=""/>
+            </a:pPr>
+            <a:endParaRPr lang="en-US" sz="1800" dirty="0">
+              <a:effectLst/>
+              <a:latin typeface="Times New Roman" panose="02020603050405020304" pitchFamily="18" charset="0"/>
+              <a:ea typeface="Times New Roman" panose="02020603050405020304" pitchFamily="18" charset="0"/>
+            </a:endParaRPr>
+          </a:p>
+          <a:p>
+            <a:pPr marL="342900" lvl="0" indent="-342900">
+              <a:lnSpc>
+                <a:spcPct val="150000"/>
+              </a:lnSpc>
+              <a:buFont typeface="Symbol" pitchFamily="2" charset="2"/>
+              <a:buChar char=""/>
+            </a:pPr>
+            <a:r>
+              <a:rPr lang="ru-RU" sz="1800" dirty="0">
+                <a:effectLst/>
+                <a:latin typeface="Times New Roman" panose="02020603050405020304" pitchFamily="18" charset="0"/>
+                <a:ea typeface="Times New Roman" panose="02020603050405020304" pitchFamily="18" charset="0"/>
+              </a:rPr>
+              <a:t>Используемый инструмент для создания приложения (</a:t>
+            </a:r>
+            <a:r>
+              <a:rPr lang="en-US" dirty="0" err="1">
+                <a:latin typeface="Times New Roman" panose="02020603050405020304" pitchFamily="18" charset="0"/>
+                <a:ea typeface="Times New Roman" panose="02020603050405020304" pitchFamily="18" charset="0"/>
+              </a:rPr>
+              <a:t>Streamlit</a:t>
+            </a:r>
+            <a:r>
+              <a:rPr lang="en-US" dirty="0">
+                <a:latin typeface="Times New Roman" panose="02020603050405020304" pitchFamily="18" charset="0"/>
+                <a:ea typeface="Times New Roman" panose="02020603050405020304" pitchFamily="18" charset="0"/>
+              </a:rPr>
+              <a:t>, Hosted inference API</a:t>
+            </a:r>
+            <a:r>
+              <a:rPr lang="ru-RU" sz="1800" dirty="0">
+                <a:effectLst/>
+                <a:latin typeface="Times New Roman" panose="02020603050405020304" pitchFamily="18" charset="0"/>
+                <a:ea typeface="Times New Roman" panose="02020603050405020304" pitchFamily="18" charset="0"/>
+              </a:rPr>
+              <a:t>).</a:t>
+            </a:r>
+          </a:p>
+          <a:p>
+            <a:pPr marL="342900" lvl="0" indent="-342900">
+              <a:lnSpc>
+                <a:spcPct val="150000"/>
+              </a:lnSpc>
+              <a:buFont typeface="Symbol" pitchFamily="2" charset="2"/>
+              <a:buChar char=""/>
+            </a:pPr>
+            <a:endParaRPr lang="en-US" sz="1800" dirty="0">
+              <a:effectLst/>
+              <a:latin typeface="Times New Roman" panose="02020603050405020304" pitchFamily="18" charset="0"/>
+              <a:ea typeface="Times New Roman" panose="02020603050405020304" pitchFamily="18" charset="0"/>
+            </a:endParaRPr>
+          </a:p>
+          <a:p>
+            <a:pPr marL="342900" lvl="0" indent="-342900">
+              <a:lnSpc>
+                <a:spcPct val="150000"/>
+              </a:lnSpc>
+              <a:buFont typeface="Symbol" pitchFamily="2" charset="2"/>
+              <a:buChar char=""/>
+            </a:pPr>
+            <a:r>
+              <a:rPr lang="ru-RU" sz="1800" dirty="0">
+                <a:effectLst/>
+                <a:latin typeface="Times New Roman" panose="02020603050405020304" pitchFamily="18" charset="0"/>
+                <a:ea typeface="Times New Roman" panose="02020603050405020304" pitchFamily="18" charset="0"/>
+              </a:rPr>
+              <a:t>Код приложения</a:t>
+            </a:r>
+            <a:r>
+              <a:rPr lang="en-US" sz="1800" dirty="0">
+                <a:effectLst/>
+                <a:latin typeface="Times New Roman" panose="02020603050405020304" pitchFamily="18" charset="0"/>
+                <a:ea typeface="Times New Roman" panose="02020603050405020304" pitchFamily="18" charset="0"/>
               </a:rPr>
               <a:t> </a:t>
             </a:r>
             <a:r>
-              <a:rPr lang="ru-RU" sz="2000" dirty="0">
-                <a:ea typeface="Verdana" panose="020B0604030504040204" pitchFamily="34" charset="0"/>
-                <a:cs typeface="Verdana" panose="020B0604030504040204" pitchFamily="34" charset="0"/>
-              </a:rPr>
-              <a:t>или примеры вызова </a:t>
-            </a:r>
-            <a:r>
-              <a:rPr lang="en-US" sz="2000" dirty="0">
-                <a:ea typeface="Verdana" panose="020B0604030504040204" pitchFamily="34" charset="0"/>
-                <a:cs typeface="Verdana" panose="020B0604030504040204" pitchFamily="34" charset="0"/>
-              </a:rPr>
-              <a:t>API</a:t>
-            </a:r>
-            <a:endParaRPr lang="ru-RU" sz="2000" dirty="0">
-              <a:latin typeface="+mn-lt"/>
-              <a:ea typeface="Verdana" panose="020B0604030504040204" pitchFamily="34" charset="0"/>
-              <a:cs typeface="Verdana" panose="020B0604030504040204" pitchFamily="34" charset="0"/>
+              <a:rPr lang="en-US" dirty="0">
+                <a:latin typeface="Times New Roman" panose="02020603050405020304" pitchFamily="18" charset="0"/>
+                <a:ea typeface="Times New Roman" panose="02020603050405020304" pitchFamily="18" charset="0"/>
+              </a:rPr>
+              <a:t>Python</a:t>
+            </a:r>
+            <a:r>
+              <a:rPr lang="ru-RU" sz="1800" dirty="0">
+                <a:effectLst/>
+                <a:latin typeface="Times New Roman" panose="02020603050405020304" pitchFamily="18" charset="0"/>
+                <a:ea typeface="Times New Roman" panose="02020603050405020304" pitchFamily="18" charset="0"/>
+              </a:rPr>
+              <a:t>.</a:t>
+            </a:r>
+          </a:p>
+          <a:p>
+            <a:pPr marL="342900" lvl="0" indent="-342900">
+              <a:lnSpc>
+                <a:spcPct val="150000"/>
+              </a:lnSpc>
+              <a:buFont typeface="Symbol" pitchFamily="2" charset="2"/>
+              <a:buChar char=""/>
+            </a:pPr>
+            <a:endParaRPr lang="en-US" sz="1800" dirty="0">
+              <a:effectLst/>
+              <a:latin typeface="Times New Roman" panose="02020603050405020304" pitchFamily="18" charset="0"/>
+              <a:ea typeface="Times New Roman" panose="02020603050405020304" pitchFamily="18" charset="0"/>
             </a:endParaRPr>
+          </a:p>
+          <a:p>
+            <a:pPr marL="342900" lvl="0" indent="-342900">
+              <a:lnSpc>
+                <a:spcPct val="150000"/>
+              </a:lnSpc>
+              <a:buFont typeface="Symbol" pitchFamily="2" charset="2"/>
+              <a:buChar char=""/>
+            </a:pPr>
+            <a:endParaRPr lang="en-US" dirty="0">
+              <a:latin typeface="Times New Roman" panose="02020603050405020304" pitchFamily="18" charset="0"/>
+              <a:ea typeface="Times New Roman" panose="02020603050405020304" pitchFamily="18" charset="0"/>
+            </a:endParaRPr>
+          </a:p>
+          <a:p>
+            <a:pPr marL="342900" lvl="0" indent="-342900">
+              <a:lnSpc>
+                <a:spcPct val="150000"/>
+              </a:lnSpc>
+              <a:buFont typeface="Symbol" pitchFamily="2" charset="2"/>
+              <a:buChar char=""/>
+            </a:pPr>
+            <a:r>
+              <a:rPr lang="ru-RU" sz="1800" dirty="0">
+                <a:effectLst/>
+                <a:latin typeface="Times New Roman" panose="02020603050405020304" pitchFamily="18" charset="0"/>
+                <a:ea typeface="Times New Roman" panose="02020603050405020304" pitchFamily="18" charset="0"/>
+              </a:rPr>
+              <a:t>Пользовательский клиент: браузер</a:t>
+            </a:r>
+            <a:r>
+              <a:rPr lang="ru-RU" dirty="0">
+                <a:latin typeface="Times New Roman" panose="02020603050405020304" pitchFamily="18" charset="0"/>
+                <a:ea typeface="Times New Roman" panose="02020603050405020304" pitchFamily="18" charset="0"/>
+              </a:rPr>
+              <a:t>ы</a:t>
+            </a:r>
+            <a:r>
+              <a:rPr lang="ru-RU" sz="1800" dirty="0">
+                <a:effectLst/>
+                <a:latin typeface="Times New Roman" panose="02020603050405020304" pitchFamily="18" charset="0"/>
+                <a:ea typeface="Times New Roman" panose="02020603050405020304" pitchFamily="18" charset="0"/>
+              </a:rPr>
+              <a:t>.</a:t>
+            </a:r>
           </a:p>
         </p:txBody>
       </p:sp>
@@ -5465,7 +7468,7 @@
           <p:cNvPr id="2" name="Объект 1">
             <a:extLst>
               <a:ext uri="{FF2B5EF4-FFF2-40B4-BE49-F238E27FC236}">
-                <a16:creationId xmlns:a16="http://schemas.microsoft.com/office/drawing/2014/main" id="{C7F09346-29C4-8066-290E-F71EBBA3249D}"/>
+                <a16:creationId xmlns:a16="http://schemas.microsoft.com/office/drawing/2014/main" id="{C40ED2F8-06A7-6E9D-97D9-2CEA39742989}"/>
               </a:ext>
             </a:extLst>
           </p:cNvPr>
@@ -5495,10 +7498,626 @@
           </a:prstGeom>
         </p:spPr>
       </p:pic>
+      <p:pic>
+        <p:nvPicPr>
+          <p:cNvPr id="3074" name="Picture 2" descr="https://avatars.mds.yandex.net/i?id=a414d1b48525acef807bfad8f60e2eb886e550d7-4230996-images-thumbs&amp;n=13">
+            <a:extLst>
+              <a:ext uri="{FF2B5EF4-FFF2-40B4-BE49-F238E27FC236}">
+                <a16:creationId xmlns:a16="http://schemas.microsoft.com/office/drawing/2014/main" id="{2C7E7168-29B8-4552-9F8B-09B695405B9A}"/>
+              </a:ext>
+            </a:extLst>
+          </p:cNvPr>
+          <p:cNvPicPr>
+            <a:picLocks noChangeAspect="1" noChangeArrowheads="1"/>
+          </p:cNvPicPr>
+          <p:nvPr/>
+        </p:nvPicPr>
+        <p:blipFill>
+          <a:blip r:embed="rId3">
+            <a:extLst>
+              <a:ext uri="{28A0092B-C50C-407E-A947-70E740481C1C}">
+                <a14:useLocalDpi xmlns:a14="http://schemas.microsoft.com/office/drawing/2010/main" val="0"/>
+              </a:ext>
+            </a:extLst>
+          </a:blip>
+          <a:srcRect/>
+          <a:stretch>
+            <a:fillRect/>
+          </a:stretch>
+        </p:blipFill>
+        <p:spPr bwMode="auto">
+          <a:xfrm>
+            <a:off x="7218487" y="2920723"/>
+            <a:ext cx="2824621" cy="1451318"/>
+          </a:xfrm>
+          <a:prstGeom prst="rect">
+            <a:avLst/>
+          </a:prstGeom>
+          <a:noFill/>
+          <a:extLst>
+            <a:ext uri="{909E8E84-426E-40DD-AFC4-6F175D3DCCD1}">
+              <a14:hiddenFill xmlns:a14="http://schemas.microsoft.com/office/drawing/2010/main">
+                <a:solidFill>
+                  <a:srgbClr val="FFFFFF"/>
+                </a:solidFill>
+              </a14:hiddenFill>
+            </a:ext>
+          </a:extLst>
+        </p:spPr>
+      </p:pic>
+      <p:pic>
+        <p:nvPicPr>
+          <p:cNvPr id="3076" name="Picture 4" descr="https://avatars.mds.yandex.net/i?id=e79a8892114cdaaedd1edeb0b598e124-5236157-images-thumbs&amp;n=13">
+            <a:extLst>
+              <a:ext uri="{FF2B5EF4-FFF2-40B4-BE49-F238E27FC236}">
+                <a16:creationId xmlns:a16="http://schemas.microsoft.com/office/drawing/2014/main" id="{0B00CDCD-D058-4EB0-A609-5B7A7FA402D5}"/>
+              </a:ext>
+            </a:extLst>
+          </p:cNvPr>
+          <p:cNvPicPr>
+            <a:picLocks noChangeAspect="1" noChangeArrowheads="1"/>
+          </p:cNvPicPr>
+          <p:nvPr/>
+        </p:nvPicPr>
+        <p:blipFill>
+          <a:blip r:embed="rId4">
+            <a:extLst>
+              <a:ext uri="{28A0092B-C50C-407E-A947-70E740481C1C}">
+                <a14:useLocalDpi xmlns:a14="http://schemas.microsoft.com/office/drawing/2010/main" val="0"/>
+              </a:ext>
+            </a:extLst>
+          </a:blip>
+          <a:srcRect/>
+          <a:stretch>
+            <a:fillRect/>
+          </a:stretch>
+        </p:blipFill>
+        <p:spPr bwMode="auto">
+          <a:xfrm>
+            <a:off x="4482225" y="4094947"/>
+            <a:ext cx="2303236" cy="1285973"/>
+          </a:xfrm>
+          <a:prstGeom prst="rect">
+            <a:avLst/>
+          </a:prstGeom>
+          <a:noFill/>
+          <a:extLst>
+            <a:ext uri="{909E8E84-426E-40DD-AFC4-6F175D3DCCD1}">
+              <a14:hiddenFill xmlns:a14="http://schemas.microsoft.com/office/drawing/2010/main">
+                <a:solidFill>
+                  <a:srgbClr val="FFFFFF"/>
+                </a:solidFill>
+              </a14:hiddenFill>
+            </a:ext>
+          </a:extLst>
+        </p:spPr>
+      </p:pic>
+      <p:pic>
+        <p:nvPicPr>
+          <p:cNvPr id="3078" name="Picture 6" descr="https://cs14.pikabu.ru/post_img/big/2022/02/20/7/1645352989113483483.jpg">
+            <a:extLst>
+              <a:ext uri="{FF2B5EF4-FFF2-40B4-BE49-F238E27FC236}">
+                <a16:creationId xmlns:a16="http://schemas.microsoft.com/office/drawing/2014/main" id="{1342EC73-0851-404A-BB13-997A41B3CCD8}"/>
+              </a:ext>
+            </a:extLst>
+          </p:cNvPr>
+          <p:cNvPicPr>
+            <a:picLocks noChangeAspect="1" noChangeArrowheads="1"/>
+          </p:cNvPicPr>
+          <p:nvPr/>
+        </p:nvPicPr>
+        <p:blipFill rotWithShape="1">
+          <a:blip r:embed="rId5">
+            <a:extLst>
+              <a:ext uri="{28A0092B-C50C-407E-A947-70E740481C1C}">
+                <a14:useLocalDpi xmlns:a14="http://schemas.microsoft.com/office/drawing/2010/main" val="0"/>
+              </a:ext>
+            </a:extLst>
+          </a:blip>
+          <a:srcRect b="15112"/>
+          <a:stretch/>
+        </p:blipFill>
+        <p:spPr bwMode="auto">
+          <a:xfrm>
+            <a:off x="7856612" y="5169457"/>
+            <a:ext cx="2049271" cy="1335290"/>
+          </a:xfrm>
+          <a:prstGeom prst="rect">
+            <a:avLst/>
+          </a:prstGeom>
+          <a:noFill/>
+          <a:extLst>
+            <a:ext uri="{909E8E84-426E-40DD-AFC4-6F175D3DCCD1}">
+              <a14:hiddenFill xmlns:a14="http://schemas.microsoft.com/office/drawing/2010/main">
+                <a:solidFill>
+                  <a:srgbClr val="FFFFFF"/>
+                </a:solidFill>
+              </a14:hiddenFill>
+            </a:ext>
+          </a:extLst>
+        </p:spPr>
+      </p:pic>
+      <p:sp>
+        <p:nvSpPr>
+          <p:cNvPr id="3" name="Прямоугольник 2">
+            <a:extLst>
+              <a:ext uri="{FF2B5EF4-FFF2-40B4-BE49-F238E27FC236}">
+                <a16:creationId xmlns:a16="http://schemas.microsoft.com/office/drawing/2014/main" id="{2E0A5202-C5E6-4468-89CB-C3677FAB0C04}"/>
+              </a:ext>
+            </a:extLst>
+          </p:cNvPr>
+          <p:cNvSpPr/>
+          <p:nvPr/>
+        </p:nvSpPr>
+        <p:spPr>
+          <a:xfrm>
+            <a:off x="5694065" y="1518141"/>
+            <a:ext cx="2151547" cy="1231106"/>
+          </a:xfrm>
+          <a:prstGeom prst="rect">
+            <a:avLst/>
+          </a:prstGeom>
+          <a:ln cap="sq">
+            <a:solidFill>
+              <a:schemeClr val="accent1"/>
+            </a:solidFill>
+          </a:ln>
+          <a:effectLst>
+            <a:outerShdw blurRad="50800" dist="38100" dir="5400000" algn="t" rotWithShape="0">
+              <a:prstClr val="black">
+                <a:alpha val="40000"/>
+              </a:prstClr>
+            </a:outerShdw>
+          </a:effectLst>
+        </p:spPr>
+        <p:txBody>
+          <a:bodyPr wrap="square">
+            <a:spAutoFit/>
+          </a:bodyPr>
+          <a:lstStyle/>
+          <a:p>
+            <a:endParaRPr lang="en-US" b="1" dirty="0"/>
+          </a:p>
+          <a:p>
+            <a:r>
+              <a:rPr lang="en-US" b="1" dirty="0" err="1"/>
+              <a:t>nlpconnect</a:t>
+            </a:r>
+            <a:r>
+              <a:rPr lang="en-US" b="1" dirty="0"/>
+              <a:t>/vit-gpt2-image-captioning</a:t>
+            </a:r>
+            <a:r>
+              <a:rPr lang="ru-RU" sz="2000" dirty="0">
+                <a:ea typeface="Verdana" panose="020B0604030504040204" pitchFamily="34" charset="0"/>
+                <a:cs typeface="Verdana" panose="020B0604030504040204" pitchFamily="34" charset="0"/>
+              </a:rPr>
+              <a:t> </a:t>
+            </a:r>
+            <a:endParaRPr lang="en-US" sz="2000" dirty="0">
+              <a:ea typeface="Verdana" panose="020B0604030504040204" pitchFamily="34" charset="0"/>
+              <a:cs typeface="Verdana" panose="020B0604030504040204" pitchFamily="34" charset="0"/>
+            </a:endParaRPr>
+          </a:p>
+          <a:p>
+            <a:endParaRPr lang="ru-RU" dirty="0"/>
+          </a:p>
+        </p:txBody>
+      </p:sp>
+      <p:sp>
+        <p:nvSpPr>
+          <p:cNvPr id="9" name="Прямоугольник 8">
+            <a:extLst>
+              <a:ext uri="{FF2B5EF4-FFF2-40B4-BE49-F238E27FC236}">
+                <a16:creationId xmlns:a16="http://schemas.microsoft.com/office/drawing/2014/main" id="{17BAC357-9C0D-4DB9-B612-46D3A4E43894}"/>
+              </a:ext>
+            </a:extLst>
+          </p:cNvPr>
+          <p:cNvSpPr/>
+          <p:nvPr/>
+        </p:nvSpPr>
+        <p:spPr>
+          <a:xfrm>
+            <a:off x="9346784" y="1523530"/>
+            <a:ext cx="2523272" cy="1200329"/>
+          </a:xfrm>
+          <a:prstGeom prst="rect">
+            <a:avLst/>
+          </a:prstGeom>
+          <a:ln>
+            <a:solidFill>
+              <a:schemeClr val="accent1"/>
+            </a:solidFill>
+          </a:ln>
+          <a:effectLst>
+            <a:outerShdw blurRad="50800" dist="38100" dir="2700000" algn="tl" rotWithShape="0">
+              <a:prstClr val="black">
+                <a:alpha val="40000"/>
+              </a:prstClr>
+            </a:outerShdw>
+          </a:effectLst>
+        </p:spPr>
+        <p:txBody>
+          <a:bodyPr wrap="square">
+            <a:spAutoFit/>
+          </a:bodyPr>
+          <a:lstStyle/>
+          <a:p>
+            <a:endParaRPr lang="en-US" b="1" u="sng" dirty="0">
+              <a:solidFill>
+                <a:schemeClr val="accent1"/>
+              </a:solidFill>
+            </a:endParaRPr>
+          </a:p>
+          <a:p>
+            <a:r>
+              <a:rPr lang="en-US" b="1" u="sng" dirty="0">
+                <a:solidFill>
+                  <a:schemeClr val="accent1"/>
+                </a:solidFill>
+              </a:rPr>
+              <a:t>Helsinki-NLP/opus-mt-</a:t>
+            </a:r>
+          </a:p>
+          <a:p>
+            <a:r>
+              <a:rPr lang="en-US" b="1" u="sng" dirty="0" err="1">
+                <a:solidFill>
+                  <a:schemeClr val="accent1"/>
+                </a:solidFill>
+              </a:rPr>
+              <a:t>en-mul</a:t>
+            </a:r>
+            <a:r>
+              <a:rPr lang="en-US" b="1" u="sng" dirty="0">
+                <a:solidFill>
+                  <a:schemeClr val="accent1"/>
+                </a:solidFill>
+              </a:rPr>
+              <a:t> </a:t>
+            </a:r>
+          </a:p>
+          <a:p>
+            <a:endParaRPr lang="ru-RU" u="sng" dirty="0">
+              <a:solidFill>
+                <a:schemeClr val="accent1"/>
+              </a:solidFill>
+            </a:endParaRPr>
+          </a:p>
+        </p:txBody>
+      </p:sp>
+      <p:sp>
+        <p:nvSpPr>
+          <p:cNvPr id="10" name="Прямоугольник 9">
+            <a:extLst>
+              <a:ext uri="{FF2B5EF4-FFF2-40B4-BE49-F238E27FC236}">
+                <a16:creationId xmlns:a16="http://schemas.microsoft.com/office/drawing/2014/main" id="{2B1D9A73-2CD4-4678-8663-D6C972817B9E}"/>
+              </a:ext>
+            </a:extLst>
+          </p:cNvPr>
+          <p:cNvSpPr/>
+          <p:nvPr/>
+        </p:nvSpPr>
+        <p:spPr>
+          <a:xfrm>
+            <a:off x="7856612" y="1439638"/>
+            <a:ext cx="1523764" cy="646331"/>
+          </a:xfrm>
+          <a:prstGeom prst="rect">
+            <a:avLst/>
+          </a:prstGeom>
+        </p:spPr>
+        <p:txBody>
+          <a:bodyPr wrap="square">
+            <a:spAutoFit/>
+          </a:bodyPr>
+          <a:lstStyle/>
+          <a:p>
+            <a:r>
+              <a:rPr lang="en-US" b="1" dirty="0"/>
+              <a:t>Hosted inference API</a:t>
+            </a:r>
+            <a:endParaRPr lang="ru-RU" dirty="0"/>
+          </a:p>
+        </p:txBody>
+      </p:sp>
+      <p:cxnSp>
+        <p:nvCxnSpPr>
+          <p:cNvPr id="25" name="Прямая со стрелкой 24">
+            <a:extLst>
+              <a:ext uri="{FF2B5EF4-FFF2-40B4-BE49-F238E27FC236}">
+                <a16:creationId xmlns:a16="http://schemas.microsoft.com/office/drawing/2014/main" id="{10E9B532-6C83-44A8-96C0-CBC746343FB4}"/>
+              </a:ext>
+            </a:extLst>
+          </p:cNvPr>
+          <p:cNvCxnSpPr>
+            <a:cxnSpLocks/>
+          </p:cNvCxnSpPr>
+          <p:nvPr/>
+        </p:nvCxnSpPr>
+        <p:spPr>
+          <a:xfrm flipV="1">
+            <a:off x="6371869" y="4371638"/>
+            <a:ext cx="1264150" cy="392249"/>
+          </a:xfrm>
+          <a:prstGeom prst="straightConnector1">
+            <a:avLst/>
+          </a:prstGeom>
+          <a:ln w="41275">
+            <a:headEnd type="none" w="lg" len="lg"/>
+            <a:tailEnd type="triangle" w="lg" len="lg"/>
+          </a:ln>
+        </p:spPr>
+        <p:style>
+          <a:lnRef idx="1">
+            <a:schemeClr val="accent1"/>
+          </a:lnRef>
+          <a:fillRef idx="0">
+            <a:schemeClr val="accent1"/>
+          </a:fillRef>
+          <a:effectRef idx="0">
+            <a:schemeClr val="accent1"/>
+          </a:effectRef>
+          <a:fontRef idx="minor">
+            <a:schemeClr val="tx1"/>
+          </a:fontRef>
+        </p:style>
+      </p:cxnSp>
+      <p:cxnSp>
+        <p:nvCxnSpPr>
+          <p:cNvPr id="29" name="Прямая со стрелкой 28">
+            <a:extLst>
+              <a:ext uri="{FF2B5EF4-FFF2-40B4-BE49-F238E27FC236}">
+                <a16:creationId xmlns:a16="http://schemas.microsoft.com/office/drawing/2014/main" id="{A3430BF3-A983-4BDE-9C61-DA661588C690}"/>
+              </a:ext>
+            </a:extLst>
+          </p:cNvPr>
+          <p:cNvCxnSpPr>
+            <a:cxnSpLocks/>
+            <a:stCxn id="3074" idx="1"/>
+            <a:endCxn id="3" idx="2"/>
+          </p:cNvCxnSpPr>
+          <p:nvPr/>
+        </p:nvCxnSpPr>
+        <p:spPr>
+          <a:xfrm flipH="1" flipV="1">
+            <a:off x="6769839" y="2749247"/>
+            <a:ext cx="448648" cy="897135"/>
+          </a:xfrm>
+          <a:prstGeom prst="straightConnector1">
+            <a:avLst/>
+          </a:prstGeom>
+          <a:ln w="41275">
+            <a:headEnd type="none" w="lg" len="lg"/>
+            <a:tailEnd type="triangle" w="lg" len="lg"/>
+          </a:ln>
+        </p:spPr>
+        <p:style>
+          <a:lnRef idx="1">
+            <a:schemeClr val="accent1"/>
+          </a:lnRef>
+          <a:fillRef idx="0">
+            <a:schemeClr val="accent1"/>
+          </a:fillRef>
+          <a:effectRef idx="0">
+            <a:schemeClr val="accent1"/>
+          </a:effectRef>
+          <a:fontRef idx="minor">
+            <a:schemeClr val="tx1"/>
+          </a:fontRef>
+        </p:style>
+      </p:cxnSp>
+      <p:cxnSp>
+        <p:nvCxnSpPr>
+          <p:cNvPr id="34" name="Прямая со стрелкой 33">
+            <a:extLst>
+              <a:ext uri="{FF2B5EF4-FFF2-40B4-BE49-F238E27FC236}">
+                <a16:creationId xmlns:a16="http://schemas.microsoft.com/office/drawing/2014/main" id="{C64C3389-C39B-4900-80C5-61007A07CCD3}"/>
+              </a:ext>
+            </a:extLst>
+          </p:cNvPr>
+          <p:cNvCxnSpPr>
+            <a:cxnSpLocks/>
+            <a:stCxn id="3" idx="3"/>
+            <a:endCxn id="9" idx="1"/>
+          </p:cNvCxnSpPr>
+          <p:nvPr/>
+        </p:nvCxnSpPr>
+        <p:spPr>
+          <a:xfrm flipV="1">
+            <a:off x="7845612" y="2123695"/>
+            <a:ext cx="1501172" cy="9999"/>
+          </a:xfrm>
+          <a:prstGeom prst="straightConnector1">
+            <a:avLst/>
+          </a:prstGeom>
+          <a:ln w="41275">
+            <a:headEnd type="none" w="lg" len="lg"/>
+            <a:tailEnd type="triangle" w="lg" len="lg"/>
+          </a:ln>
+        </p:spPr>
+        <p:style>
+          <a:lnRef idx="1">
+            <a:schemeClr val="accent1"/>
+          </a:lnRef>
+          <a:fillRef idx="0">
+            <a:schemeClr val="accent1"/>
+          </a:fillRef>
+          <a:effectRef idx="0">
+            <a:schemeClr val="accent1"/>
+          </a:effectRef>
+          <a:fontRef idx="minor">
+            <a:schemeClr val="tx1"/>
+          </a:fontRef>
+        </p:style>
+      </p:cxnSp>
+      <p:cxnSp>
+        <p:nvCxnSpPr>
+          <p:cNvPr id="51" name="Прямая со стрелкой 50">
+            <a:extLst>
+              <a:ext uri="{FF2B5EF4-FFF2-40B4-BE49-F238E27FC236}">
+                <a16:creationId xmlns:a16="http://schemas.microsoft.com/office/drawing/2014/main" id="{80E8F581-3132-41FD-A855-B609CBD7CF18}"/>
+              </a:ext>
+            </a:extLst>
+          </p:cNvPr>
+          <p:cNvCxnSpPr>
+            <a:cxnSpLocks/>
+          </p:cNvCxnSpPr>
+          <p:nvPr/>
+        </p:nvCxnSpPr>
+        <p:spPr>
+          <a:xfrm flipV="1">
+            <a:off x="8221746" y="4618490"/>
+            <a:ext cx="0" cy="443704"/>
+          </a:xfrm>
+          <a:prstGeom prst="straightConnector1">
+            <a:avLst/>
+          </a:prstGeom>
+          <a:ln w="41275">
+            <a:headEnd type="none" w="lg" len="lg"/>
+            <a:tailEnd type="triangle" w="lg" len="lg"/>
+          </a:ln>
+        </p:spPr>
+        <p:style>
+          <a:lnRef idx="1">
+            <a:schemeClr val="accent1"/>
+          </a:lnRef>
+          <a:fillRef idx="0">
+            <a:schemeClr val="accent1"/>
+          </a:fillRef>
+          <a:effectRef idx="0">
+            <a:schemeClr val="accent1"/>
+          </a:effectRef>
+          <a:fontRef idx="minor">
+            <a:schemeClr val="tx1"/>
+          </a:fontRef>
+        </p:style>
+      </p:cxnSp>
+      <p:cxnSp>
+        <p:nvCxnSpPr>
+          <p:cNvPr id="54" name="Прямая со стрелкой 53">
+            <a:extLst>
+              <a:ext uri="{FF2B5EF4-FFF2-40B4-BE49-F238E27FC236}">
+                <a16:creationId xmlns:a16="http://schemas.microsoft.com/office/drawing/2014/main" id="{3D7F43BD-074E-47B2-86C3-75F8F5A878B8}"/>
+              </a:ext>
+            </a:extLst>
+          </p:cNvPr>
+          <p:cNvCxnSpPr>
+            <a:cxnSpLocks/>
+            <a:stCxn id="9" idx="2"/>
+            <a:endCxn id="3074" idx="3"/>
+          </p:cNvCxnSpPr>
+          <p:nvPr/>
+        </p:nvCxnSpPr>
+        <p:spPr>
+          <a:xfrm flipH="1">
+            <a:off x="10043108" y="2723859"/>
+            <a:ext cx="565312" cy="922523"/>
+          </a:xfrm>
+          <a:prstGeom prst="straightConnector1">
+            <a:avLst/>
+          </a:prstGeom>
+          <a:ln w="41275">
+            <a:headEnd type="none" w="lg" len="lg"/>
+            <a:tailEnd type="triangle" w="lg" len="lg"/>
+          </a:ln>
+        </p:spPr>
+        <p:style>
+          <a:lnRef idx="1">
+            <a:schemeClr val="accent1"/>
+          </a:lnRef>
+          <a:fillRef idx="0">
+            <a:schemeClr val="accent1"/>
+          </a:fillRef>
+          <a:effectRef idx="0">
+            <a:schemeClr val="accent1"/>
+          </a:effectRef>
+          <a:fontRef idx="minor">
+            <a:schemeClr val="tx1"/>
+          </a:fontRef>
+        </p:style>
+      </p:cxnSp>
+      <p:cxnSp>
+        <p:nvCxnSpPr>
+          <p:cNvPr id="63" name="Прямая со стрелкой 62">
+            <a:extLst>
+              <a:ext uri="{FF2B5EF4-FFF2-40B4-BE49-F238E27FC236}">
+                <a16:creationId xmlns:a16="http://schemas.microsoft.com/office/drawing/2014/main" id="{72D80C86-A9C0-4C9D-85FA-974C978851FC}"/>
+              </a:ext>
+            </a:extLst>
+          </p:cNvPr>
+          <p:cNvCxnSpPr>
+            <a:cxnSpLocks/>
+          </p:cNvCxnSpPr>
+          <p:nvPr/>
+        </p:nvCxnSpPr>
+        <p:spPr>
+          <a:xfrm>
+            <a:off x="9346784" y="4618490"/>
+            <a:ext cx="0" cy="527596"/>
+          </a:xfrm>
+          <a:prstGeom prst="straightConnector1">
+            <a:avLst/>
+          </a:prstGeom>
+          <a:ln w="41275">
+            <a:headEnd type="none" w="lg" len="lg"/>
+            <a:tailEnd type="triangle" w="lg" len="lg"/>
+          </a:ln>
+        </p:spPr>
+        <p:style>
+          <a:lnRef idx="1">
+            <a:schemeClr val="accent1"/>
+          </a:lnRef>
+          <a:fillRef idx="0">
+            <a:schemeClr val="accent1"/>
+          </a:fillRef>
+          <a:effectRef idx="0">
+            <a:schemeClr val="accent1"/>
+          </a:effectRef>
+          <a:fontRef idx="minor">
+            <a:schemeClr val="tx1"/>
+          </a:fontRef>
+        </p:style>
+      </p:cxnSp>
+      <p:sp>
+        <p:nvSpPr>
+          <p:cNvPr id="72" name="Прямоугольник 71">
+            <a:extLst>
+              <a:ext uri="{FF2B5EF4-FFF2-40B4-BE49-F238E27FC236}">
+                <a16:creationId xmlns:a16="http://schemas.microsoft.com/office/drawing/2014/main" id="{3F496175-F529-46A9-9D5C-CD89BBC6176A}"/>
+              </a:ext>
+            </a:extLst>
+          </p:cNvPr>
+          <p:cNvSpPr/>
+          <p:nvPr/>
+        </p:nvSpPr>
+        <p:spPr>
+          <a:xfrm>
+            <a:off x="10608420" y="2920723"/>
+            <a:ext cx="1523764" cy="646331"/>
+          </a:xfrm>
+          <a:prstGeom prst="rect">
+            <a:avLst/>
+          </a:prstGeom>
+        </p:spPr>
+        <p:txBody>
+          <a:bodyPr wrap="square">
+            <a:spAutoFit/>
+          </a:bodyPr>
+          <a:lstStyle/>
+          <a:p>
+            <a:r>
+              <a:rPr lang="en-US" b="1" dirty="0"/>
+              <a:t>Hosted inference API</a:t>
+            </a:r>
+            <a:endParaRPr lang="ru-RU" dirty="0"/>
+          </a:p>
+        </p:txBody>
+      </p:sp>
     </p:spTree>
     <p:extLst>
       <p:ext uri="{BB962C8B-B14F-4D97-AF65-F5344CB8AC3E}">
-        <p14:creationId xmlns:p14="http://schemas.microsoft.com/office/powerpoint/2010/main" val="4166088755"/>
+        <p14:creationId xmlns:p14="http://schemas.microsoft.com/office/powerpoint/2010/main" val="1096719993"/>
       </p:ext>
     </p:extLst>
   </p:cSld>
@@ -5642,253 +8261,17 @@
                 <a:ea typeface="Verdana" panose="020B0604030504040204" pitchFamily="34" charset="0"/>
                 <a:cs typeface="Arial" panose="020B0604020202020204" pitchFamily="34" charset="0"/>
               </a:rPr>
-              <a:t>ОРГАНИЗАЦИЯ КОМАНДНОЙ РАЗРАБОТКИ</a:t>
-            </a:r>
-          </a:p>
-        </p:txBody>
-      </p:sp>
-      <p:sp>
-        <p:nvSpPr>
-          <p:cNvPr id="7" name="Прямоугольник 6">
-            <a:extLst>
-              <a:ext uri="{FF2B5EF4-FFF2-40B4-BE49-F238E27FC236}">
-                <a16:creationId xmlns:a16="http://schemas.microsoft.com/office/drawing/2014/main" id="{4D44A65F-E188-4968-B07C-25421CD26538}"/>
-              </a:ext>
-            </a:extLst>
-          </p:cNvPr>
-          <p:cNvSpPr/>
-          <p:nvPr/>
-        </p:nvSpPr>
-        <p:spPr>
-          <a:xfrm>
-            <a:off x="421906" y="1260525"/>
-            <a:ext cx="5560883" cy="1200329"/>
-          </a:xfrm>
-          <a:prstGeom prst="rect">
-            <a:avLst/>
-          </a:prstGeom>
-        </p:spPr>
-        <p:txBody>
-          <a:bodyPr wrap="square">
-            <a:spAutoFit/>
-          </a:bodyPr>
-          <a:lstStyle/>
-          <a:p>
-            <a:pPr marL="12700" lvl="1" algn="just" fontAlgn="base">
-              <a:lnSpc>
-                <a:spcPct val="90000"/>
-              </a:lnSpc>
-            </a:pPr>
-            <a:r>
-              <a:rPr lang="ru-RU" sz="2000" b="1" dirty="0">
-                <a:ea typeface="Verdana" panose="020B0604030504040204" pitchFamily="34" charset="0"/>
-                <a:cs typeface="Verdana" panose="020B0604030504040204" pitchFamily="34" charset="0"/>
-              </a:rPr>
-              <a:t>Репозиторий  </a:t>
-            </a:r>
-            <a:r>
-              <a:rPr lang="en-US" sz="2000" b="1" dirty="0">
-                <a:ea typeface="Verdana" panose="020B0604030504040204" pitchFamily="34" charset="0"/>
-                <a:cs typeface="Verdana" panose="020B0604030504040204" pitchFamily="34" charset="0"/>
-              </a:rPr>
-              <a:t>GitHub</a:t>
-            </a:r>
-            <a:endParaRPr lang="ru-RU" sz="2000" b="1" dirty="0">
-              <a:latin typeface="+mn-lt"/>
-              <a:ea typeface="Verdana" panose="020B0604030504040204" pitchFamily="34" charset="0"/>
-              <a:cs typeface="Verdana" panose="020B0604030504040204" pitchFamily="34" charset="0"/>
-            </a:endParaRPr>
-          </a:p>
-          <a:p>
-            <a:pPr marL="355600" lvl="1" indent="-342900" algn="just" fontAlgn="base">
-              <a:lnSpc>
-                <a:spcPct val="90000"/>
-              </a:lnSpc>
-              <a:spcBef>
-                <a:spcPts val="0"/>
-              </a:spcBef>
-              <a:buFont typeface="Arial" panose="020B0604020202020204" pitchFamily="34" charset="0"/>
-              <a:buChar char="•"/>
-            </a:pPr>
-            <a:r>
-              <a:rPr lang="ru-RU" sz="2000" dirty="0">
-                <a:latin typeface="+mn-lt"/>
-                <a:ea typeface="Verdana" panose="020B0604030504040204" pitchFamily="34" charset="0"/>
-                <a:cs typeface="Verdana" panose="020B0604030504040204" pitchFamily="34" charset="0"/>
-              </a:rPr>
-              <a:t>Ссылка на репозиторий</a:t>
-            </a:r>
-          </a:p>
-          <a:p>
-            <a:pPr marL="355600" lvl="1" indent="-342900" algn="just" fontAlgn="base">
-              <a:lnSpc>
-                <a:spcPct val="90000"/>
-              </a:lnSpc>
-              <a:spcBef>
-                <a:spcPts val="0"/>
-              </a:spcBef>
-              <a:buFont typeface="Arial" panose="020B0604020202020204" pitchFamily="34" charset="0"/>
-              <a:buChar char="•"/>
-            </a:pPr>
-            <a:r>
-              <a:rPr lang="ru-RU" sz="2000" dirty="0">
-                <a:latin typeface="+mn-lt"/>
-                <a:ea typeface="Verdana" panose="020B0604030504040204" pitchFamily="34" charset="0"/>
-                <a:cs typeface="Verdana" panose="020B0604030504040204" pitchFamily="34" charset="0"/>
-              </a:rPr>
-              <a:t>Что есть в репозитории</a:t>
-            </a:r>
-            <a:endParaRPr lang="ru-RU" sz="2000" dirty="0">
-              <a:ea typeface="Verdana" panose="020B0604030504040204" pitchFamily="34" charset="0"/>
-              <a:cs typeface="Verdana" panose="020B0604030504040204" pitchFamily="34" charset="0"/>
-            </a:endParaRPr>
-          </a:p>
-          <a:p>
-            <a:pPr marL="355600" lvl="1" indent="-342900" algn="just" fontAlgn="base">
-              <a:lnSpc>
-                <a:spcPct val="90000"/>
-              </a:lnSpc>
-              <a:spcBef>
-                <a:spcPts val="0"/>
-              </a:spcBef>
-              <a:buFont typeface="Arial" panose="020B0604020202020204" pitchFamily="34" charset="0"/>
-              <a:buChar char="•"/>
-            </a:pPr>
-            <a:r>
-              <a:rPr lang="ru-RU" sz="2000" dirty="0">
-                <a:latin typeface="+mn-lt"/>
-                <a:ea typeface="Verdana" panose="020B0604030504040204" pitchFamily="34" charset="0"/>
-                <a:cs typeface="Verdana" panose="020B0604030504040204" pitchFamily="34" charset="0"/>
-              </a:rPr>
-              <a:t>Скриншот репозитория</a:t>
-            </a:r>
-          </a:p>
-        </p:txBody>
-      </p:sp>
-      <p:sp>
-        <p:nvSpPr>
-          <p:cNvPr id="2" name="Прямоугольник 1">
-            <a:extLst>
-              <a:ext uri="{FF2B5EF4-FFF2-40B4-BE49-F238E27FC236}">
-                <a16:creationId xmlns:a16="http://schemas.microsoft.com/office/drawing/2014/main" id="{454640B7-37D8-39C6-7B48-F65AC3E457D6}"/>
-              </a:ext>
-            </a:extLst>
-          </p:cNvPr>
-          <p:cNvSpPr/>
-          <p:nvPr/>
-        </p:nvSpPr>
-        <p:spPr>
-          <a:xfrm>
-            <a:off x="6230064" y="1260525"/>
-            <a:ext cx="5560883" cy="1200329"/>
-          </a:xfrm>
-          <a:prstGeom prst="rect">
-            <a:avLst/>
-          </a:prstGeom>
-        </p:spPr>
-        <p:txBody>
-          <a:bodyPr wrap="square">
-            <a:spAutoFit/>
-          </a:bodyPr>
-          <a:lstStyle/>
-          <a:p>
-            <a:pPr marL="12700" lvl="1" algn="just" fontAlgn="base">
-              <a:lnSpc>
-                <a:spcPct val="90000"/>
-              </a:lnSpc>
-            </a:pPr>
-            <a:r>
-              <a:rPr lang="ru-RU" sz="2000" b="1" dirty="0">
-                <a:ea typeface="Verdana" panose="020B0604030504040204" pitchFamily="34" charset="0"/>
-                <a:cs typeface="Verdana" panose="020B0604030504040204" pitchFamily="34" charset="0"/>
-              </a:rPr>
-              <a:t>Описание командной работы</a:t>
-            </a:r>
-            <a:endParaRPr lang="ru-RU" sz="2000" b="1" dirty="0">
-              <a:latin typeface="+mn-lt"/>
-              <a:ea typeface="Verdana" panose="020B0604030504040204" pitchFamily="34" charset="0"/>
-              <a:cs typeface="Verdana" panose="020B0604030504040204" pitchFamily="34" charset="0"/>
-            </a:endParaRPr>
-          </a:p>
-          <a:p>
-            <a:pPr marL="355600" lvl="1" indent="-342900" algn="just" fontAlgn="base">
-              <a:lnSpc>
-                <a:spcPct val="90000"/>
-              </a:lnSpc>
-              <a:spcBef>
-                <a:spcPts val="0"/>
-              </a:spcBef>
-              <a:buFont typeface="Arial" panose="020B0604020202020204" pitchFamily="34" charset="0"/>
-              <a:buChar char="•"/>
-            </a:pPr>
-            <a:r>
-              <a:rPr lang="ru-RU" sz="2000" dirty="0">
-                <a:latin typeface="+mn-lt"/>
-                <a:ea typeface="Verdana" panose="020B0604030504040204" pitchFamily="34" charset="0"/>
-                <a:cs typeface="Verdana" panose="020B0604030504040204" pitchFamily="34" charset="0"/>
-              </a:rPr>
-              <a:t>Распределение ролей в команде</a:t>
-            </a:r>
-          </a:p>
-          <a:p>
-            <a:pPr marL="355600" lvl="1" indent="-342900" algn="just" fontAlgn="base">
-              <a:lnSpc>
-                <a:spcPct val="90000"/>
-              </a:lnSpc>
-              <a:spcBef>
-                <a:spcPts val="0"/>
-              </a:spcBef>
-              <a:buFont typeface="Arial" panose="020B0604020202020204" pitchFamily="34" charset="0"/>
-              <a:buChar char="•"/>
-            </a:pPr>
-            <a:r>
-              <a:rPr lang="ru-RU" sz="2000" dirty="0">
-                <a:latin typeface="+mn-lt"/>
-                <a:ea typeface="Verdana" panose="020B0604030504040204" pitchFamily="34" charset="0"/>
-                <a:cs typeface="Verdana" panose="020B0604030504040204" pitchFamily="34" charset="0"/>
-              </a:rPr>
-              <a:t>Кто из команды чем занимался</a:t>
-            </a:r>
-          </a:p>
-          <a:p>
-            <a:pPr marL="355600" lvl="1" indent="-342900" algn="just" fontAlgn="base">
-              <a:lnSpc>
-                <a:spcPct val="90000"/>
-              </a:lnSpc>
-              <a:spcBef>
-                <a:spcPts val="0"/>
-              </a:spcBef>
-              <a:buFont typeface="Arial" panose="020B0604020202020204" pitchFamily="34" charset="0"/>
-              <a:buChar char="•"/>
-            </a:pPr>
-            <a:r>
-              <a:rPr lang="ru-RU" sz="2000" dirty="0">
-                <a:ea typeface="Verdana" panose="020B0604030504040204" pitchFamily="34" charset="0"/>
-                <a:cs typeface="Verdana" panose="020B0604030504040204" pitchFamily="34" charset="0"/>
-              </a:rPr>
-              <a:t>Описание командной разработки на </a:t>
-            </a:r>
-            <a:r>
-              <a:rPr lang="en-US" sz="2000" dirty="0">
-                <a:ea typeface="Verdana" panose="020B0604030504040204" pitchFamily="34" charset="0"/>
-                <a:cs typeface="Verdana" panose="020B0604030504040204" pitchFamily="34" charset="0"/>
-              </a:rPr>
-              <a:t>GitHub</a:t>
-            </a:r>
-            <a:endParaRPr lang="ru-RU" sz="2000" dirty="0">
-              <a:latin typeface="+mn-lt"/>
-              <a:ea typeface="Verdana" panose="020B0604030504040204" pitchFamily="34" charset="0"/>
-              <a:cs typeface="Verdana" panose="020B0604030504040204" pitchFamily="34" charset="0"/>
-            </a:endParaRPr>
+              <a:t>ДЕМОНСТРАЦИЯ ПРИЛОЖЕНИЯ</a:t>
+            </a:r>
           </a:p>
         </p:txBody>
       </p:sp>
       <p:pic>
         <p:nvPicPr>
-          <p:cNvPr id="3" name="Объект 1">
+          <p:cNvPr id="2" name="Объект 1">
             <a:extLst>
               <a:ext uri="{FF2B5EF4-FFF2-40B4-BE49-F238E27FC236}">
-                <a16:creationId xmlns:a16="http://schemas.microsoft.com/office/drawing/2014/main" id="{AC2B6173-C48F-1B39-D4B8-AC04B88C3B67}"/>
+                <a16:creationId xmlns:a16="http://schemas.microsoft.com/office/drawing/2014/main" id="{C7F09346-29C4-8066-290E-F71EBBA3249D}"/>
               </a:ext>
             </a:extLst>
           </p:cNvPr>
@@ -5918,10 +8301,119 @@
           </a:prstGeom>
         </p:spPr>
       </p:pic>
+      <p:pic>
+        <p:nvPicPr>
+          <p:cNvPr id="12" name="Рисунок 11">
+            <a:extLst>
+              <a:ext uri="{FF2B5EF4-FFF2-40B4-BE49-F238E27FC236}">
+                <a16:creationId xmlns:a16="http://schemas.microsoft.com/office/drawing/2014/main" id="{8916632F-2315-4A9D-A7DA-A2D442FC29EC}"/>
+              </a:ext>
+            </a:extLst>
+          </p:cNvPr>
+          <p:cNvPicPr/>
+          <p:nvPr/>
+        </p:nvPicPr>
+        <p:blipFill rotWithShape="1">
+          <a:blip r:embed="rId3">
+            <a:extLst>
+              <a:ext uri="{28A0092B-C50C-407E-A947-70E740481C1C}">
+                <a14:useLocalDpi xmlns:a14="http://schemas.microsoft.com/office/drawing/2010/main" val="0"/>
+              </a:ext>
+            </a:extLst>
+          </a:blip>
+          <a:srcRect l="-693" r="38141"/>
+          <a:stretch/>
+        </p:blipFill>
+        <p:spPr bwMode="auto">
+          <a:xfrm>
+            <a:off x="8672660" y="968775"/>
+            <a:ext cx="3519340" cy="5726430"/>
+          </a:xfrm>
+          <a:prstGeom prst="rect">
+            <a:avLst/>
+          </a:prstGeom>
+          <a:noFill/>
+          <a:ln>
+            <a:noFill/>
+          </a:ln>
+        </p:spPr>
+      </p:pic>
+      <p:pic>
+        <p:nvPicPr>
+          <p:cNvPr id="13" name="Рисунок 12">
+            <a:extLst>
+              <a:ext uri="{FF2B5EF4-FFF2-40B4-BE49-F238E27FC236}">
+                <a16:creationId xmlns:a16="http://schemas.microsoft.com/office/drawing/2014/main" id="{9EA1C3E7-4977-40B2-9D90-E084E0FE5CE7}"/>
+              </a:ext>
+            </a:extLst>
+          </p:cNvPr>
+          <p:cNvPicPr/>
+          <p:nvPr/>
+        </p:nvPicPr>
+        <p:blipFill rotWithShape="1">
+          <a:blip r:embed="rId4">
+            <a:extLst>
+              <a:ext uri="{28A0092B-C50C-407E-A947-70E740481C1C}">
+                <a14:useLocalDpi xmlns:a14="http://schemas.microsoft.com/office/drawing/2010/main" val="0"/>
+              </a:ext>
+            </a:extLst>
+          </a:blip>
+          <a:srcRect r="24395"/>
+          <a:stretch/>
+        </p:blipFill>
+        <p:spPr bwMode="auto">
+          <a:xfrm>
+            <a:off x="274674" y="920165"/>
+            <a:ext cx="3769231" cy="5726430"/>
+          </a:xfrm>
+          <a:prstGeom prst="rect">
+            <a:avLst/>
+          </a:prstGeom>
+          <a:noFill/>
+          <a:ln>
+            <a:noFill/>
+          </a:ln>
+        </p:spPr>
+      </p:pic>
+      <p:pic>
+        <p:nvPicPr>
+          <p:cNvPr id="14" name="Рисунок 13">
+            <a:extLst>
+              <a:ext uri="{FF2B5EF4-FFF2-40B4-BE49-F238E27FC236}">
+                <a16:creationId xmlns:a16="http://schemas.microsoft.com/office/drawing/2014/main" id="{0C3F2B9B-FFCE-4768-936F-9856DCFA8990}"/>
+              </a:ext>
+            </a:extLst>
+          </p:cNvPr>
+          <p:cNvPicPr/>
+          <p:nvPr/>
+        </p:nvPicPr>
+        <p:blipFill rotWithShape="1">
+          <a:blip r:embed="rId5"/>
+          <a:srcRect l="33484" t="8707" r="31926" b="4915"/>
+          <a:stretch/>
+        </p:blipFill>
+        <p:spPr bwMode="auto">
+          <a:xfrm>
+            <a:off x="4175880" y="851987"/>
+            <a:ext cx="4388923" cy="5794608"/>
+          </a:xfrm>
+          <a:prstGeom prst="rect">
+            <a:avLst/>
+          </a:prstGeom>
+          <a:ln>
+            <a:noFill/>
+          </a:ln>
+          <a:extLst>
+            <a:ext uri="{53640926-AAD7-44D8-BBD7-CCE9431645EC}">
+              <a14:shadowObscured xmlns:a14="http://schemas.microsoft.com/office/drawing/2010/main"/>
+            </a:ext>
+          </a:extLst>
+        </p:spPr>
+      </p:pic>
     </p:spTree>
     <p:extLst>
       <p:ext uri="{BB962C8B-B14F-4D97-AF65-F5344CB8AC3E}">
-        <p14:creationId xmlns:p14="http://schemas.microsoft.com/office/powerpoint/2010/main" val="1163759046"/>
+        <p14:creationId xmlns:p14="http://schemas.microsoft.com/office/powerpoint/2010/main" val="4166088755"/>
       </p:ext>
     </p:extLst>
   </p:cSld>
@@ -6065,29 +8557,7 @@
                 <a:ea typeface="Verdana" panose="020B0604030504040204" pitchFamily="34" charset="0"/>
                 <a:cs typeface="Arial" panose="020B0604020202020204" pitchFamily="34" charset="0"/>
               </a:rPr>
-              <a:t>ТЕСТЫ/</a:t>
-            </a:r>
-            <a:r>
-              <a:rPr lang="en-US" sz="2400" b="1" cap="all" dirty="0">
-                <a:solidFill>
-                  <a:srgbClr val="C00000"/>
-                </a:solidFill>
-                <a:latin typeface="Verdana" panose="020B0604030504040204" pitchFamily="34" charset="0"/>
-                <a:ea typeface="Verdana" panose="020B0604030504040204" pitchFamily="34" charset="0"/>
-                <a:cs typeface="Arial" panose="020B0604020202020204" pitchFamily="34" charset="0"/>
-              </a:rPr>
-              <a:t>CI/</a:t>
-            </a:r>
-            <a:r>
-              <a:rPr lang="ru-RU" sz="2400" b="1" cap="all" dirty="0">
-                <a:solidFill>
-                  <a:srgbClr val="C00000"/>
-                </a:solidFill>
-                <a:latin typeface="Verdana" panose="020B0604030504040204" pitchFamily="34" charset="0"/>
-                <a:ea typeface="Verdana" panose="020B0604030504040204" pitchFamily="34" charset="0"/>
-                <a:cs typeface="Arial" panose="020B0604020202020204" pitchFamily="34" charset="0"/>
-              </a:rPr>
-              <a:t>развертывание в облаке</a:t>
+              <a:t>ОРГАНИЗАЦИЯ КОМАНДНОЙ РАЗРАБОТКИ</a:t>
             </a:r>
           </a:p>
         </p:txBody>
@@ -6106,8 +8576,8 @@
         </p:nvSpPr>
         <p:spPr>
           <a:xfrm>
-            <a:off x="500283" y="1230294"/>
-            <a:ext cx="10968905" cy="646331"/>
+            <a:off x="421906" y="1260525"/>
+            <a:ext cx="5560883" cy="1200329"/>
           </a:xfrm>
           <a:prstGeom prst="rect">
             <a:avLst/>
@@ -6125,56 +8595,363 @@
               </a:lnSpc>
             </a:pPr>
             <a:r>
-              <a:rPr lang="ru-RU" sz="2000" dirty="0">
-                <a:latin typeface="+mn-lt"/>
+              <a:rPr lang="ru-RU" sz="2000" b="1" dirty="0">
                 <a:ea typeface="Verdana" panose="020B0604030504040204" pitchFamily="34" charset="0"/>
                 <a:cs typeface="Verdana" panose="020B0604030504040204" pitchFamily="34" charset="0"/>
               </a:rPr>
-              <a:t>Описываются тесты/</a:t>
-            </a:r>
-            <a:r>
-              <a:rPr lang="en-US" sz="2000" dirty="0">
-                <a:latin typeface="+mn-lt"/>
+              <a:t>Репозиторий  </a:t>
+            </a:r>
+            <a:r>
+              <a:rPr lang="en-US" sz="2000" b="1" dirty="0">
                 <a:ea typeface="Verdana" panose="020B0604030504040204" pitchFamily="34" charset="0"/>
                 <a:cs typeface="Verdana" panose="020B0604030504040204" pitchFamily="34" charset="0"/>
               </a:rPr>
-              <a:t>CI/</a:t>
-            </a:r>
-            <a:r>
-              <a:rPr lang="ru-RU" sz="2000" dirty="0">
-                <a:ea typeface="Verdana" panose="020B0604030504040204" pitchFamily="34" charset="0"/>
-                <a:cs typeface="Verdana" panose="020B0604030504040204" pitchFamily="34" charset="0"/>
-              </a:rPr>
-              <a:t>процесс развертывания в облаке (</a:t>
-            </a:r>
-            <a:r>
-              <a:rPr lang="ru-RU" sz="2000" i="1" dirty="0">
-                <a:ea typeface="Verdana" panose="020B0604030504040204" pitchFamily="34" charset="0"/>
-                <a:cs typeface="Verdana" panose="020B0604030504040204" pitchFamily="34" charset="0"/>
-              </a:rPr>
-              <a:t>не обязательно все, а только то, что реально сделано</a:t>
-            </a:r>
-            <a:r>
-              <a:rPr lang="ru-RU" sz="2000" dirty="0">
-                <a:ea typeface="Verdana" panose="020B0604030504040204" pitchFamily="34" charset="0"/>
-                <a:cs typeface="Verdana" panose="020B0604030504040204" pitchFamily="34" charset="0"/>
-              </a:rPr>
-              <a:t>)</a:t>
-            </a:r>
-            <a:endParaRPr lang="ru-RU" sz="2000" dirty="0">
+              <a:t>GitHub</a:t>
+            </a:r>
+            <a:endParaRPr lang="ru-RU" sz="2000" b="1" dirty="0">
               <a:latin typeface="+mn-lt"/>
               <a:ea typeface="Verdana" panose="020B0604030504040204" pitchFamily="34" charset="0"/>
               <a:cs typeface="Verdana" panose="020B0604030504040204" pitchFamily="34" charset="0"/>
             </a:endParaRPr>
           </a:p>
+          <a:p>
+            <a:pPr marL="12700" lvl="1" algn="just" fontAlgn="base">
+              <a:lnSpc>
+                <a:spcPct val="90000"/>
+              </a:lnSpc>
+              <a:spcBef>
+                <a:spcPts val="0"/>
+              </a:spcBef>
+            </a:pPr>
+            <a:r>
+              <a:rPr lang="en-US" sz="2000" dirty="0">
+                <a:ea typeface="Verdana" panose="020B0604030504040204" pitchFamily="34" charset="0"/>
+                <a:cs typeface="Verdana" panose="020B0604030504040204" pitchFamily="34" charset="0"/>
+              </a:rPr>
+              <a:t> </a:t>
+            </a:r>
+            <a:r>
+              <a:rPr lang="en-US" sz="2000" dirty="0">
+                <a:ea typeface="Verdana" panose="020B0604030504040204" pitchFamily="34" charset="0"/>
+                <a:cs typeface="Verdana" panose="020B0604030504040204" pitchFamily="34" charset="0"/>
+                <a:hlinkClick r:id="rId2"/>
+              </a:rPr>
+              <a:t>https://github.com/hamitovrm/orbitr</a:t>
+            </a:r>
+            <a:endParaRPr lang="en-US" sz="2000" dirty="0">
+              <a:ea typeface="Verdana" panose="020B0604030504040204" pitchFamily="34" charset="0"/>
+              <a:cs typeface="Verdana" panose="020B0604030504040204" pitchFamily="34" charset="0"/>
+            </a:endParaRPr>
+          </a:p>
+          <a:p>
+            <a:pPr marL="12700" lvl="1" algn="just" fontAlgn="base">
+              <a:lnSpc>
+                <a:spcPct val="90000"/>
+              </a:lnSpc>
+              <a:spcBef>
+                <a:spcPts val="0"/>
+              </a:spcBef>
+            </a:pPr>
+            <a:endParaRPr lang="ru-RU" sz="2000" dirty="0">
+              <a:ea typeface="Verdana" panose="020B0604030504040204" pitchFamily="34" charset="0"/>
+              <a:cs typeface="Verdana" panose="020B0604030504040204" pitchFamily="34" charset="0"/>
+            </a:endParaRPr>
+          </a:p>
+          <a:p>
+            <a:pPr marL="355600" lvl="1" indent="-342900" algn="just" fontAlgn="base">
+              <a:lnSpc>
+                <a:spcPct val="90000"/>
+              </a:lnSpc>
+              <a:spcBef>
+                <a:spcPts val="0"/>
+              </a:spcBef>
+              <a:buFont typeface="Arial" panose="020B0604020202020204" pitchFamily="34" charset="0"/>
+              <a:buChar char="•"/>
+            </a:pPr>
+            <a:endParaRPr lang="en-US" sz="2000" dirty="0">
+              <a:latin typeface="+mn-lt"/>
+              <a:ea typeface="Verdana" panose="020B0604030504040204" pitchFamily="34" charset="0"/>
+              <a:cs typeface="Verdana" panose="020B0604030504040204" pitchFamily="34" charset="0"/>
+            </a:endParaRPr>
+          </a:p>
+        </p:txBody>
+      </p:sp>
+      <p:sp>
+        <p:nvSpPr>
+          <p:cNvPr id="2" name="Прямоугольник 1">
+            <a:extLst>
+              <a:ext uri="{FF2B5EF4-FFF2-40B4-BE49-F238E27FC236}">
+                <a16:creationId xmlns:a16="http://schemas.microsoft.com/office/drawing/2014/main" id="{454640B7-37D8-39C6-7B48-F65AC3E457D6}"/>
+              </a:ext>
+            </a:extLst>
+          </p:cNvPr>
+          <p:cNvSpPr/>
+          <p:nvPr/>
+        </p:nvSpPr>
+        <p:spPr>
+          <a:xfrm>
+            <a:off x="6096000" y="1260525"/>
+            <a:ext cx="5694948" cy="3416320"/>
+          </a:xfrm>
+          <a:prstGeom prst="rect">
+            <a:avLst/>
+          </a:prstGeom>
+        </p:spPr>
+        <p:txBody>
+          <a:bodyPr wrap="square">
+            <a:spAutoFit/>
+          </a:bodyPr>
+          <a:lstStyle/>
+          <a:p>
+            <a:pPr marL="12700" lvl="1" algn="just" fontAlgn="base">
+              <a:lnSpc>
+                <a:spcPct val="90000"/>
+              </a:lnSpc>
+            </a:pPr>
+            <a:r>
+              <a:rPr lang="ru-RU" sz="2000" b="1" dirty="0">
+                <a:ea typeface="Verdana" panose="020B0604030504040204" pitchFamily="34" charset="0"/>
+                <a:cs typeface="Verdana" panose="020B0604030504040204" pitchFamily="34" charset="0"/>
+              </a:rPr>
+              <a:t>Описание командной работы</a:t>
+            </a:r>
+          </a:p>
+          <a:p>
+            <a:pPr marL="12700" lvl="1" algn="just" fontAlgn="base">
+              <a:lnSpc>
+                <a:spcPct val="90000"/>
+              </a:lnSpc>
+            </a:pPr>
+            <a:endParaRPr lang="ru-RU" sz="2000" b="1" dirty="0">
+              <a:latin typeface="+mn-lt"/>
+              <a:ea typeface="Verdana" panose="020B0604030504040204" pitchFamily="34" charset="0"/>
+              <a:cs typeface="Verdana" panose="020B0604030504040204" pitchFamily="34" charset="0"/>
+            </a:endParaRPr>
+          </a:p>
+          <a:p>
+            <a:pPr marL="12700" lvl="1" algn="just" fontAlgn="base">
+              <a:lnSpc>
+                <a:spcPct val="90000"/>
+              </a:lnSpc>
+            </a:pPr>
+            <a:endParaRPr lang="ru-RU" sz="2000" b="1" dirty="0">
+              <a:latin typeface="+mn-lt"/>
+              <a:ea typeface="Verdana" panose="020B0604030504040204" pitchFamily="34" charset="0"/>
+              <a:cs typeface="Verdana" panose="020B0604030504040204" pitchFamily="34" charset="0"/>
+            </a:endParaRPr>
+          </a:p>
+          <a:p>
+            <a:pPr marL="355600" lvl="1" indent="-342900" algn="just" fontAlgn="base">
+              <a:lnSpc>
+                <a:spcPct val="90000"/>
+              </a:lnSpc>
+              <a:buFont typeface="Arial" panose="020B0604020202020204" pitchFamily="34" charset="0"/>
+              <a:buChar char="•"/>
+            </a:pPr>
+            <a:r>
+              <a:rPr lang="ru-RU" sz="2000" dirty="0" err="1">
+                <a:ea typeface="Verdana" panose="020B0604030504040204" pitchFamily="34" charset="0"/>
+                <a:cs typeface="Verdana" panose="020B0604030504040204" pitchFamily="34" charset="0"/>
+              </a:rPr>
+              <a:t>Аухадеев</a:t>
+            </a:r>
+            <a:r>
+              <a:rPr lang="ru-RU" sz="2000" dirty="0">
+                <a:ea typeface="Verdana" panose="020B0604030504040204" pitchFamily="34" charset="0"/>
+                <a:cs typeface="Verdana" panose="020B0604030504040204" pitchFamily="34" charset="0"/>
+              </a:rPr>
+              <a:t> </a:t>
+            </a:r>
+            <a:r>
+              <a:rPr lang="ru-RU" sz="2000" dirty="0" err="1">
+                <a:ea typeface="Verdana" panose="020B0604030504040204" pitchFamily="34" charset="0"/>
+                <a:cs typeface="Verdana" panose="020B0604030504040204" pitchFamily="34" charset="0"/>
+              </a:rPr>
+              <a:t>Авер</a:t>
+            </a:r>
+            <a:r>
+              <a:rPr lang="ru-RU" sz="2000" dirty="0">
+                <a:ea typeface="Verdana" panose="020B0604030504040204" pitchFamily="34" charset="0"/>
+                <a:cs typeface="Verdana" panose="020B0604030504040204" pitchFamily="34" charset="0"/>
+              </a:rPr>
+              <a:t> </a:t>
+            </a:r>
+            <a:r>
+              <a:rPr lang="ru-RU" sz="2000" dirty="0" err="1">
+                <a:ea typeface="Verdana" panose="020B0604030504040204" pitchFamily="34" charset="0"/>
+                <a:cs typeface="Verdana" panose="020B0604030504040204" pitchFamily="34" charset="0"/>
+              </a:rPr>
+              <a:t>Эрикович</a:t>
+            </a:r>
+            <a:r>
+              <a:rPr lang="ru-RU" sz="2000" dirty="0">
+                <a:ea typeface="Verdana" panose="020B0604030504040204" pitchFamily="34" charset="0"/>
+                <a:cs typeface="Verdana" panose="020B0604030504040204" pitchFamily="34" charset="0"/>
+              </a:rPr>
+              <a:t> – документирование</a:t>
+            </a:r>
+          </a:p>
+          <a:p>
+            <a:pPr marL="355600" lvl="1" indent="-342900" algn="just" fontAlgn="base">
+              <a:lnSpc>
+                <a:spcPct val="90000"/>
+              </a:lnSpc>
+              <a:spcBef>
+                <a:spcPts val="0"/>
+              </a:spcBef>
+              <a:buFont typeface="Arial" panose="020B0604020202020204" pitchFamily="34" charset="0"/>
+              <a:buChar char="•"/>
+            </a:pPr>
+            <a:endParaRPr lang="ru-RU" sz="2000" dirty="0">
+              <a:ea typeface="Verdana" panose="020B0604030504040204" pitchFamily="34" charset="0"/>
+              <a:cs typeface="Verdana" panose="020B0604030504040204" pitchFamily="34" charset="0"/>
+            </a:endParaRPr>
+          </a:p>
+          <a:p>
+            <a:pPr marL="355600" lvl="1" indent="-342900" algn="just" fontAlgn="base">
+              <a:lnSpc>
+                <a:spcPct val="90000"/>
+              </a:lnSpc>
+              <a:spcBef>
+                <a:spcPts val="0"/>
+              </a:spcBef>
+              <a:buFont typeface="Arial" panose="020B0604020202020204" pitchFamily="34" charset="0"/>
+              <a:buChar char="•"/>
+            </a:pPr>
+            <a:r>
+              <a:rPr lang="ru-RU" sz="2000" dirty="0">
+                <a:ea typeface="Verdana" panose="020B0604030504040204" pitchFamily="34" charset="0"/>
+                <a:cs typeface="Verdana" panose="020B0604030504040204" pitchFamily="34" charset="0"/>
+              </a:rPr>
+              <a:t>Сафиуллин Булат </a:t>
+            </a:r>
+            <a:r>
+              <a:rPr lang="ru-RU" sz="2000" dirty="0" err="1">
+                <a:ea typeface="Verdana" panose="020B0604030504040204" pitchFamily="34" charset="0"/>
+                <a:cs typeface="Verdana" panose="020B0604030504040204" pitchFamily="34" charset="0"/>
+              </a:rPr>
+              <a:t>Ирекович</a:t>
+            </a:r>
+            <a:r>
+              <a:rPr lang="ru-RU" sz="2000" dirty="0">
+                <a:ea typeface="Verdana" panose="020B0604030504040204" pitchFamily="34" charset="0"/>
+                <a:cs typeface="Verdana" panose="020B0604030504040204" pitchFamily="34" charset="0"/>
+              </a:rPr>
+              <a:t> - тестирование</a:t>
+            </a:r>
+          </a:p>
+          <a:p>
+            <a:pPr marL="355600" lvl="1" indent="-342900" algn="just" fontAlgn="base">
+              <a:lnSpc>
+                <a:spcPct val="90000"/>
+              </a:lnSpc>
+              <a:spcBef>
+                <a:spcPts val="0"/>
+              </a:spcBef>
+              <a:buFont typeface="Arial" panose="020B0604020202020204" pitchFamily="34" charset="0"/>
+              <a:buChar char="•"/>
+            </a:pPr>
+            <a:endParaRPr lang="ru-RU" sz="2000" dirty="0">
+              <a:ea typeface="Verdana" panose="020B0604030504040204" pitchFamily="34" charset="0"/>
+              <a:cs typeface="Verdana" panose="020B0604030504040204" pitchFamily="34" charset="0"/>
+            </a:endParaRPr>
+          </a:p>
+          <a:p>
+            <a:pPr marL="355600" lvl="1" indent="-342900" algn="just" fontAlgn="base">
+              <a:lnSpc>
+                <a:spcPct val="90000"/>
+              </a:lnSpc>
+              <a:buFont typeface="Arial" panose="020B0604020202020204" pitchFamily="34" charset="0"/>
+              <a:buChar char="•"/>
+            </a:pPr>
+            <a:r>
+              <a:rPr lang="ru-RU" sz="2000" dirty="0">
+                <a:ea typeface="Verdana" panose="020B0604030504040204" pitchFamily="34" charset="0"/>
+                <a:cs typeface="Verdana" panose="020B0604030504040204" pitchFamily="34" charset="0"/>
+              </a:rPr>
+              <a:t>Хамитов Ренат </a:t>
+            </a:r>
+            <a:r>
+              <a:rPr lang="ru-RU" sz="2000" dirty="0" err="1">
+                <a:ea typeface="Verdana" panose="020B0604030504040204" pitchFamily="34" charset="0"/>
+                <a:cs typeface="Verdana" panose="020B0604030504040204" pitchFamily="34" charset="0"/>
+              </a:rPr>
+              <a:t>Минзашарифович</a:t>
+            </a:r>
+            <a:r>
+              <a:rPr lang="ru-RU" sz="2000" dirty="0">
+                <a:ea typeface="Verdana" panose="020B0604030504040204" pitchFamily="34" charset="0"/>
+                <a:cs typeface="Verdana" panose="020B0604030504040204" pitchFamily="34" charset="0"/>
+              </a:rPr>
+              <a:t> – разработка</a:t>
+            </a:r>
+          </a:p>
+          <a:p>
+            <a:pPr marL="355600" lvl="1" indent="-342900" algn="just" fontAlgn="base">
+              <a:lnSpc>
+                <a:spcPct val="90000"/>
+              </a:lnSpc>
+              <a:buFont typeface="Arial" panose="020B0604020202020204" pitchFamily="34" charset="0"/>
+              <a:buChar char="•"/>
+            </a:pPr>
+            <a:endParaRPr lang="ru-RU" sz="2000" dirty="0">
+              <a:ea typeface="Verdana" panose="020B0604030504040204" pitchFamily="34" charset="0"/>
+              <a:cs typeface="Verdana" panose="020B0604030504040204" pitchFamily="34" charset="0"/>
+            </a:endParaRPr>
+          </a:p>
+          <a:p>
+            <a:pPr marL="355600" lvl="1" indent="-342900" algn="just" fontAlgn="base">
+              <a:lnSpc>
+                <a:spcPct val="90000"/>
+              </a:lnSpc>
+              <a:buFont typeface="Arial" panose="020B0604020202020204" pitchFamily="34" charset="0"/>
+              <a:buChar char="•"/>
+            </a:pPr>
+            <a:r>
+              <a:rPr lang="ru-RU" sz="2000" dirty="0">
+                <a:ea typeface="Verdana" panose="020B0604030504040204" pitchFamily="34" charset="0"/>
+                <a:cs typeface="Verdana" panose="020B0604030504040204" pitchFamily="34" charset="0"/>
+              </a:rPr>
+              <a:t>Исмагилов Ильдар Рашидович - презентация</a:t>
+            </a:r>
+          </a:p>
+          <a:p>
+            <a:pPr marL="355600" lvl="1" indent="-342900" algn="just" fontAlgn="base">
+              <a:lnSpc>
+                <a:spcPct val="90000"/>
+              </a:lnSpc>
+              <a:buFont typeface="Arial" panose="020B0604020202020204" pitchFamily="34" charset="0"/>
+              <a:buChar char="•"/>
+            </a:pPr>
+            <a:endParaRPr lang="ru-RU" sz="2000" dirty="0">
+              <a:ea typeface="Verdana" panose="020B0604030504040204" pitchFamily="34" charset="0"/>
+              <a:cs typeface="Verdana" panose="020B0604030504040204" pitchFamily="34" charset="0"/>
+            </a:endParaRPr>
+          </a:p>
+          <a:p>
+            <a:pPr marL="355600" lvl="1" indent="-342900" algn="just" fontAlgn="base">
+              <a:lnSpc>
+                <a:spcPct val="90000"/>
+              </a:lnSpc>
+              <a:spcBef>
+                <a:spcPts val="0"/>
+              </a:spcBef>
+              <a:buFont typeface="Arial" panose="020B0604020202020204" pitchFamily="34" charset="0"/>
+              <a:buChar char="•"/>
+            </a:pPr>
+            <a:endParaRPr lang="ru-RU" sz="2000" dirty="0">
+              <a:ea typeface="Verdana" panose="020B0604030504040204" pitchFamily="34" charset="0"/>
+              <a:cs typeface="Verdana" panose="020B0604030504040204" pitchFamily="34" charset="0"/>
+            </a:endParaRPr>
+          </a:p>
         </p:txBody>
       </p:sp>
       <p:pic>
         <p:nvPicPr>
-          <p:cNvPr id="2" name="Объект 1">
+          <p:cNvPr id="3" name="Объект 1">
             <a:extLst>
               <a:ext uri="{FF2B5EF4-FFF2-40B4-BE49-F238E27FC236}">
-                <a16:creationId xmlns:a16="http://schemas.microsoft.com/office/drawing/2014/main" id="{3B516F6B-DF70-4F9C-71E0-1E448DC3044A}"/>
+                <a16:creationId xmlns:a16="http://schemas.microsoft.com/office/drawing/2014/main" id="{AC2B6173-C48F-1B39-D4B8-AC04B88C3B67}"/>
               </a:ext>
             </a:extLst>
           </p:cNvPr>
@@ -6184,7 +8961,7 @@
           <p:nvPr/>
         </p:nvPicPr>
         <p:blipFill rotWithShape="1">
-          <a:blip r:embed="rId2" cstate="screen">
+          <a:blip r:embed="rId3" cstate="screen">
             <a:extLst>
               <a:ext uri="{28A0092B-C50C-407E-A947-70E740481C1C}">
                 <a14:useLocalDpi xmlns:a14="http://schemas.microsoft.com/office/drawing/2010/main"/>
@@ -6204,10 +8981,45 @@
           </a:prstGeom>
         </p:spPr>
       </p:pic>
+      <p:pic>
+        <p:nvPicPr>
+          <p:cNvPr id="8" name="Рисунок 7">
+            <a:extLst>
+              <a:ext uri="{FF2B5EF4-FFF2-40B4-BE49-F238E27FC236}">
+                <a16:creationId xmlns:a16="http://schemas.microsoft.com/office/drawing/2014/main" id="{AF8DF577-AB00-4D93-ABAE-3331274C27C8}"/>
+              </a:ext>
+            </a:extLst>
+          </p:cNvPr>
+          <p:cNvPicPr/>
+          <p:nvPr/>
+        </p:nvPicPr>
+        <p:blipFill rotWithShape="1">
+          <a:blip r:embed="rId4"/>
+          <a:srcRect l="19312" t="3378" r="16537" b="10986"/>
+          <a:stretch/>
+        </p:blipFill>
+        <p:spPr bwMode="auto">
+          <a:xfrm>
+            <a:off x="308695" y="1860689"/>
+            <a:ext cx="5900518" cy="4834516"/>
+          </a:xfrm>
+          <a:prstGeom prst="rect">
+            <a:avLst/>
+          </a:prstGeom>
+          <a:ln>
+            <a:noFill/>
+          </a:ln>
+          <a:extLst>
+            <a:ext uri="{53640926-AAD7-44D8-BBD7-CCE9431645EC}">
+              <a14:shadowObscured xmlns:a14="http://schemas.microsoft.com/office/drawing/2010/main"/>
+            </a:ext>
+          </a:extLst>
+        </p:spPr>
+      </p:pic>
     </p:spTree>
     <p:extLst>
       <p:ext uri="{BB962C8B-B14F-4D97-AF65-F5344CB8AC3E}">
-        <p14:creationId xmlns:p14="http://schemas.microsoft.com/office/powerpoint/2010/main" val="2993260711"/>
+        <p14:creationId xmlns:p14="http://schemas.microsoft.com/office/powerpoint/2010/main" val="1163759046"/>
       </p:ext>
     </p:extLst>
   </p:cSld>
@@ -6351,17 +9163,39 @@
                 <a:ea typeface="Verdana" panose="020B0604030504040204" pitchFamily="34" charset="0"/>
                 <a:cs typeface="Arial" panose="020B0604020202020204" pitchFamily="34" charset="0"/>
               </a:rPr>
-              <a:t>ИТОГИ</a:t>
+              <a:t>ТЕСТЫ/</a:t>
+            </a:r>
+            <a:r>
+              <a:rPr lang="en-US" sz="2400" b="1" cap="all" dirty="0">
+                <a:solidFill>
+                  <a:srgbClr val="C00000"/>
+                </a:solidFill>
+                <a:latin typeface="Verdana" panose="020B0604030504040204" pitchFamily="34" charset="0"/>
+                <a:ea typeface="Verdana" panose="020B0604030504040204" pitchFamily="34" charset="0"/>
+                <a:cs typeface="Arial" panose="020B0604020202020204" pitchFamily="34" charset="0"/>
+              </a:rPr>
+              <a:t>CI/</a:t>
+            </a:r>
+            <a:r>
+              <a:rPr lang="ru-RU" sz="2400" b="1" cap="all" dirty="0">
+                <a:solidFill>
+                  <a:srgbClr val="C00000"/>
+                </a:solidFill>
+                <a:latin typeface="Verdana" panose="020B0604030504040204" pitchFamily="34" charset="0"/>
+                <a:ea typeface="Verdana" panose="020B0604030504040204" pitchFamily="34" charset="0"/>
+                <a:cs typeface="Arial" panose="020B0604020202020204" pitchFamily="34" charset="0"/>
+              </a:rPr>
+              <a:t>развертывание в облаке</a:t>
             </a:r>
           </a:p>
         </p:txBody>
       </p:sp>
       <p:sp>
         <p:nvSpPr>
-          <p:cNvPr id="8" name="Прямоугольник 7">
+          <p:cNvPr id="7" name="Прямоугольник 6">
             <a:extLst>
               <a:ext uri="{FF2B5EF4-FFF2-40B4-BE49-F238E27FC236}">
-                <a16:creationId xmlns:a16="http://schemas.microsoft.com/office/drawing/2014/main" id="{9859100C-1BEA-48D9-9758-3D655F102C29}"/>
+                <a16:creationId xmlns:a16="http://schemas.microsoft.com/office/drawing/2014/main" id="{4D44A65F-E188-4968-B07C-25421CD26538}"/>
               </a:ext>
             </a:extLst>
           </p:cNvPr>
@@ -6370,8 +9204,8 @@
         </p:nvSpPr>
         <p:spPr>
           <a:xfrm>
-            <a:off x="421906" y="1260525"/>
-            <a:ext cx="5560883" cy="3554819"/>
+            <a:off x="500283" y="1230294"/>
+            <a:ext cx="10968905" cy="341632"/>
           </a:xfrm>
           <a:prstGeom prst="rect">
             <a:avLst/>
@@ -6389,329 +9223,42 @@
               </a:lnSpc>
             </a:pPr>
             <a:r>
-              <a:rPr lang="ru-RU" sz="2000" b="1" dirty="0">
-                <a:ea typeface="Verdana" panose="020B0604030504040204" pitchFamily="34" charset="0"/>
-                <a:cs typeface="Verdana" panose="020B0604030504040204" pitchFamily="34" charset="0"/>
-              </a:rPr>
-              <a:t>Краткое описание полученных результатов</a:t>
-            </a:r>
-            <a:endParaRPr lang="ru-RU" sz="2000" b="1" dirty="0">
-              <a:latin typeface="+mn-lt"/>
-              <a:ea typeface="Verdana" panose="020B0604030504040204" pitchFamily="34" charset="0"/>
-              <a:cs typeface="Verdana" panose="020B0604030504040204" pitchFamily="34" charset="0"/>
-            </a:endParaRPr>
-          </a:p>
-          <a:p>
-            <a:pPr marL="342900" lvl="0" indent="-342900">
-              <a:lnSpc>
-                <a:spcPct val="150000"/>
-              </a:lnSpc>
-              <a:buFont typeface="Symbol" pitchFamily="2" charset="2"/>
-              <a:buChar char=""/>
-            </a:pPr>
-            <a:r>
-              <a:rPr lang="ru-RU" sz="1800" dirty="0">
-                <a:effectLst/>
-                <a:latin typeface="Times New Roman" panose="02020603050405020304" pitchFamily="18" charset="0"/>
-                <a:ea typeface="Times New Roman" panose="02020603050405020304" pitchFamily="18" charset="0"/>
-              </a:rPr>
-              <a:t>Описание задачи</a:t>
-            </a:r>
-          </a:p>
-          <a:p>
-            <a:pPr marL="342900" lvl="0" indent="-342900">
-              <a:lnSpc>
-                <a:spcPct val="150000"/>
-              </a:lnSpc>
-              <a:buFont typeface="Symbol" pitchFamily="2" charset="2"/>
-              <a:buChar char=""/>
-            </a:pPr>
-            <a:r>
-              <a:rPr lang="ru-RU" sz="1800" dirty="0">
-                <a:effectLst/>
-                <a:latin typeface="Times New Roman" panose="02020603050405020304" pitchFamily="18" charset="0"/>
-                <a:ea typeface="Times New Roman" panose="02020603050405020304" pitchFamily="18" charset="0"/>
-              </a:rPr>
-              <a:t>Описание предварительно обученной модели машинного обучения</a:t>
-            </a:r>
-          </a:p>
-          <a:p>
-            <a:pPr marL="342900" lvl="0" indent="-342900">
-              <a:lnSpc>
-                <a:spcPct val="150000"/>
-              </a:lnSpc>
-              <a:buFont typeface="Symbol" pitchFamily="2" charset="2"/>
-              <a:buChar char=""/>
-            </a:pPr>
-            <a:r>
-              <a:rPr lang="ru-RU" sz="1800" dirty="0">
-                <a:effectLst/>
-                <a:latin typeface="Times New Roman" panose="02020603050405020304" pitchFamily="18" charset="0"/>
-                <a:ea typeface="Times New Roman" panose="02020603050405020304" pitchFamily="18" charset="0"/>
-              </a:rPr>
-              <a:t>Описание инструмента создания приложения </a:t>
-            </a:r>
-            <a:r>
-              <a:rPr lang="en-US" sz="1800" dirty="0">
-                <a:effectLst/>
-                <a:latin typeface="Times New Roman" panose="02020603050405020304" pitchFamily="18" charset="0"/>
-                <a:ea typeface="Times New Roman" panose="02020603050405020304" pitchFamily="18" charset="0"/>
-              </a:rPr>
-              <a:t>(</a:t>
-            </a:r>
-            <a:r>
-              <a:rPr lang="en-US" sz="1800" dirty="0" err="1">
-                <a:effectLst/>
-                <a:latin typeface="Times New Roman" panose="02020603050405020304" pitchFamily="18" charset="0"/>
-                <a:ea typeface="Times New Roman" panose="02020603050405020304" pitchFamily="18" charset="0"/>
-              </a:rPr>
-              <a:t>Streamlit</a:t>
-            </a:r>
-            <a:r>
-              <a:rPr lang="en-US" sz="1800" dirty="0">
-                <a:effectLst/>
-                <a:latin typeface="Times New Roman" panose="02020603050405020304" pitchFamily="18" charset="0"/>
-                <a:ea typeface="Times New Roman" panose="02020603050405020304" pitchFamily="18" charset="0"/>
-              </a:rPr>
-              <a:t>, FastAPI </a:t>
-            </a:r>
-            <a:r>
-              <a:rPr lang="ru-RU" sz="1800" dirty="0">
-                <a:effectLst/>
-                <a:latin typeface="Times New Roman" panose="02020603050405020304" pitchFamily="18" charset="0"/>
-                <a:ea typeface="Times New Roman" panose="02020603050405020304" pitchFamily="18" charset="0"/>
-              </a:rPr>
-              <a:t>и т.п.).</a:t>
-            </a:r>
-          </a:p>
-          <a:p>
-            <a:pPr marL="342900" lvl="0" indent="-342900">
-              <a:lnSpc>
-                <a:spcPct val="150000"/>
-              </a:lnSpc>
-              <a:buFont typeface="Symbol" pitchFamily="2" charset="2"/>
-              <a:buChar char=""/>
-            </a:pPr>
-            <a:r>
-              <a:rPr lang="ru-RU" sz="1800" dirty="0">
-                <a:effectLst/>
-                <a:latin typeface="Times New Roman" panose="02020603050405020304" pitchFamily="18" charset="0"/>
-                <a:ea typeface="Times New Roman" panose="02020603050405020304" pitchFamily="18" charset="0"/>
-              </a:rPr>
-              <a:t>Описание приложения.</a:t>
-            </a:r>
-          </a:p>
-          <a:p>
-            <a:pPr marL="342900" lvl="0" indent="-342900">
-              <a:lnSpc>
-                <a:spcPct val="150000"/>
-              </a:lnSpc>
-              <a:buFont typeface="Symbol" pitchFamily="2" charset="2"/>
-              <a:buChar char=""/>
-            </a:pPr>
-            <a:r>
-              <a:rPr lang="ru-RU" sz="1800" dirty="0">
-                <a:effectLst/>
-                <a:latin typeface="Times New Roman" panose="02020603050405020304" pitchFamily="18" charset="0"/>
-                <a:ea typeface="Times New Roman" panose="02020603050405020304" pitchFamily="18" charset="0"/>
-              </a:rPr>
-              <a:t>Описание командной разработки</a:t>
-            </a:r>
-            <a:endParaRPr lang="en-US" sz="2000" b="1" dirty="0">
-              <a:ea typeface="Verdana" panose="020B0604030504040204" pitchFamily="34" charset="0"/>
-              <a:cs typeface="Verdana" panose="020B0604030504040204" pitchFamily="34" charset="0"/>
-            </a:endParaRPr>
-          </a:p>
-          <a:p>
-            <a:pPr marL="355600" lvl="1" indent="-342900" algn="just" fontAlgn="base">
-              <a:lnSpc>
-                <a:spcPct val="90000"/>
-              </a:lnSpc>
-              <a:spcBef>
-                <a:spcPts val="0"/>
-              </a:spcBef>
-              <a:buFont typeface="Arial" panose="020B0604020202020204" pitchFamily="34" charset="0"/>
-              <a:buChar char="•"/>
-            </a:pPr>
-            <a:endParaRPr lang="ru-RU" sz="2000" b="1" dirty="0">
-              <a:latin typeface="+mn-lt"/>
-              <a:ea typeface="Verdana" panose="020B0604030504040204" pitchFamily="34" charset="0"/>
-              <a:cs typeface="Verdana" panose="020B0604030504040204" pitchFamily="34" charset="0"/>
-            </a:endParaRPr>
-          </a:p>
-        </p:txBody>
-      </p:sp>
-      <p:sp>
-        <p:nvSpPr>
-          <p:cNvPr id="7" name="Прямоугольник 6">
-            <a:extLst>
-              <a:ext uri="{FF2B5EF4-FFF2-40B4-BE49-F238E27FC236}">
-                <a16:creationId xmlns:a16="http://schemas.microsoft.com/office/drawing/2014/main" id="{45322A68-87C4-417D-8E3D-5B22DB5CACA8}"/>
-              </a:ext>
-            </a:extLst>
-          </p:cNvPr>
-          <p:cNvSpPr/>
-          <p:nvPr/>
-        </p:nvSpPr>
-        <p:spPr>
-          <a:xfrm>
-            <a:off x="6209211" y="1260525"/>
-            <a:ext cx="5560883" cy="3139321"/>
-          </a:xfrm>
-          <a:prstGeom prst="rect">
-            <a:avLst/>
-          </a:prstGeom>
-        </p:spPr>
-        <p:txBody>
-          <a:bodyPr wrap="square">
-            <a:spAutoFit/>
-          </a:bodyPr>
-          <a:lstStyle/>
-          <a:p>
-            <a:pPr marL="12700" lvl="1" algn="just" fontAlgn="base">
-              <a:lnSpc>
-                <a:spcPct val="90000"/>
-              </a:lnSpc>
-            </a:pPr>
-            <a:r>
-              <a:rPr lang="ru-RU" sz="2000" b="1" dirty="0">
-                <a:ea typeface="Verdana" panose="020B0604030504040204" pitchFamily="34" charset="0"/>
-                <a:cs typeface="Verdana" panose="020B0604030504040204" pitchFamily="34" charset="0"/>
-              </a:rPr>
-              <a:t>Ссылка на репозиторий с кодом</a:t>
-            </a:r>
-            <a:endParaRPr lang="ru-RU" sz="2000" b="1" dirty="0">
-              <a:latin typeface="+mn-lt"/>
-              <a:ea typeface="Verdana" panose="020B0604030504040204" pitchFamily="34" charset="0"/>
-              <a:cs typeface="Verdana" panose="020B0604030504040204" pitchFamily="34" charset="0"/>
-            </a:endParaRPr>
-          </a:p>
-          <a:p>
-            <a:pPr marL="355600" lvl="1" indent="-342900" algn="just" fontAlgn="base">
-              <a:lnSpc>
-                <a:spcPct val="90000"/>
-              </a:lnSpc>
-              <a:spcBef>
-                <a:spcPts val="0"/>
-              </a:spcBef>
-              <a:buFont typeface="Arial" panose="020B0604020202020204" pitchFamily="34" charset="0"/>
-              <a:buChar char="•"/>
-            </a:pPr>
-            <a:r>
-              <a:rPr lang="ru-RU" sz="2000" dirty="0">
-                <a:latin typeface="+mn-lt"/>
-                <a:ea typeface="Verdana" panose="020B0604030504040204" pitchFamily="34" charset="0"/>
-                <a:cs typeface="Verdana" panose="020B0604030504040204" pitchFamily="34" charset="0"/>
-              </a:rPr>
-              <a:t>Ссылка</a:t>
-            </a:r>
-          </a:p>
-          <a:p>
-            <a:pPr marL="355600" lvl="1" indent="-342900" algn="just" fontAlgn="base">
-              <a:lnSpc>
-                <a:spcPct val="90000"/>
-              </a:lnSpc>
-              <a:spcBef>
-                <a:spcPts val="0"/>
-              </a:spcBef>
-              <a:buFont typeface="Arial" panose="020B0604020202020204" pitchFamily="34" charset="0"/>
-              <a:buChar char="•"/>
-            </a:pPr>
-            <a:endParaRPr lang="en-US" sz="2000" b="1" dirty="0">
-              <a:ea typeface="Verdana" panose="020B0604030504040204" pitchFamily="34" charset="0"/>
-              <a:cs typeface="Verdana" panose="020B0604030504040204" pitchFamily="34" charset="0"/>
-            </a:endParaRPr>
-          </a:p>
-          <a:p>
-            <a:pPr marL="12700" lvl="1" algn="just" fontAlgn="base">
-              <a:lnSpc>
-                <a:spcPct val="90000"/>
-              </a:lnSpc>
-            </a:pPr>
-            <a:r>
-              <a:rPr lang="ru-RU" sz="2000" b="1" dirty="0">
-                <a:ea typeface="Verdana" panose="020B0604030504040204" pitchFamily="34" charset="0"/>
-                <a:cs typeface="Verdana" panose="020B0604030504040204" pitchFamily="34" charset="0"/>
-              </a:rPr>
-              <a:t>Планируемые дальнейшие действия</a:t>
-            </a:r>
-            <a:endParaRPr lang="ru-RU" sz="2000" b="1" dirty="0">
-              <a:latin typeface="+mn-lt"/>
-              <a:ea typeface="Verdana" panose="020B0604030504040204" pitchFamily="34" charset="0"/>
-              <a:cs typeface="Verdana" panose="020B0604030504040204" pitchFamily="34" charset="0"/>
-            </a:endParaRPr>
-          </a:p>
-          <a:p>
-            <a:pPr marL="355600" lvl="1" indent="-342900" algn="just" fontAlgn="base">
-              <a:lnSpc>
-                <a:spcPct val="90000"/>
-              </a:lnSpc>
-              <a:spcBef>
-                <a:spcPts val="0"/>
-              </a:spcBef>
-              <a:buFont typeface="Arial" panose="020B0604020202020204" pitchFamily="34" charset="0"/>
-              <a:buChar char="•"/>
-            </a:pPr>
-            <a:r>
-              <a:rPr lang="ru-RU" sz="2000" dirty="0">
-                <a:latin typeface="+mn-lt"/>
-                <a:ea typeface="Verdana" panose="020B0604030504040204" pitchFamily="34" charset="0"/>
-                <a:cs typeface="Verdana" panose="020B0604030504040204" pitchFamily="34" charset="0"/>
-              </a:rPr>
-              <a:t>Идеи по улучшению решения</a:t>
-            </a:r>
-          </a:p>
-          <a:p>
-            <a:pPr marL="355600" lvl="1" indent="-342900" algn="just" fontAlgn="base">
-              <a:lnSpc>
-                <a:spcPct val="90000"/>
-              </a:lnSpc>
-              <a:spcBef>
-                <a:spcPts val="0"/>
-              </a:spcBef>
-              <a:buFont typeface="Arial" panose="020B0604020202020204" pitchFamily="34" charset="0"/>
-              <a:buChar char="•"/>
-            </a:pPr>
-            <a:r>
-              <a:rPr lang="ru-RU" sz="2000" dirty="0">
-                <a:ea typeface="Verdana" panose="020B0604030504040204" pitchFamily="34" charset="0"/>
-                <a:cs typeface="Verdana" panose="020B0604030504040204" pitchFamily="34" charset="0"/>
-              </a:rPr>
-              <a:t>Интересные дополнительные шаги, которые можно предпринять</a:t>
-            </a:r>
-          </a:p>
-          <a:p>
-            <a:pPr marL="355600" lvl="1" indent="-342900" algn="just" fontAlgn="base">
-              <a:lnSpc>
-                <a:spcPct val="90000"/>
-              </a:lnSpc>
-              <a:spcBef>
-                <a:spcPts val="0"/>
-              </a:spcBef>
-              <a:buFont typeface="Arial" panose="020B0604020202020204" pitchFamily="34" charset="0"/>
-              <a:buChar char="•"/>
-            </a:pPr>
-            <a:r>
-              <a:rPr lang="ru-RU" sz="2000" dirty="0">
-                <a:latin typeface="+mn-lt"/>
-                <a:ea typeface="Verdana" panose="020B0604030504040204" pitchFamily="34" charset="0"/>
-                <a:cs typeface="Verdana" panose="020B0604030504040204" pitchFamily="34" charset="0"/>
-              </a:rPr>
-              <a:t>Если у вас есть свои похожие задачи, к которым можно применить подходи в работе, можно их здесь представить</a:t>
-            </a:r>
-          </a:p>
-          <a:p>
-            <a:pPr marL="355600" lvl="1" indent="-342900" algn="just" fontAlgn="base">
-              <a:lnSpc>
-                <a:spcPct val="90000"/>
-              </a:lnSpc>
-              <a:spcBef>
-                <a:spcPts val="0"/>
-              </a:spcBef>
-              <a:buFont typeface="Arial" panose="020B0604020202020204" pitchFamily="34" charset="0"/>
-              <a:buChar char="•"/>
-            </a:pPr>
-            <a:endParaRPr lang="ru-RU" sz="2000" b="1" dirty="0">
+              <a:rPr lang="ru-RU" dirty="0"/>
+              <a:t>Приложение было развернуто в облаке </a:t>
+            </a:r>
+            <a:r>
+              <a:rPr lang="en-US" dirty="0" err="1"/>
+              <a:t>streamlit</a:t>
+            </a:r>
+            <a:r>
+              <a:rPr lang="ru-RU" dirty="0"/>
+              <a:t>.</a:t>
+            </a:r>
+            <a:r>
+              <a:rPr lang="en-US" dirty="0" err="1"/>
+              <a:t>io</a:t>
+            </a:r>
+            <a:r>
+              <a:rPr lang="en-US" dirty="0"/>
+              <a:t> </a:t>
+            </a:r>
+            <a:r>
+              <a:rPr lang="ru-RU" dirty="0"/>
+              <a:t>с помощью функции </a:t>
+            </a:r>
+            <a:r>
+              <a:rPr lang="en-US" dirty="0"/>
+              <a:t>New app</a:t>
+            </a:r>
+            <a:r>
+              <a:rPr lang="ru-RU" dirty="0"/>
+              <a:t> &gt;&gt; </a:t>
+            </a:r>
+            <a:r>
+              <a:rPr lang="en-US" dirty="0"/>
+              <a:t>From existing repo </a:t>
+            </a:r>
+            <a:endParaRPr lang="ru-RU" sz="2000" dirty="0">
               <a:latin typeface="+mn-lt"/>
               <a:ea typeface="Verdana" panose="020B0604030504040204" pitchFamily="34" charset="0"/>
               <a:cs typeface="Verdana" panose="020B0604030504040204" pitchFamily="34" charset="0"/>
@@ -6724,7 +9271,7 @@
           <p:cNvPr id="2" name="Объект 1">
             <a:extLst>
               <a:ext uri="{FF2B5EF4-FFF2-40B4-BE49-F238E27FC236}">
-                <a16:creationId xmlns:a16="http://schemas.microsoft.com/office/drawing/2014/main" id="{44DDDC3A-6C34-E9C6-361B-C1D9EB20013C}"/>
+                <a16:creationId xmlns:a16="http://schemas.microsoft.com/office/drawing/2014/main" id="{3B516F6B-DF70-4F9C-71E0-1E448DC3044A}"/>
               </a:ext>
             </a:extLst>
           </p:cNvPr>
@@ -6754,10 +9301,88 @@
           </a:prstGeom>
         </p:spPr>
       </p:pic>
+      <p:pic>
+        <p:nvPicPr>
+          <p:cNvPr id="8" name="Рисунок 7">
+            <a:extLst>
+              <a:ext uri="{FF2B5EF4-FFF2-40B4-BE49-F238E27FC236}">
+                <a16:creationId xmlns:a16="http://schemas.microsoft.com/office/drawing/2014/main" id="{A36F8599-0F05-43B0-B7F3-97F86D806948}"/>
+              </a:ext>
+            </a:extLst>
+          </p:cNvPr>
+          <p:cNvPicPr/>
+          <p:nvPr/>
+        </p:nvPicPr>
+        <p:blipFill>
+          <a:blip r:embed="rId3">
+            <a:extLst>
+              <a:ext uri="{28A0092B-C50C-407E-A947-70E740481C1C}">
+                <a14:useLocalDpi xmlns:a14="http://schemas.microsoft.com/office/drawing/2010/main" val="0"/>
+              </a:ext>
+            </a:extLst>
+          </a:blip>
+          <a:srcRect b="3789"/>
+          <a:stretch>
+            <a:fillRect/>
+          </a:stretch>
+        </p:blipFill>
+        <p:spPr bwMode="auto">
+          <a:xfrm>
+            <a:off x="722812" y="2021385"/>
+            <a:ext cx="5542097" cy="3012528"/>
+          </a:xfrm>
+          <a:prstGeom prst="rect">
+            <a:avLst/>
+          </a:prstGeom>
+          <a:noFill/>
+          <a:ln>
+            <a:noFill/>
+          </a:ln>
+        </p:spPr>
+      </p:pic>
+      <p:pic>
+        <p:nvPicPr>
+          <p:cNvPr id="9" name="Рисунок 8">
+            <a:extLst>
+              <a:ext uri="{FF2B5EF4-FFF2-40B4-BE49-F238E27FC236}">
+                <a16:creationId xmlns:a16="http://schemas.microsoft.com/office/drawing/2014/main" id="{BB7B6760-0564-4F01-8AB9-CA330EA70AE1}"/>
+              </a:ext>
+            </a:extLst>
+          </p:cNvPr>
+          <p:cNvPicPr/>
+          <p:nvPr/>
+        </p:nvPicPr>
+        <p:blipFill>
+          <a:blip r:embed="rId4">
+            <a:extLst>
+              <a:ext uri="{28A0092B-C50C-407E-A947-70E740481C1C}">
+                <a14:useLocalDpi xmlns:a14="http://schemas.microsoft.com/office/drawing/2010/main" val="0"/>
+              </a:ext>
+            </a:extLst>
+          </a:blip>
+          <a:srcRect l="3569" t="4510" r="5658" b="11644"/>
+          <a:stretch>
+            <a:fillRect/>
+          </a:stretch>
+        </p:blipFill>
+        <p:spPr bwMode="auto">
+          <a:xfrm>
+            <a:off x="6484356" y="2021385"/>
+            <a:ext cx="4824577" cy="3735519"/>
+          </a:xfrm>
+          <a:prstGeom prst="rect">
+            <a:avLst/>
+          </a:prstGeom>
+          <a:noFill/>
+          <a:ln>
+            <a:noFill/>
+          </a:ln>
+        </p:spPr>
+      </p:pic>
     </p:spTree>
     <p:extLst>
       <p:ext uri="{BB962C8B-B14F-4D97-AF65-F5344CB8AC3E}">
-        <p14:creationId xmlns:p14="http://schemas.microsoft.com/office/powerpoint/2010/main" val="3897578834"/>
+        <p14:creationId xmlns:p14="http://schemas.microsoft.com/office/powerpoint/2010/main" val="2993260711"/>
       </p:ext>
     </p:extLst>
   </p:cSld>
@@ -6784,41 +9409,6 @@
           <a:chExt cx="0" cy="0"/>
         </a:xfrm>
       </p:grpSpPr>
-      <p:pic>
-        <p:nvPicPr>
-          <p:cNvPr id="4" name="Объект 1">
-            <a:extLst>
-              <a:ext uri="{FF2B5EF4-FFF2-40B4-BE49-F238E27FC236}">
-                <a16:creationId xmlns:a16="http://schemas.microsoft.com/office/drawing/2014/main" id="{8AB42B9F-7AFB-41F5-9763-43F12B58E25A}"/>
-              </a:ext>
-            </a:extLst>
-          </p:cNvPr>
-          <p:cNvPicPr>
-            <a:picLocks noChangeAspect="1"/>
-          </p:cNvPicPr>
-          <p:nvPr/>
-        </p:nvPicPr>
-        <p:blipFill rotWithShape="1">
-          <a:blip r:embed="rId2" cstate="screen">
-            <a:extLst>
-              <a:ext uri="{28A0092B-C50C-407E-A947-70E740481C1C}">
-                <a14:useLocalDpi xmlns:a14="http://schemas.microsoft.com/office/drawing/2010/main"/>
-              </a:ext>
-            </a:extLst>
-          </a:blip>
-          <a:srcRect r="38701" b="-6182"/>
-          <a:stretch/>
-        </p:blipFill>
-        <p:spPr>
-          <a:xfrm>
-            <a:off x="603100" y="319558"/>
-            <a:ext cx="1379812" cy="461277"/>
-          </a:xfrm>
-          <a:prstGeom prst="rect">
-            <a:avLst/>
-          </a:prstGeom>
-        </p:spPr>
-      </p:pic>
       <p:sp>
         <p:nvSpPr>
           <p:cNvPr id="5" name="Прямоугольник 4">
@@ -6891,8 +9481,8 @@
         </p:nvSpPr>
         <p:spPr>
           <a:xfrm>
-            <a:off x="925620" y="3175961"/>
-            <a:ext cx="10865327" cy="645992"/>
+            <a:off x="1982913" y="162795"/>
+            <a:ext cx="9486276" cy="645992"/>
           </a:xfrm>
           <a:prstGeom prst="rect">
             <a:avLst/>
@@ -6922,7 +9512,7 @@
             </a:lvl1pPr>
           </a:lstStyle>
           <a:p>
-            <a:pPr algn="ctr" defTabSz="914400">
+            <a:pPr algn="l" defTabSz="914400">
               <a:spcAft>
                 <a:spcPts val="0"/>
               </a:spcAft>
@@ -6936,53 +9526,3036 @@
                 <a:ea typeface="Verdana" panose="020B0604030504040204" pitchFamily="34" charset="0"/>
                 <a:cs typeface="Arial" panose="020B0604020202020204" pitchFamily="34" charset="0"/>
               </a:rPr>
-              <a:t>СПАСИБО ЗА ВНИМАНИЕ!</a:t>
+              <a:t>ИТОГИ</a:t>
             </a:r>
           </a:p>
         </p:txBody>
       </p:sp>
       <p:sp>
         <p:nvSpPr>
-          <p:cNvPr id="9" name="TextBox 8">
+          <p:cNvPr id="8" name="Прямоугольник 7">
             <a:extLst>
               <a:ext uri="{FF2B5EF4-FFF2-40B4-BE49-F238E27FC236}">
-                <a16:creationId xmlns:a16="http://schemas.microsoft.com/office/drawing/2014/main" id="{4F46AA37-D9E8-497C-80E1-BA0A4BC4ADD3}"/>
+                <a16:creationId xmlns:a16="http://schemas.microsoft.com/office/drawing/2014/main" id="{9859100C-1BEA-48D9-9758-3D655F102C29}"/>
               </a:ext>
             </a:extLst>
           </p:cNvPr>
-          <p:cNvSpPr txBox="1"/>
+          <p:cNvSpPr/>
           <p:nvPr/>
         </p:nvSpPr>
         <p:spPr>
           <a:xfrm>
-            <a:off x="743344" y="5122227"/>
-            <a:ext cx="5095754" cy="707886"/>
+            <a:off x="421906" y="1260525"/>
+            <a:ext cx="5560883" cy="4895379"/>
           </a:xfrm>
           <a:prstGeom prst="rect">
             <a:avLst/>
           </a:prstGeom>
-          <a:noFill/>
         </p:spPr>
         <p:txBody>
-          <a:bodyPr wrap="square" rtlCol="0">
+          <a:bodyPr wrap="square">
             <a:spAutoFit/>
           </a:bodyPr>
           <a:lstStyle/>
           <a:p>
+            <a:pPr marL="12700" lvl="1" algn="just" fontAlgn="base">
+              <a:lnSpc>
+                <a:spcPct val="90000"/>
+              </a:lnSpc>
+            </a:pPr>
             <a:r>
               <a:rPr lang="ru-RU" sz="2000" b="1" dirty="0">
+                <a:ea typeface="Verdana" panose="020B0604030504040204" pitchFamily="34" charset="0"/>
+                <a:cs typeface="Verdana" panose="020B0604030504040204" pitchFamily="34" charset="0"/>
+              </a:rPr>
+              <a:t>Краткое описание полученных результатов</a:t>
+            </a:r>
+            <a:endParaRPr lang="ru-RU" sz="2000" b="1" dirty="0">
+              <a:latin typeface="+mn-lt"/>
+              <a:ea typeface="Verdana" panose="020B0604030504040204" pitchFamily="34" charset="0"/>
+              <a:cs typeface="Verdana" panose="020B0604030504040204" pitchFamily="34" charset="0"/>
+            </a:endParaRPr>
+          </a:p>
+          <a:p>
+            <a:pPr marL="342900" lvl="0" indent="-342900">
+              <a:lnSpc>
+                <a:spcPct val="150000"/>
+              </a:lnSpc>
+              <a:buFont typeface="Symbol" pitchFamily="2" charset="2"/>
+              <a:buChar char=""/>
+            </a:pPr>
+            <a:r>
+              <a:rPr lang="ru-RU" dirty="0">
+                <a:latin typeface="Times New Roman" panose="02020603050405020304" pitchFamily="18" charset="0"/>
+              </a:rPr>
+              <a:t>разработка приложения, способного распознавать объекты на изображении и выводить описание нескольких языках </a:t>
+            </a:r>
+          </a:p>
+          <a:p>
+            <a:pPr marL="342900" lvl="0" indent="-342900">
+              <a:lnSpc>
+                <a:spcPct val="150000"/>
+              </a:lnSpc>
+              <a:buFont typeface="Symbol" pitchFamily="2" charset="2"/>
+              <a:buChar char=""/>
+            </a:pPr>
+            <a:r>
+              <a:rPr lang="ru-RU" dirty="0">
+                <a:latin typeface="Times New Roman" panose="02020603050405020304" pitchFamily="18" charset="0"/>
+                <a:ea typeface="Times New Roman" panose="02020603050405020304" pitchFamily="18" charset="0"/>
+              </a:rPr>
+              <a:t>Для приложения были использованы две предварительно обученные модели </a:t>
+            </a:r>
+          </a:p>
+          <a:p>
+            <a:pPr marL="800100" lvl="1" indent="-342900">
+              <a:lnSpc>
+                <a:spcPct val="150000"/>
+              </a:lnSpc>
+              <a:buFont typeface="+mj-lt"/>
+              <a:buAutoNum type="arabicPeriod"/>
+            </a:pPr>
+            <a:r>
+              <a:rPr lang="en-US" b="1" dirty="0" err="1"/>
+              <a:t>nlpconnect</a:t>
+            </a:r>
+            <a:r>
+              <a:rPr lang="en-US" b="1" dirty="0"/>
+              <a:t>/vit-gpt2-image-captioning</a:t>
+            </a:r>
+            <a:r>
+              <a:rPr lang="ru-RU" b="1" dirty="0"/>
+              <a:t> </a:t>
+            </a:r>
+          </a:p>
+          <a:p>
+            <a:pPr marL="800100" lvl="1" indent="-342900">
+              <a:lnSpc>
+                <a:spcPct val="150000"/>
+              </a:lnSpc>
+              <a:buFont typeface="+mj-lt"/>
+              <a:buAutoNum type="arabicPeriod"/>
+            </a:pPr>
+            <a:r>
+              <a:rPr lang="en-US" b="1" dirty="0"/>
+              <a:t>Helsinki-NLP/opus-mt-</a:t>
+            </a:r>
+            <a:r>
+              <a:rPr lang="en-US" b="1" dirty="0" err="1"/>
+              <a:t>en</a:t>
+            </a:r>
+            <a:r>
+              <a:rPr lang="en-US" b="1" dirty="0"/>
+              <a:t>-</a:t>
+            </a:r>
+            <a:r>
+              <a:rPr lang="en-US" b="1" dirty="0" err="1"/>
+              <a:t>mul</a:t>
+            </a:r>
+            <a:r>
+              <a:rPr lang="en-US" b="1" dirty="0"/>
+              <a:t> </a:t>
+            </a:r>
+            <a:endParaRPr lang="ru-RU" dirty="0">
+              <a:effectLst/>
+              <a:latin typeface="Times New Roman" panose="02020603050405020304" pitchFamily="18" charset="0"/>
+              <a:ea typeface="Times New Roman" panose="02020603050405020304" pitchFamily="18" charset="0"/>
+            </a:endParaRPr>
+          </a:p>
+          <a:p>
+            <a:pPr marL="342900" lvl="0" indent="-342900">
+              <a:lnSpc>
+                <a:spcPct val="150000"/>
+              </a:lnSpc>
+              <a:buFont typeface="Symbol" pitchFamily="2" charset="2"/>
+              <a:buChar char=""/>
+            </a:pPr>
+            <a:r>
+              <a:rPr lang="ru-RU" dirty="0">
+                <a:latin typeface="Times New Roman" panose="02020603050405020304" pitchFamily="18" charset="0"/>
+                <a:ea typeface="Times New Roman" panose="02020603050405020304" pitchFamily="18" charset="0"/>
+              </a:rPr>
+              <a:t>Разработанное приложение развернуто на платформе </a:t>
+            </a:r>
+            <a:r>
+              <a:rPr lang="ru-RU" dirty="0" err="1">
+                <a:latin typeface="Times New Roman" panose="02020603050405020304" pitchFamily="18" charset="0"/>
+                <a:ea typeface="Times New Roman" panose="02020603050405020304" pitchFamily="18" charset="0"/>
+              </a:rPr>
+              <a:t>streamlit</a:t>
+            </a:r>
+            <a:r>
+              <a:rPr lang="ru-RU" dirty="0">
+                <a:latin typeface="Times New Roman" panose="02020603050405020304" pitchFamily="18" charset="0"/>
+                <a:ea typeface="Times New Roman" panose="02020603050405020304" pitchFamily="18" charset="0"/>
+              </a:rPr>
+              <a:t> (</a:t>
+            </a:r>
+            <a:r>
+              <a:rPr lang="ru-RU" dirty="0">
+                <a:latin typeface="Times New Roman" panose="02020603050405020304" pitchFamily="18" charset="0"/>
+                <a:ea typeface="Times New Roman" panose="02020603050405020304" pitchFamily="18" charset="0"/>
+                <a:hlinkClick r:id="rId2"/>
+              </a:rPr>
+              <a:t>https://orbitr.streamlit.app/</a:t>
+            </a:r>
+            <a:r>
+              <a:rPr lang="ru-RU" dirty="0">
+                <a:latin typeface="Times New Roman" panose="02020603050405020304" pitchFamily="18" charset="0"/>
+                <a:ea typeface="Times New Roman" panose="02020603050405020304" pitchFamily="18" charset="0"/>
+              </a:rPr>
+              <a:t>)</a:t>
+            </a:r>
+            <a:endParaRPr lang="en-US" dirty="0">
+              <a:latin typeface="Times New Roman" panose="02020603050405020304" pitchFamily="18" charset="0"/>
+              <a:ea typeface="Times New Roman" panose="02020603050405020304" pitchFamily="18" charset="0"/>
+            </a:endParaRPr>
+          </a:p>
+          <a:p>
+            <a:pPr marL="342900" lvl="0" indent="-342900">
+              <a:lnSpc>
+                <a:spcPct val="150000"/>
+              </a:lnSpc>
+              <a:buFont typeface="Symbol" pitchFamily="2" charset="2"/>
+              <a:buChar char=""/>
+            </a:pPr>
+            <a:r>
+              <a:rPr lang="ru-RU" dirty="0">
+                <a:latin typeface="Times New Roman" panose="02020603050405020304" pitchFamily="18" charset="0"/>
+                <a:ea typeface="Times New Roman" panose="02020603050405020304" pitchFamily="18" charset="0"/>
+              </a:rPr>
+              <a:t>Для реализации командной работы был создан репозиторий на </a:t>
+            </a:r>
+            <a:r>
+              <a:rPr lang="ru-RU" dirty="0" err="1">
+                <a:latin typeface="Times New Roman" panose="02020603050405020304" pitchFamily="18" charset="0"/>
+                <a:ea typeface="Times New Roman" panose="02020603050405020304" pitchFamily="18" charset="0"/>
+              </a:rPr>
+              <a:t>github</a:t>
+            </a:r>
+            <a:r>
+              <a:rPr lang="en-US" dirty="0">
+                <a:latin typeface="Times New Roman" panose="02020603050405020304" pitchFamily="18" charset="0"/>
+                <a:ea typeface="Times New Roman" panose="02020603050405020304" pitchFamily="18" charset="0"/>
+              </a:rPr>
+              <a:t>.</a:t>
+            </a:r>
+            <a:endParaRPr lang="ru-RU" sz="2000" b="1" dirty="0">
+              <a:latin typeface="+mn-lt"/>
+              <a:ea typeface="Verdana" panose="020B0604030504040204" pitchFamily="34" charset="0"/>
+              <a:cs typeface="Verdana" panose="020B0604030504040204" pitchFamily="34" charset="0"/>
+            </a:endParaRPr>
+          </a:p>
+        </p:txBody>
+      </p:sp>
+      <p:sp>
+        <p:nvSpPr>
+          <p:cNvPr id="7" name="Прямоугольник 6">
+            <a:extLst>
+              <a:ext uri="{FF2B5EF4-FFF2-40B4-BE49-F238E27FC236}">
+                <a16:creationId xmlns:a16="http://schemas.microsoft.com/office/drawing/2014/main" id="{45322A68-87C4-417D-8E3D-5B22DB5CACA8}"/>
+              </a:ext>
+            </a:extLst>
+          </p:cNvPr>
+          <p:cNvSpPr/>
+          <p:nvPr/>
+        </p:nvSpPr>
+        <p:spPr>
+          <a:xfrm>
+            <a:off x="6209211" y="1260525"/>
+            <a:ext cx="5560883" cy="3139321"/>
+          </a:xfrm>
+          <a:prstGeom prst="rect">
+            <a:avLst/>
+          </a:prstGeom>
+        </p:spPr>
+        <p:txBody>
+          <a:bodyPr wrap="square">
+            <a:spAutoFit/>
+          </a:bodyPr>
+          <a:lstStyle/>
+          <a:p>
+            <a:pPr marL="12700" lvl="1" algn="just" fontAlgn="base">
+              <a:lnSpc>
+                <a:spcPct val="90000"/>
+              </a:lnSpc>
+            </a:pPr>
+            <a:r>
+              <a:rPr lang="ru-RU" sz="2000" b="1" dirty="0">
+                <a:ea typeface="Verdana" panose="020B0604030504040204" pitchFamily="34" charset="0"/>
+                <a:cs typeface="Verdana" panose="020B0604030504040204" pitchFamily="34" charset="0"/>
+              </a:rPr>
+              <a:t>Ссылка на репозиторий с кодом</a:t>
+            </a:r>
+            <a:endParaRPr lang="ru-RU" sz="2000" b="1" dirty="0">
+              <a:latin typeface="+mn-lt"/>
+              <a:ea typeface="Verdana" panose="020B0604030504040204" pitchFamily="34" charset="0"/>
+              <a:cs typeface="Verdana" panose="020B0604030504040204" pitchFamily="34" charset="0"/>
+            </a:endParaRPr>
+          </a:p>
+          <a:p>
+            <a:pPr marL="12700" lvl="1" algn="just" fontAlgn="base">
+              <a:lnSpc>
+                <a:spcPct val="90000"/>
+              </a:lnSpc>
+              <a:spcBef>
+                <a:spcPts val="0"/>
+              </a:spcBef>
+            </a:pPr>
+            <a:r>
+              <a:rPr lang="en-US" sz="2000" dirty="0">
+                <a:ea typeface="Verdana" panose="020B0604030504040204" pitchFamily="34" charset="0"/>
+                <a:cs typeface="Verdana" panose="020B0604030504040204" pitchFamily="34" charset="0"/>
+                <a:hlinkClick r:id="rId3"/>
+              </a:rPr>
+              <a:t>https://github.com/hamitovrm/orbitr</a:t>
+            </a:r>
+            <a:endParaRPr lang="en-US" sz="2000" dirty="0">
+              <a:ea typeface="Verdana" panose="020B0604030504040204" pitchFamily="34" charset="0"/>
+              <a:cs typeface="Verdana" panose="020B0604030504040204" pitchFamily="34" charset="0"/>
+            </a:endParaRPr>
+          </a:p>
+          <a:p>
+            <a:pPr marL="355600" lvl="1" indent="-342900" algn="just" fontAlgn="base">
+              <a:lnSpc>
+                <a:spcPct val="90000"/>
+              </a:lnSpc>
+              <a:spcBef>
+                <a:spcPts val="0"/>
+              </a:spcBef>
+              <a:buFont typeface="Arial" panose="020B0604020202020204" pitchFamily="34" charset="0"/>
+              <a:buChar char="•"/>
+            </a:pPr>
+            <a:endParaRPr lang="en-US" sz="2000" b="1" dirty="0">
+              <a:ea typeface="Verdana" panose="020B0604030504040204" pitchFamily="34" charset="0"/>
+              <a:cs typeface="Verdana" panose="020B0604030504040204" pitchFamily="34" charset="0"/>
+            </a:endParaRPr>
+          </a:p>
+          <a:p>
+            <a:pPr marL="12700" lvl="1" algn="just" fontAlgn="base">
+              <a:lnSpc>
+                <a:spcPct val="90000"/>
+              </a:lnSpc>
+            </a:pPr>
+            <a:r>
+              <a:rPr lang="ru-RU" sz="2000" b="1" dirty="0">
+                <a:ea typeface="Verdana" panose="020B0604030504040204" pitchFamily="34" charset="0"/>
+                <a:cs typeface="Verdana" panose="020B0604030504040204" pitchFamily="34" charset="0"/>
+              </a:rPr>
+              <a:t>Планируемые дальнейшие действия</a:t>
+            </a:r>
+            <a:endParaRPr lang="ru-RU" sz="2000" b="1" dirty="0">
+              <a:latin typeface="+mn-lt"/>
+              <a:ea typeface="Verdana" panose="020B0604030504040204" pitchFamily="34" charset="0"/>
+              <a:cs typeface="Verdana" panose="020B0604030504040204" pitchFamily="34" charset="0"/>
+            </a:endParaRPr>
+          </a:p>
+          <a:p>
+            <a:pPr marL="355600" lvl="1" indent="-342900" algn="just" fontAlgn="base">
+              <a:lnSpc>
+                <a:spcPct val="90000"/>
+              </a:lnSpc>
+              <a:spcBef>
+                <a:spcPts val="0"/>
+              </a:spcBef>
+              <a:buFont typeface="Arial" panose="020B0604020202020204" pitchFamily="34" charset="0"/>
+              <a:buChar char="•"/>
+            </a:pPr>
+            <a:r>
+              <a:rPr lang="ru-RU" sz="2000" dirty="0">
+                <a:latin typeface="+mn-lt"/>
+                <a:ea typeface="Verdana" panose="020B0604030504040204" pitchFamily="34" charset="0"/>
+                <a:cs typeface="Verdana" panose="020B0604030504040204" pitchFamily="34" charset="0"/>
+              </a:rPr>
+              <a:t>Замена модели машинного перевода не более совершенную</a:t>
+            </a:r>
+          </a:p>
+          <a:p>
+            <a:pPr marL="355600" lvl="1" indent="-342900" algn="just" fontAlgn="base">
+              <a:lnSpc>
+                <a:spcPct val="90000"/>
+              </a:lnSpc>
+              <a:spcBef>
+                <a:spcPts val="0"/>
+              </a:spcBef>
+              <a:buFont typeface="Arial" panose="020B0604020202020204" pitchFamily="34" charset="0"/>
+              <a:buChar char="•"/>
+            </a:pPr>
+            <a:endParaRPr lang="ru-RU" sz="2000" dirty="0">
+              <a:latin typeface="+mn-lt"/>
+              <a:ea typeface="Verdana" panose="020B0604030504040204" pitchFamily="34" charset="0"/>
+              <a:cs typeface="Verdana" panose="020B0604030504040204" pitchFamily="34" charset="0"/>
+            </a:endParaRPr>
+          </a:p>
+          <a:p>
+            <a:pPr marL="355600" lvl="1" indent="-342900" algn="just" fontAlgn="base">
+              <a:lnSpc>
+                <a:spcPct val="90000"/>
+              </a:lnSpc>
+              <a:spcBef>
+                <a:spcPts val="0"/>
+              </a:spcBef>
+              <a:buFont typeface="Arial" panose="020B0604020202020204" pitchFamily="34" charset="0"/>
+              <a:buChar char="•"/>
+            </a:pPr>
+            <a:r>
+              <a:rPr lang="ru-RU" sz="2000" dirty="0">
+                <a:ea typeface="Verdana" panose="020B0604030504040204" pitchFamily="34" charset="0"/>
+                <a:cs typeface="Verdana" panose="020B0604030504040204" pitchFamily="34" charset="0"/>
+              </a:rPr>
+              <a:t>При первом запуске распознавание и перевод выдают ошибку</a:t>
+            </a:r>
+            <a:endParaRPr lang="ru-RU" sz="2000" dirty="0">
+              <a:latin typeface="+mn-lt"/>
+              <a:ea typeface="Verdana" panose="020B0604030504040204" pitchFamily="34" charset="0"/>
+              <a:cs typeface="Verdana" panose="020B0604030504040204" pitchFamily="34" charset="0"/>
+            </a:endParaRPr>
+          </a:p>
+          <a:p>
+            <a:pPr marL="355600" lvl="1" indent="-342900" algn="just" fontAlgn="base">
+              <a:lnSpc>
+                <a:spcPct val="90000"/>
+              </a:lnSpc>
+              <a:spcBef>
+                <a:spcPts val="0"/>
+              </a:spcBef>
+              <a:buFont typeface="Arial" panose="020B0604020202020204" pitchFamily="34" charset="0"/>
+              <a:buChar char="•"/>
+            </a:pPr>
+            <a:endParaRPr lang="ru-RU" sz="2000" dirty="0">
+              <a:solidFill>
+                <a:schemeClr val="bg1">
+                  <a:lumMod val="65000"/>
+                </a:schemeClr>
+              </a:solidFill>
+              <a:ea typeface="Verdana" panose="020B0604030504040204" pitchFamily="34" charset="0"/>
+              <a:cs typeface="Verdana" panose="020B0604030504040204" pitchFamily="34" charset="0"/>
+            </a:endParaRPr>
+          </a:p>
+          <a:p>
+            <a:pPr marL="355600" lvl="1" indent="-342900" algn="just" fontAlgn="base">
+              <a:lnSpc>
+                <a:spcPct val="90000"/>
+              </a:lnSpc>
+              <a:spcBef>
+                <a:spcPts val="0"/>
+              </a:spcBef>
+              <a:buFont typeface="Arial" panose="020B0604020202020204" pitchFamily="34" charset="0"/>
+              <a:buChar char="•"/>
+            </a:pPr>
+            <a:endParaRPr lang="ru-RU" sz="2000" b="1" dirty="0">
+              <a:latin typeface="+mn-lt"/>
+              <a:ea typeface="Verdana" panose="020B0604030504040204" pitchFamily="34" charset="0"/>
+              <a:cs typeface="Verdana" panose="020B0604030504040204" pitchFamily="34" charset="0"/>
+            </a:endParaRPr>
+          </a:p>
+        </p:txBody>
+      </p:sp>
+      <p:pic>
+        <p:nvPicPr>
+          <p:cNvPr id="2" name="Объект 1">
+            <a:extLst>
+              <a:ext uri="{FF2B5EF4-FFF2-40B4-BE49-F238E27FC236}">
+                <a16:creationId xmlns:a16="http://schemas.microsoft.com/office/drawing/2014/main" id="{44DDDC3A-6C34-E9C6-361B-C1D9EB20013C}"/>
+              </a:ext>
+            </a:extLst>
+          </p:cNvPr>
+          <p:cNvPicPr>
+            <a:picLocks noChangeAspect="1"/>
+          </p:cNvPicPr>
+          <p:nvPr/>
+        </p:nvPicPr>
+        <p:blipFill rotWithShape="1">
+          <a:blip r:embed="rId4" cstate="screen">
+            <a:extLst>
+              <a:ext uri="{28A0092B-C50C-407E-A947-70E740481C1C}">
+                <a14:useLocalDpi xmlns:a14="http://schemas.microsoft.com/office/drawing/2010/main"/>
+              </a:ext>
+            </a:extLst>
+          </a:blip>
+          <a:srcRect r="38701" b="-6182"/>
+          <a:stretch/>
+        </p:blipFill>
+        <p:spPr>
+          <a:xfrm>
+            <a:off x="603100" y="319558"/>
+            <a:ext cx="1379812" cy="461277"/>
+          </a:xfrm>
+          <a:prstGeom prst="rect">
+            <a:avLst/>
+          </a:prstGeom>
+        </p:spPr>
+      </p:pic>
+      <p:sp>
+        <p:nvSpPr>
+          <p:cNvPr id="3" name="Rectangle 1">
+            <a:extLst>
+              <a:ext uri="{FF2B5EF4-FFF2-40B4-BE49-F238E27FC236}">
+                <a16:creationId xmlns:a16="http://schemas.microsoft.com/office/drawing/2014/main" id="{D9019C53-EAC4-4DC8-83CA-04570BD8806C}"/>
+              </a:ext>
+            </a:extLst>
+          </p:cNvPr>
+          <p:cNvSpPr>
+            <a:spLocks noChangeArrowheads="1"/>
+          </p:cNvSpPr>
+          <p:nvPr/>
+        </p:nvSpPr>
+        <p:spPr bwMode="auto">
+          <a:xfrm>
+            <a:off x="6358283" y="4055531"/>
+            <a:ext cx="4565626" cy="2185214"/>
+          </a:xfrm>
+          <a:prstGeom prst="rect">
+            <a:avLst/>
+          </a:prstGeom>
+          <a:solidFill>
+            <a:srgbClr val="FFFFFF"/>
+          </a:solidFill>
+          <a:ln>
+            <a:noFill/>
+          </a:ln>
+          <a:effectLst/>
+          <a:extLst>
+            <a:ext uri="{91240B29-F687-4F45-9708-019B960494DF}">
+              <a14:hiddenLine xmlns:a14="http://schemas.microsoft.com/office/drawing/2010/main" w="9525">
+                <a:solidFill>
+                  <a:schemeClr val="tx1"/>
+                </a:solidFill>
+                <a:miter lim="800000"/>
+                <a:headEnd/>
+                <a:tailEnd/>
+              </a14:hiddenLine>
+            </a:ext>
+            <a:ext uri="{AF507438-7753-43E0-B8FC-AC1667EBCBE1}">
+              <a14:hiddenEffects xmlns:a14="http://schemas.microsoft.com/office/drawing/2010/main">
+                <a:effectLst>
+                  <a:outerShdw dist="35921" dir="2700000" algn="ctr" rotWithShape="0">
+                    <a:schemeClr val="bg2"/>
+                  </a:outerShdw>
+                </a:effectLst>
+              </a14:hiddenEffects>
+            </a:ext>
+          </a:extLst>
+        </p:spPr>
+        <p:txBody>
+          <a:bodyPr vert="horz" wrap="square" lIns="0" tIns="0" rIns="0" bIns="0" numCol="1" anchor="ctr" anchorCtr="0" compatLnSpc="1">
+            <a:prstTxWarp prst="textNoShape">
+              <a:avLst/>
+            </a:prstTxWarp>
+            <a:spAutoFit/>
+          </a:bodyPr>
+          <a:lstStyle>
+            <a:lvl1pPr eaLnBrk="0" fontAlgn="base" hangingPunct="0">
+              <a:spcBef>
+                <a:spcPct val="0"/>
+              </a:spcBef>
+              <a:spcAft>
+                <a:spcPct val="0"/>
+              </a:spcAft>
+              <a:defRPr>
+                <a:solidFill>
+                  <a:schemeClr val="tx1"/>
+                </a:solidFill>
                 <a:latin typeface="Arial" panose="020B0604020202020204" pitchFamily="34" charset="0"/>
-                <a:ea typeface="+mj-ea"/>
-                <a:cs typeface="Arial" panose="020B0604020202020204" pitchFamily="34" charset="0"/>
-              </a:rPr>
-              <a:t>Контакты:</a:t>
-            </a:r>
-          </a:p>
-          <a:p>
-            <a:endParaRPr lang="ru-RU" sz="2000" dirty="0">
+              </a:defRPr>
+            </a:lvl1pPr>
+            <a:lvl2pPr eaLnBrk="0" fontAlgn="base" hangingPunct="0">
+              <a:spcBef>
+                <a:spcPct val="0"/>
+              </a:spcBef>
+              <a:spcAft>
+                <a:spcPct val="0"/>
+              </a:spcAft>
+              <a:defRPr>
+                <a:solidFill>
+                  <a:schemeClr val="tx1"/>
+                </a:solidFill>
+                <a:latin typeface="Arial" panose="020B0604020202020204" pitchFamily="34" charset="0"/>
+              </a:defRPr>
+            </a:lvl2pPr>
+            <a:lvl3pPr eaLnBrk="0" fontAlgn="base" hangingPunct="0">
+              <a:spcBef>
+                <a:spcPct val="0"/>
+              </a:spcBef>
+              <a:spcAft>
+                <a:spcPct val="0"/>
+              </a:spcAft>
+              <a:defRPr>
+                <a:solidFill>
+                  <a:schemeClr val="tx1"/>
+                </a:solidFill>
+                <a:latin typeface="Arial" panose="020B0604020202020204" pitchFamily="34" charset="0"/>
+              </a:defRPr>
+            </a:lvl3pPr>
+            <a:lvl4pPr eaLnBrk="0" fontAlgn="base" hangingPunct="0">
+              <a:spcBef>
+                <a:spcPct val="0"/>
+              </a:spcBef>
+              <a:spcAft>
+                <a:spcPct val="0"/>
+              </a:spcAft>
+              <a:defRPr>
+                <a:solidFill>
+                  <a:schemeClr val="tx1"/>
+                </a:solidFill>
+                <a:latin typeface="Arial" panose="020B0604020202020204" pitchFamily="34" charset="0"/>
+              </a:defRPr>
+            </a:lvl4pPr>
+            <a:lvl5pPr eaLnBrk="0" fontAlgn="base" hangingPunct="0">
+              <a:spcBef>
+                <a:spcPct val="0"/>
+              </a:spcBef>
+              <a:spcAft>
+                <a:spcPct val="0"/>
+              </a:spcAft>
+              <a:defRPr>
+                <a:solidFill>
+                  <a:schemeClr val="tx1"/>
+                </a:solidFill>
+                <a:latin typeface="Arial" panose="020B0604020202020204" pitchFamily="34" charset="0"/>
+              </a:defRPr>
+            </a:lvl5pPr>
+            <a:lvl6pPr eaLnBrk="0" fontAlgn="base" hangingPunct="0">
+              <a:spcBef>
+                <a:spcPct val="0"/>
+              </a:spcBef>
+              <a:spcAft>
+                <a:spcPct val="0"/>
+              </a:spcAft>
+              <a:defRPr>
+                <a:solidFill>
+                  <a:schemeClr val="tx1"/>
+                </a:solidFill>
+                <a:latin typeface="Arial" panose="020B0604020202020204" pitchFamily="34" charset="0"/>
+              </a:defRPr>
+            </a:lvl6pPr>
+            <a:lvl7pPr eaLnBrk="0" fontAlgn="base" hangingPunct="0">
+              <a:spcBef>
+                <a:spcPct val="0"/>
+              </a:spcBef>
+              <a:spcAft>
+                <a:spcPct val="0"/>
+              </a:spcAft>
+              <a:defRPr>
+                <a:solidFill>
+                  <a:schemeClr val="tx1"/>
+                </a:solidFill>
+                <a:latin typeface="Arial" panose="020B0604020202020204" pitchFamily="34" charset="0"/>
+              </a:defRPr>
+            </a:lvl7pPr>
+            <a:lvl8pPr eaLnBrk="0" fontAlgn="base" hangingPunct="0">
+              <a:spcBef>
+                <a:spcPct val="0"/>
+              </a:spcBef>
+              <a:spcAft>
+                <a:spcPct val="0"/>
+              </a:spcAft>
+              <a:defRPr>
+                <a:solidFill>
+                  <a:schemeClr val="tx1"/>
+                </a:solidFill>
+                <a:latin typeface="Arial" panose="020B0604020202020204" pitchFamily="34" charset="0"/>
+              </a:defRPr>
+            </a:lvl8pPr>
+            <a:lvl9pPr eaLnBrk="0" fontAlgn="base" hangingPunct="0">
+              <a:spcBef>
+                <a:spcPct val="0"/>
+              </a:spcBef>
+              <a:spcAft>
+                <a:spcPct val="0"/>
+              </a:spcAft>
+              <a:defRPr>
+                <a:solidFill>
+                  <a:schemeClr val="tx1"/>
+                </a:solidFill>
+                <a:latin typeface="Arial" panose="020B0604020202020204" pitchFamily="34" charset="0"/>
+              </a:defRPr>
+            </a:lvl9pPr>
+          </a:lstStyle>
+          <a:p>
+            <a:pPr marL="0" marR="0" lvl="0" indent="0" algn="l" defTabSz="914400" rtl="0" eaLnBrk="0" fontAlgn="base" latinLnBrk="0" hangingPunct="0">
+              <a:lnSpc>
+                <a:spcPct val="100000"/>
+              </a:lnSpc>
+              <a:spcBef>
+                <a:spcPct val="0"/>
+              </a:spcBef>
+              <a:spcAft>
+                <a:spcPct val="0"/>
+              </a:spcAft>
+              <a:buClrTx/>
+              <a:buSzTx/>
+              <a:buFontTx/>
+              <a:buNone/>
+              <a:tabLst/>
+            </a:pPr>
+            <a:r>
+              <a:rPr kumimoji="0" lang="ru-RU" altLang="ru-RU" sz="1200" b="0" i="0" u="none" strike="noStrike" cap="none" normalizeH="0" baseline="0" dirty="0">
+                <a:ln>
+                  <a:noFill/>
+                </a:ln>
+                <a:solidFill>
+                  <a:srgbClr val="31333F"/>
+                </a:solidFill>
+                <a:effectLst/>
+                <a:latin typeface="Source Sans Pro" panose="020B0503030403020204" pitchFamily="34" charset="0"/>
+              </a:rPr>
+              <a:t>'a </a:t>
+            </a:r>
+            <a:r>
+              <a:rPr kumimoji="0" lang="ru-RU" altLang="ru-RU" sz="1200" b="0" i="0" u="none" strike="noStrike" cap="none" normalizeH="0" baseline="0" dirty="0" err="1">
+                <a:ln>
+                  <a:noFill/>
+                </a:ln>
+                <a:solidFill>
+                  <a:srgbClr val="31333F"/>
+                </a:solidFill>
+                <a:effectLst/>
+                <a:latin typeface="Source Sans Pro" panose="020B0503030403020204" pitchFamily="34" charset="0"/>
+              </a:rPr>
+              <a:t>pair</a:t>
+            </a:r>
+            <a:r>
+              <a:rPr kumimoji="0" lang="ru-RU" altLang="ru-RU" sz="1200" b="0" i="0" u="none" strike="noStrike" cap="none" normalizeH="0" baseline="0" dirty="0">
+                <a:ln>
+                  <a:noFill/>
+                </a:ln>
+                <a:solidFill>
+                  <a:srgbClr val="31333F"/>
+                </a:solidFill>
+                <a:effectLst/>
+                <a:latin typeface="Source Sans Pro" panose="020B0503030403020204" pitchFamily="34" charset="0"/>
+              </a:rPr>
+              <a:t> </a:t>
+            </a:r>
+            <a:r>
+              <a:rPr kumimoji="0" lang="ru-RU" altLang="ru-RU" sz="1200" b="0" i="0" u="none" strike="noStrike" cap="none" normalizeH="0" baseline="0" dirty="0" err="1">
+                <a:ln>
+                  <a:noFill/>
+                </a:ln>
+                <a:solidFill>
+                  <a:srgbClr val="31333F"/>
+                </a:solidFill>
+                <a:effectLst/>
+                <a:latin typeface="Source Sans Pro" panose="020B0503030403020204" pitchFamily="34" charset="0"/>
+              </a:rPr>
+              <a:t>of</a:t>
+            </a:r>
+            <a:r>
+              <a:rPr kumimoji="0" lang="ru-RU" altLang="ru-RU" sz="1200" b="0" i="0" u="none" strike="noStrike" cap="none" normalizeH="0" baseline="0" dirty="0">
+                <a:ln>
+                  <a:noFill/>
+                </a:ln>
+                <a:solidFill>
+                  <a:srgbClr val="31333F"/>
+                </a:solidFill>
+                <a:effectLst/>
+                <a:latin typeface="Source Sans Pro" panose="020B0503030403020204" pitchFamily="34" charset="0"/>
+              </a:rPr>
+              <a:t> </a:t>
+            </a:r>
+            <a:r>
+              <a:rPr kumimoji="0" lang="ru-RU" altLang="ru-RU" sz="1200" b="0" i="0" u="none" strike="noStrike" cap="none" normalizeH="0" baseline="0" dirty="0" err="1">
+                <a:ln>
+                  <a:noFill/>
+                </a:ln>
+                <a:solidFill>
+                  <a:srgbClr val="31333F"/>
+                </a:solidFill>
+                <a:effectLst/>
+                <a:latin typeface="Source Sans Pro" panose="020B0503030403020204" pitchFamily="34" charset="0"/>
+              </a:rPr>
+              <a:t>animals</a:t>
+            </a:r>
+            <a:r>
+              <a:rPr kumimoji="0" lang="ru-RU" altLang="ru-RU" sz="1200" b="0" i="0" u="none" strike="noStrike" cap="none" normalizeH="0" baseline="0" dirty="0">
+                <a:ln>
+                  <a:noFill/>
+                </a:ln>
+                <a:solidFill>
+                  <a:srgbClr val="31333F"/>
+                </a:solidFill>
+                <a:effectLst/>
+                <a:latin typeface="Source Sans Pro" panose="020B0503030403020204" pitchFamily="34" charset="0"/>
+              </a:rPr>
+              <a:t> </a:t>
+            </a:r>
+            <a:r>
+              <a:rPr kumimoji="0" lang="ru-RU" altLang="ru-RU" sz="1200" b="0" i="0" u="none" strike="noStrike" cap="none" normalizeH="0" baseline="0" dirty="0" err="1">
+                <a:ln>
+                  <a:noFill/>
+                </a:ln>
+                <a:solidFill>
+                  <a:srgbClr val="31333F"/>
+                </a:solidFill>
+                <a:effectLst/>
+                <a:latin typeface="Source Sans Pro" panose="020B0503030403020204" pitchFamily="34" charset="0"/>
+              </a:rPr>
+              <a:t>standing</a:t>
+            </a:r>
+            <a:r>
+              <a:rPr kumimoji="0" lang="ru-RU" altLang="ru-RU" sz="1200" b="0" i="0" u="none" strike="noStrike" cap="none" normalizeH="0" baseline="0" dirty="0">
+                <a:ln>
+                  <a:noFill/>
+                </a:ln>
+                <a:solidFill>
+                  <a:srgbClr val="31333F"/>
+                </a:solidFill>
+                <a:effectLst/>
+                <a:latin typeface="Source Sans Pro" panose="020B0503030403020204" pitchFamily="34" charset="0"/>
+              </a:rPr>
+              <a:t> </a:t>
+            </a:r>
+            <a:r>
+              <a:rPr kumimoji="0" lang="ru-RU" altLang="ru-RU" sz="1200" b="0" i="0" u="none" strike="noStrike" cap="none" normalizeH="0" baseline="0" dirty="0" err="1">
+                <a:ln>
+                  <a:noFill/>
+                </a:ln>
+                <a:solidFill>
+                  <a:srgbClr val="31333F"/>
+                </a:solidFill>
+                <a:effectLst/>
+                <a:latin typeface="Source Sans Pro" panose="020B0503030403020204" pitchFamily="34" charset="0"/>
+              </a:rPr>
+              <a:t>on</a:t>
+            </a:r>
+            <a:r>
+              <a:rPr kumimoji="0" lang="ru-RU" altLang="ru-RU" sz="1200" b="0" i="0" u="none" strike="noStrike" cap="none" normalizeH="0" baseline="0" dirty="0">
+                <a:ln>
+                  <a:noFill/>
+                </a:ln>
+                <a:solidFill>
+                  <a:srgbClr val="31333F"/>
+                </a:solidFill>
+                <a:effectLst/>
+                <a:latin typeface="Source Sans Pro" panose="020B0503030403020204" pitchFamily="34" charset="0"/>
+              </a:rPr>
+              <a:t> </a:t>
+            </a:r>
+            <a:r>
+              <a:rPr kumimoji="0" lang="ru-RU" altLang="ru-RU" sz="1200" b="0" i="0" u="none" strike="noStrike" cap="none" normalizeH="0" baseline="0" dirty="0" err="1">
+                <a:ln>
+                  <a:noFill/>
+                </a:ln>
+                <a:solidFill>
+                  <a:srgbClr val="31333F"/>
+                </a:solidFill>
+                <a:effectLst/>
+                <a:latin typeface="Source Sans Pro" panose="020B0503030403020204" pitchFamily="34" charset="0"/>
+              </a:rPr>
+              <a:t>top</a:t>
+            </a:r>
+            <a:r>
+              <a:rPr kumimoji="0" lang="ru-RU" altLang="ru-RU" sz="1200" b="0" i="0" u="none" strike="noStrike" cap="none" normalizeH="0" baseline="0" dirty="0">
+                <a:ln>
+                  <a:noFill/>
+                </a:ln>
+                <a:solidFill>
+                  <a:srgbClr val="31333F"/>
+                </a:solidFill>
+                <a:effectLst/>
+                <a:latin typeface="Source Sans Pro" panose="020B0503030403020204" pitchFamily="34" charset="0"/>
+              </a:rPr>
+              <a:t> </a:t>
+            </a:r>
+            <a:r>
+              <a:rPr kumimoji="0" lang="ru-RU" altLang="ru-RU" sz="1200" b="0" i="0" u="none" strike="noStrike" cap="none" normalizeH="0" baseline="0" dirty="0" err="1">
+                <a:ln>
+                  <a:noFill/>
+                </a:ln>
+                <a:solidFill>
+                  <a:srgbClr val="31333F"/>
+                </a:solidFill>
+                <a:effectLst/>
+                <a:latin typeface="Source Sans Pro" panose="020B0503030403020204" pitchFamily="34" charset="0"/>
+              </a:rPr>
+              <a:t>of</a:t>
+            </a:r>
+            <a:r>
+              <a:rPr kumimoji="0" lang="ru-RU" altLang="ru-RU" sz="1200" b="0" i="0" u="none" strike="noStrike" cap="none" normalizeH="0" baseline="0" dirty="0">
+                <a:ln>
+                  <a:noFill/>
+                </a:ln>
+                <a:solidFill>
+                  <a:srgbClr val="31333F"/>
+                </a:solidFill>
+                <a:effectLst/>
+                <a:latin typeface="Source Sans Pro" panose="020B0503030403020204" pitchFamily="34" charset="0"/>
+              </a:rPr>
+              <a:t> a </a:t>
+            </a:r>
+            <a:r>
+              <a:rPr kumimoji="0" lang="ru-RU" altLang="ru-RU" sz="1200" b="0" i="0" u="none" strike="noStrike" cap="none" normalizeH="0" baseline="0" dirty="0" err="1">
+                <a:ln>
+                  <a:noFill/>
+                </a:ln>
+                <a:solidFill>
+                  <a:srgbClr val="31333F"/>
+                </a:solidFill>
+                <a:effectLst/>
+                <a:latin typeface="Source Sans Pro" panose="020B0503030403020204" pitchFamily="34" charset="0"/>
+              </a:rPr>
+              <a:t>lush</a:t>
+            </a:r>
+            <a:r>
+              <a:rPr kumimoji="0" lang="ru-RU" altLang="ru-RU" sz="1200" b="0" i="0" u="none" strike="noStrike" cap="none" normalizeH="0" baseline="0" dirty="0">
+                <a:ln>
+                  <a:noFill/>
+                </a:ln>
+                <a:solidFill>
+                  <a:srgbClr val="31333F"/>
+                </a:solidFill>
+                <a:effectLst/>
+                <a:latin typeface="Source Sans Pro" panose="020B0503030403020204" pitchFamily="34" charset="0"/>
+              </a:rPr>
+              <a:t> </a:t>
+            </a:r>
+            <a:r>
+              <a:rPr kumimoji="0" lang="ru-RU" altLang="ru-RU" sz="1200" b="0" i="0" u="none" strike="noStrike" cap="none" normalizeH="0" baseline="0" dirty="0" err="1">
+                <a:ln>
+                  <a:noFill/>
+                </a:ln>
+                <a:solidFill>
+                  <a:srgbClr val="31333F"/>
+                </a:solidFill>
+                <a:effectLst/>
+                <a:latin typeface="Source Sans Pro" panose="020B0503030403020204" pitchFamily="34" charset="0"/>
+              </a:rPr>
+              <a:t>green</a:t>
+            </a:r>
+            <a:r>
+              <a:rPr kumimoji="0" lang="ru-RU" altLang="ru-RU" sz="1200" b="0" i="0" u="none" strike="noStrike" cap="none" normalizeH="0" baseline="0" dirty="0">
+                <a:ln>
+                  <a:noFill/>
+                </a:ln>
+                <a:solidFill>
+                  <a:srgbClr val="31333F"/>
+                </a:solidFill>
+                <a:effectLst/>
+                <a:latin typeface="Source Sans Pro" panose="020B0503030403020204" pitchFamily="34" charset="0"/>
+              </a:rPr>
+              <a:t> </a:t>
+            </a:r>
+            <a:r>
+              <a:rPr kumimoji="0" lang="ru-RU" altLang="ru-RU" sz="1200" b="0" i="0" u="none" strike="noStrike" cap="none" normalizeH="0" baseline="0" dirty="0" err="1">
+                <a:ln>
+                  <a:noFill/>
+                </a:ln>
+                <a:solidFill>
+                  <a:srgbClr val="31333F"/>
+                </a:solidFill>
+                <a:effectLst/>
+                <a:latin typeface="Source Sans Pro" panose="020B0503030403020204" pitchFamily="34" charset="0"/>
+              </a:rPr>
+              <a:t>field</a:t>
+            </a:r>
+            <a:r>
+              <a:rPr kumimoji="0" lang="ru-RU" altLang="ru-RU" sz="1200" b="0" i="0" u="none" strike="noStrike" cap="none" normalizeH="0" baseline="0" dirty="0">
+                <a:ln>
+                  <a:noFill/>
+                </a:ln>
+                <a:solidFill>
+                  <a:srgbClr val="31333F"/>
+                </a:solidFill>
+                <a:effectLst/>
+                <a:latin typeface="Source Sans Pro" panose="020B0503030403020204" pitchFamily="34" charset="0"/>
+              </a:rPr>
+              <a:t>']</a:t>
+            </a:r>
+            <a:endParaRPr kumimoji="0" lang="ru-RU" altLang="ru-RU" sz="800" b="0" i="0" u="none" strike="noStrike" cap="none" normalizeH="0" baseline="0" dirty="0">
+              <a:ln>
+                <a:noFill/>
+              </a:ln>
+              <a:solidFill>
+                <a:schemeClr val="tx1"/>
+              </a:solidFill>
+              <a:effectLst/>
+            </a:endParaRPr>
+          </a:p>
+          <a:p>
+            <a:pPr marL="0" marR="0" lvl="0" indent="0" algn="l" defTabSz="914400" rtl="0" eaLnBrk="0" fontAlgn="base" latinLnBrk="0" hangingPunct="0">
+              <a:lnSpc>
+                <a:spcPct val="100000"/>
+              </a:lnSpc>
+              <a:spcBef>
+                <a:spcPct val="0"/>
+              </a:spcBef>
+              <a:spcAft>
+                <a:spcPct val="0"/>
+              </a:spcAft>
+              <a:buClrTx/>
+              <a:buSzTx/>
+              <a:buFontTx/>
+              <a:buNone/>
+              <a:tabLst/>
+            </a:pPr>
+            <a:r>
+              <a:rPr kumimoji="0" lang="ru-RU" altLang="ru-RU" sz="1200" b="1" i="0" u="none" strike="noStrike" cap="none" normalizeH="0" baseline="0" dirty="0" err="1">
+                <a:ln>
+                  <a:noFill/>
+                </a:ln>
+                <a:solidFill>
+                  <a:srgbClr val="7D353B"/>
+                </a:solidFill>
+                <a:effectLst/>
+                <a:latin typeface="Source Sans Pro" panose="020B0503030403020204" pitchFamily="34" charset="0"/>
+              </a:rPr>
+              <a:t>TypeError</a:t>
+            </a:r>
+            <a:r>
+              <a:rPr kumimoji="0" lang="ru-RU" altLang="ru-RU" sz="1200" b="0" i="0" u="none" strike="noStrike" cap="none" normalizeH="0" baseline="0" dirty="0">
+                <a:ln>
+                  <a:noFill/>
+                </a:ln>
+                <a:solidFill>
+                  <a:srgbClr val="7D353B"/>
+                </a:solidFill>
+                <a:effectLst/>
+                <a:latin typeface="Source Sans Pro" panose="020B0503030403020204" pitchFamily="34" charset="0"/>
+              </a:rPr>
+              <a:t>: </a:t>
+            </a:r>
+            <a:r>
+              <a:rPr kumimoji="0" lang="ru-RU" altLang="ru-RU" sz="1200" b="0" i="0" u="none" strike="noStrike" cap="none" normalizeH="0" baseline="0" dirty="0" err="1">
+                <a:ln>
+                  <a:noFill/>
+                </a:ln>
+                <a:solidFill>
+                  <a:srgbClr val="7D353B"/>
+                </a:solidFill>
+                <a:effectLst/>
+                <a:latin typeface="Source Sans Pro" panose="020B0503030403020204" pitchFamily="34" charset="0"/>
+              </a:rPr>
+              <a:t>This</a:t>
+            </a:r>
+            <a:r>
+              <a:rPr kumimoji="0" lang="ru-RU" altLang="ru-RU" sz="1200" b="0" i="0" u="none" strike="noStrike" cap="none" normalizeH="0" baseline="0" dirty="0">
+                <a:ln>
+                  <a:noFill/>
+                </a:ln>
+                <a:solidFill>
+                  <a:srgbClr val="7D353B"/>
+                </a:solidFill>
+                <a:effectLst/>
+                <a:latin typeface="Source Sans Pro" panose="020B0503030403020204" pitchFamily="34" charset="0"/>
+              </a:rPr>
+              <a:t> </a:t>
+            </a:r>
+            <a:r>
+              <a:rPr kumimoji="0" lang="ru-RU" altLang="ru-RU" sz="1200" b="0" i="0" u="none" strike="noStrike" cap="none" normalizeH="0" baseline="0" dirty="0" err="1">
+                <a:ln>
+                  <a:noFill/>
+                </a:ln>
+                <a:solidFill>
+                  <a:srgbClr val="7D353B"/>
+                </a:solidFill>
+                <a:effectLst/>
+                <a:latin typeface="Source Sans Pro" panose="020B0503030403020204" pitchFamily="34" charset="0"/>
+              </a:rPr>
+              <a:t>app</a:t>
+            </a:r>
+            <a:r>
+              <a:rPr kumimoji="0" lang="ru-RU" altLang="ru-RU" sz="1200" b="0" i="0" u="none" strike="noStrike" cap="none" normalizeH="0" baseline="0" dirty="0">
+                <a:ln>
+                  <a:noFill/>
+                </a:ln>
+                <a:solidFill>
+                  <a:srgbClr val="7D353B"/>
+                </a:solidFill>
+                <a:effectLst/>
+                <a:latin typeface="Source Sans Pro" panose="020B0503030403020204" pitchFamily="34" charset="0"/>
+              </a:rPr>
+              <a:t> </a:t>
+            </a:r>
+            <a:r>
+              <a:rPr kumimoji="0" lang="ru-RU" altLang="ru-RU" sz="1200" b="0" i="0" u="none" strike="noStrike" cap="none" normalizeH="0" baseline="0" dirty="0" err="1">
+                <a:ln>
+                  <a:noFill/>
+                </a:ln>
+                <a:solidFill>
+                  <a:srgbClr val="7D353B"/>
+                </a:solidFill>
+                <a:effectLst/>
+                <a:latin typeface="Source Sans Pro" panose="020B0503030403020204" pitchFamily="34" charset="0"/>
+              </a:rPr>
+              <a:t>has</a:t>
+            </a:r>
+            <a:r>
+              <a:rPr kumimoji="0" lang="ru-RU" altLang="ru-RU" sz="1200" b="0" i="0" u="none" strike="noStrike" cap="none" normalizeH="0" baseline="0" dirty="0">
+                <a:ln>
+                  <a:noFill/>
+                </a:ln>
+                <a:solidFill>
+                  <a:srgbClr val="7D353B"/>
+                </a:solidFill>
+                <a:effectLst/>
+                <a:latin typeface="Source Sans Pro" panose="020B0503030403020204" pitchFamily="34" charset="0"/>
+              </a:rPr>
+              <a:t> </a:t>
+            </a:r>
+            <a:r>
+              <a:rPr kumimoji="0" lang="ru-RU" altLang="ru-RU" sz="1200" b="0" i="0" u="none" strike="noStrike" cap="none" normalizeH="0" baseline="0" dirty="0" err="1">
+                <a:ln>
+                  <a:noFill/>
+                </a:ln>
+                <a:solidFill>
+                  <a:srgbClr val="7D353B"/>
+                </a:solidFill>
+                <a:effectLst/>
+                <a:latin typeface="Source Sans Pro" panose="020B0503030403020204" pitchFamily="34" charset="0"/>
+              </a:rPr>
+              <a:t>encountered</a:t>
+            </a:r>
+            <a:r>
+              <a:rPr kumimoji="0" lang="ru-RU" altLang="ru-RU" sz="1200" b="0" i="0" u="none" strike="noStrike" cap="none" normalizeH="0" baseline="0" dirty="0">
+                <a:ln>
+                  <a:noFill/>
+                </a:ln>
+                <a:solidFill>
+                  <a:srgbClr val="7D353B"/>
+                </a:solidFill>
+                <a:effectLst/>
+                <a:latin typeface="Source Sans Pro" panose="020B0503030403020204" pitchFamily="34" charset="0"/>
+              </a:rPr>
+              <a:t> </a:t>
+            </a:r>
+            <a:r>
+              <a:rPr kumimoji="0" lang="ru-RU" altLang="ru-RU" sz="1200" b="0" i="0" u="none" strike="noStrike" cap="none" normalizeH="0" baseline="0" dirty="0" err="1">
+                <a:ln>
+                  <a:noFill/>
+                </a:ln>
+                <a:solidFill>
+                  <a:srgbClr val="7D353B"/>
+                </a:solidFill>
+                <a:effectLst/>
+                <a:latin typeface="Source Sans Pro" panose="020B0503030403020204" pitchFamily="34" charset="0"/>
+              </a:rPr>
+              <a:t>an</a:t>
+            </a:r>
+            <a:r>
+              <a:rPr kumimoji="0" lang="ru-RU" altLang="ru-RU" sz="1200" b="0" i="0" u="none" strike="noStrike" cap="none" normalizeH="0" baseline="0" dirty="0">
+                <a:ln>
+                  <a:noFill/>
+                </a:ln>
+                <a:solidFill>
+                  <a:srgbClr val="7D353B"/>
+                </a:solidFill>
+                <a:effectLst/>
+                <a:latin typeface="Source Sans Pro" panose="020B0503030403020204" pitchFamily="34" charset="0"/>
+              </a:rPr>
+              <a:t> </a:t>
+            </a:r>
+            <a:r>
+              <a:rPr kumimoji="0" lang="ru-RU" altLang="ru-RU" sz="1200" b="0" i="0" u="none" strike="noStrike" cap="none" normalizeH="0" baseline="0" dirty="0" err="1">
+                <a:ln>
+                  <a:noFill/>
+                </a:ln>
+                <a:solidFill>
+                  <a:srgbClr val="7D353B"/>
+                </a:solidFill>
+                <a:effectLst/>
+                <a:latin typeface="Source Sans Pro" panose="020B0503030403020204" pitchFamily="34" charset="0"/>
+              </a:rPr>
+              <a:t>error</a:t>
+            </a:r>
+            <a:r>
+              <a:rPr kumimoji="0" lang="ru-RU" altLang="ru-RU" sz="1200" b="0" i="0" u="none" strike="noStrike" cap="none" normalizeH="0" baseline="0" dirty="0">
+                <a:ln>
+                  <a:noFill/>
+                </a:ln>
+                <a:solidFill>
+                  <a:srgbClr val="7D353B"/>
+                </a:solidFill>
+                <a:effectLst/>
+                <a:latin typeface="Source Sans Pro" panose="020B0503030403020204" pitchFamily="34" charset="0"/>
+              </a:rPr>
+              <a:t>. </a:t>
+            </a:r>
+            <a:r>
+              <a:rPr kumimoji="0" lang="ru-RU" altLang="ru-RU" sz="1200" b="0" i="0" u="none" strike="noStrike" cap="none" normalizeH="0" baseline="0" dirty="0" err="1">
+                <a:ln>
+                  <a:noFill/>
+                </a:ln>
+                <a:solidFill>
+                  <a:srgbClr val="7D353B"/>
+                </a:solidFill>
+                <a:effectLst/>
+                <a:latin typeface="Source Sans Pro" panose="020B0503030403020204" pitchFamily="34" charset="0"/>
+              </a:rPr>
+              <a:t>The</a:t>
+            </a:r>
+            <a:r>
+              <a:rPr kumimoji="0" lang="ru-RU" altLang="ru-RU" sz="1200" b="0" i="0" u="none" strike="noStrike" cap="none" normalizeH="0" baseline="0" dirty="0">
+                <a:ln>
+                  <a:noFill/>
+                </a:ln>
+                <a:solidFill>
+                  <a:srgbClr val="7D353B"/>
+                </a:solidFill>
+                <a:effectLst/>
+                <a:latin typeface="Source Sans Pro" panose="020B0503030403020204" pitchFamily="34" charset="0"/>
+              </a:rPr>
+              <a:t> </a:t>
+            </a:r>
+            <a:r>
+              <a:rPr kumimoji="0" lang="ru-RU" altLang="ru-RU" sz="1200" b="0" i="0" u="none" strike="noStrike" cap="none" normalizeH="0" baseline="0" dirty="0" err="1">
+                <a:ln>
+                  <a:noFill/>
+                </a:ln>
+                <a:solidFill>
+                  <a:srgbClr val="7D353B"/>
+                </a:solidFill>
+                <a:effectLst/>
+                <a:latin typeface="Source Sans Pro" panose="020B0503030403020204" pitchFamily="34" charset="0"/>
+              </a:rPr>
+              <a:t>original</a:t>
+            </a:r>
+            <a:r>
+              <a:rPr kumimoji="0" lang="ru-RU" altLang="ru-RU" sz="1200" b="0" i="0" u="none" strike="noStrike" cap="none" normalizeH="0" baseline="0" dirty="0">
+                <a:ln>
+                  <a:noFill/>
+                </a:ln>
+                <a:solidFill>
+                  <a:srgbClr val="7D353B"/>
+                </a:solidFill>
+                <a:effectLst/>
+                <a:latin typeface="Source Sans Pro" panose="020B0503030403020204" pitchFamily="34" charset="0"/>
+              </a:rPr>
+              <a:t> </a:t>
+            </a:r>
+            <a:r>
+              <a:rPr kumimoji="0" lang="ru-RU" altLang="ru-RU" sz="1200" b="0" i="0" u="none" strike="noStrike" cap="none" normalizeH="0" baseline="0" dirty="0" err="1">
+                <a:ln>
+                  <a:noFill/>
+                </a:ln>
+                <a:solidFill>
+                  <a:srgbClr val="7D353B"/>
+                </a:solidFill>
+                <a:effectLst/>
+                <a:latin typeface="Source Sans Pro" panose="020B0503030403020204" pitchFamily="34" charset="0"/>
+              </a:rPr>
+              <a:t>error</a:t>
+            </a:r>
+            <a:r>
+              <a:rPr kumimoji="0" lang="ru-RU" altLang="ru-RU" sz="1200" b="0" i="0" u="none" strike="noStrike" cap="none" normalizeH="0" baseline="0" dirty="0">
+                <a:ln>
+                  <a:noFill/>
+                </a:ln>
+                <a:solidFill>
+                  <a:srgbClr val="7D353B"/>
+                </a:solidFill>
+                <a:effectLst/>
+                <a:latin typeface="Source Sans Pro" panose="020B0503030403020204" pitchFamily="34" charset="0"/>
+              </a:rPr>
+              <a:t> </a:t>
+            </a:r>
+            <a:r>
+              <a:rPr kumimoji="0" lang="ru-RU" altLang="ru-RU" sz="1200" b="0" i="0" u="none" strike="noStrike" cap="none" normalizeH="0" baseline="0" dirty="0" err="1">
+                <a:ln>
+                  <a:noFill/>
+                </a:ln>
+                <a:solidFill>
+                  <a:srgbClr val="7D353B"/>
+                </a:solidFill>
+                <a:effectLst/>
+                <a:latin typeface="Source Sans Pro" panose="020B0503030403020204" pitchFamily="34" charset="0"/>
+              </a:rPr>
+              <a:t>message</a:t>
+            </a:r>
+            <a:r>
+              <a:rPr kumimoji="0" lang="ru-RU" altLang="ru-RU" sz="1200" b="0" i="0" u="none" strike="noStrike" cap="none" normalizeH="0" baseline="0" dirty="0">
+                <a:ln>
+                  <a:noFill/>
+                </a:ln>
+                <a:solidFill>
+                  <a:srgbClr val="7D353B"/>
+                </a:solidFill>
+                <a:effectLst/>
+                <a:latin typeface="Source Sans Pro" panose="020B0503030403020204" pitchFamily="34" charset="0"/>
+              </a:rPr>
+              <a:t> </a:t>
+            </a:r>
+            <a:r>
+              <a:rPr kumimoji="0" lang="ru-RU" altLang="ru-RU" sz="1200" b="0" i="0" u="none" strike="noStrike" cap="none" normalizeH="0" baseline="0" dirty="0" err="1">
+                <a:ln>
+                  <a:noFill/>
+                </a:ln>
+                <a:solidFill>
+                  <a:srgbClr val="7D353B"/>
+                </a:solidFill>
+                <a:effectLst/>
+                <a:latin typeface="Source Sans Pro" panose="020B0503030403020204" pitchFamily="34" charset="0"/>
+              </a:rPr>
+              <a:t>is</a:t>
+            </a:r>
+            <a:r>
+              <a:rPr kumimoji="0" lang="ru-RU" altLang="ru-RU" sz="1200" b="0" i="0" u="none" strike="noStrike" cap="none" normalizeH="0" baseline="0" dirty="0">
+                <a:ln>
+                  <a:noFill/>
+                </a:ln>
+                <a:solidFill>
+                  <a:srgbClr val="7D353B"/>
+                </a:solidFill>
+                <a:effectLst/>
+                <a:latin typeface="Source Sans Pro" panose="020B0503030403020204" pitchFamily="34" charset="0"/>
+              </a:rPr>
+              <a:t> </a:t>
+            </a:r>
+            <a:r>
+              <a:rPr kumimoji="0" lang="ru-RU" altLang="ru-RU" sz="1200" b="0" i="0" u="none" strike="noStrike" cap="none" normalizeH="0" baseline="0" dirty="0" err="1">
+                <a:ln>
+                  <a:noFill/>
+                </a:ln>
+                <a:solidFill>
+                  <a:srgbClr val="7D353B"/>
+                </a:solidFill>
+                <a:effectLst/>
+                <a:latin typeface="Source Sans Pro" panose="020B0503030403020204" pitchFamily="34" charset="0"/>
+              </a:rPr>
+              <a:t>redacted</a:t>
+            </a:r>
+            <a:r>
+              <a:rPr kumimoji="0" lang="ru-RU" altLang="ru-RU" sz="1200" b="0" i="0" u="none" strike="noStrike" cap="none" normalizeH="0" baseline="0" dirty="0">
+                <a:ln>
+                  <a:noFill/>
+                </a:ln>
+                <a:solidFill>
+                  <a:srgbClr val="7D353B"/>
+                </a:solidFill>
+                <a:effectLst/>
+                <a:latin typeface="Source Sans Pro" panose="020B0503030403020204" pitchFamily="34" charset="0"/>
+              </a:rPr>
+              <a:t> </a:t>
+            </a:r>
+            <a:r>
+              <a:rPr kumimoji="0" lang="ru-RU" altLang="ru-RU" sz="1200" b="0" i="0" u="none" strike="noStrike" cap="none" normalizeH="0" baseline="0" dirty="0" err="1">
+                <a:ln>
+                  <a:noFill/>
+                </a:ln>
+                <a:solidFill>
+                  <a:srgbClr val="7D353B"/>
+                </a:solidFill>
+                <a:effectLst/>
+                <a:latin typeface="Source Sans Pro" panose="020B0503030403020204" pitchFamily="34" charset="0"/>
+              </a:rPr>
+              <a:t>to</a:t>
+            </a:r>
+            <a:r>
+              <a:rPr kumimoji="0" lang="ru-RU" altLang="ru-RU" sz="1200" b="0" i="0" u="none" strike="noStrike" cap="none" normalizeH="0" baseline="0" dirty="0">
+                <a:ln>
+                  <a:noFill/>
+                </a:ln>
+                <a:solidFill>
+                  <a:srgbClr val="7D353B"/>
+                </a:solidFill>
+                <a:effectLst/>
+                <a:latin typeface="Source Sans Pro" panose="020B0503030403020204" pitchFamily="34" charset="0"/>
+              </a:rPr>
+              <a:t> </a:t>
+            </a:r>
+            <a:r>
+              <a:rPr kumimoji="0" lang="ru-RU" altLang="ru-RU" sz="1200" b="0" i="0" u="none" strike="noStrike" cap="none" normalizeH="0" baseline="0" dirty="0" err="1">
+                <a:ln>
+                  <a:noFill/>
+                </a:ln>
+                <a:solidFill>
+                  <a:srgbClr val="7D353B"/>
+                </a:solidFill>
+                <a:effectLst/>
+                <a:latin typeface="Source Sans Pro" panose="020B0503030403020204" pitchFamily="34" charset="0"/>
+              </a:rPr>
+              <a:t>prevent</a:t>
+            </a:r>
+            <a:r>
+              <a:rPr kumimoji="0" lang="ru-RU" altLang="ru-RU" sz="1200" b="0" i="0" u="none" strike="noStrike" cap="none" normalizeH="0" baseline="0" dirty="0">
+                <a:ln>
+                  <a:noFill/>
+                </a:ln>
+                <a:solidFill>
+                  <a:srgbClr val="7D353B"/>
+                </a:solidFill>
+                <a:effectLst/>
+                <a:latin typeface="Source Sans Pro" panose="020B0503030403020204" pitchFamily="34" charset="0"/>
+              </a:rPr>
+              <a:t> </a:t>
+            </a:r>
+            <a:r>
+              <a:rPr kumimoji="0" lang="ru-RU" altLang="ru-RU" sz="1200" b="0" i="0" u="none" strike="noStrike" cap="none" normalizeH="0" baseline="0" dirty="0" err="1">
+                <a:ln>
+                  <a:noFill/>
+                </a:ln>
+                <a:solidFill>
+                  <a:srgbClr val="7D353B"/>
+                </a:solidFill>
+                <a:effectLst/>
+                <a:latin typeface="Source Sans Pro" panose="020B0503030403020204" pitchFamily="34" charset="0"/>
+              </a:rPr>
+              <a:t>data</a:t>
+            </a:r>
+            <a:r>
+              <a:rPr kumimoji="0" lang="ru-RU" altLang="ru-RU" sz="1200" b="0" i="0" u="none" strike="noStrike" cap="none" normalizeH="0" baseline="0" dirty="0">
+                <a:ln>
+                  <a:noFill/>
+                </a:ln>
+                <a:solidFill>
+                  <a:srgbClr val="7D353B"/>
+                </a:solidFill>
+                <a:effectLst/>
+                <a:latin typeface="Source Sans Pro" panose="020B0503030403020204" pitchFamily="34" charset="0"/>
+              </a:rPr>
+              <a:t> </a:t>
+            </a:r>
+            <a:r>
+              <a:rPr kumimoji="0" lang="ru-RU" altLang="ru-RU" sz="1200" b="0" i="0" u="none" strike="noStrike" cap="none" normalizeH="0" baseline="0" dirty="0" err="1">
+                <a:ln>
+                  <a:noFill/>
+                </a:ln>
+                <a:solidFill>
+                  <a:srgbClr val="7D353B"/>
+                </a:solidFill>
+                <a:effectLst/>
+                <a:latin typeface="Source Sans Pro" panose="020B0503030403020204" pitchFamily="34" charset="0"/>
+              </a:rPr>
+              <a:t>leaks</a:t>
+            </a:r>
+            <a:r>
+              <a:rPr kumimoji="0" lang="ru-RU" altLang="ru-RU" sz="1200" b="0" i="0" u="none" strike="noStrike" cap="none" normalizeH="0" baseline="0" dirty="0">
+                <a:ln>
+                  <a:noFill/>
+                </a:ln>
+                <a:solidFill>
+                  <a:srgbClr val="7D353B"/>
+                </a:solidFill>
+                <a:effectLst/>
+                <a:latin typeface="Source Sans Pro" panose="020B0503030403020204" pitchFamily="34" charset="0"/>
+              </a:rPr>
+              <a:t>. </a:t>
+            </a:r>
+            <a:r>
+              <a:rPr kumimoji="0" lang="ru-RU" altLang="ru-RU" sz="1200" b="0" i="0" u="none" strike="noStrike" cap="none" normalizeH="0" baseline="0" dirty="0" err="1">
+                <a:ln>
+                  <a:noFill/>
+                </a:ln>
+                <a:solidFill>
+                  <a:srgbClr val="7D353B"/>
+                </a:solidFill>
+                <a:effectLst/>
+                <a:latin typeface="Source Sans Pro" panose="020B0503030403020204" pitchFamily="34" charset="0"/>
+              </a:rPr>
+              <a:t>Full</a:t>
+            </a:r>
+            <a:r>
+              <a:rPr kumimoji="0" lang="ru-RU" altLang="ru-RU" sz="1200" b="0" i="0" u="none" strike="noStrike" cap="none" normalizeH="0" baseline="0" dirty="0">
+                <a:ln>
+                  <a:noFill/>
+                </a:ln>
+                <a:solidFill>
+                  <a:srgbClr val="7D353B"/>
+                </a:solidFill>
+                <a:effectLst/>
+                <a:latin typeface="Source Sans Pro" panose="020B0503030403020204" pitchFamily="34" charset="0"/>
+              </a:rPr>
+              <a:t> </a:t>
+            </a:r>
+            <a:r>
+              <a:rPr kumimoji="0" lang="ru-RU" altLang="ru-RU" sz="1200" b="0" i="0" u="none" strike="noStrike" cap="none" normalizeH="0" baseline="0" dirty="0" err="1">
+                <a:ln>
+                  <a:noFill/>
+                </a:ln>
+                <a:solidFill>
+                  <a:srgbClr val="7D353B"/>
+                </a:solidFill>
+                <a:effectLst/>
+                <a:latin typeface="Source Sans Pro" panose="020B0503030403020204" pitchFamily="34" charset="0"/>
+              </a:rPr>
+              <a:t>error</a:t>
+            </a:r>
+            <a:r>
+              <a:rPr kumimoji="0" lang="ru-RU" altLang="ru-RU" sz="1200" b="0" i="0" u="none" strike="noStrike" cap="none" normalizeH="0" baseline="0" dirty="0">
+                <a:ln>
+                  <a:noFill/>
+                </a:ln>
+                <a:solidFill>
+                  <a:srgbClr val="7D353B"/>
+                </a:solidFill>
+                <a:effectLst/>
+                <a:latin typeface="Source Sans Pro" panose="020B0503030403020204" pitchFamily="34" charset="0"/>
+              </a:rPr>
+              <a:t> </a:t>
+            </a:r>
+            <a:r>
+              <a:rPr kumimoji="0" lang="ru-RU" altLang="ru-RU" sz="1200" b="0" i="0" u="none" strike="noStrike" cap="none" normalizeH="0" baseline="0" dirty="0" err="1">
+                <a:ln>
+                  <a:noFill/>
+                </a:ln>
+                <a:solidFill>
+                  <a:srgbClr val="7D353B"/>
+                </a:solidFill>
+                <a:effectLst/>
+                <a:latin typeface="Source Sans Pro" panose="020B0503030403020204" pitchFamily="34" charset="0"/>
+              </a:rPr>
+              <a:t>details</a:t>
+            </a:r>
+            <a:r>
+              <a:rPr kumimoji="0" lang="ru-RU" altLang="ru-RU" sz="1200" b="0" i="0" u="none" strike="noStrike" cap="none" normalizeH="0" baseline="0" dirty="0">
+                <a:ln>
+                  <a:noFill/>
+                </a:ln>
+                <a:solidFill>
+                  <a:srgbClr val="7D353B"/>
+                </a:solidFill>
+                <a:effectLst/>
+                <a:latin typeface="Source Sans Pro" panose="020B0503030403020204" pitchFamily="34" charset="0"/>
+              </a:rPr>
+              <a:t> </a:t>
+            </a:r>
+            <a:r>
+              <a:rPr kumimoji="0" lang="ru-RU" altLang="ru-RU" sz="1200" b="0" i="0" u="none" strike="noStrike" cap="none" normalizeH="0" baseline="0" dirty="0" err="1">
+                <a:ln>
+                  <a:noFill/>
+                </a:ln>
+                <a:solidFill>
+                  <a:srgbClr val="7D353B"/>
+                </a:solidFill>
+                <a:effectLst/>
+                <a:latin typeface="Source Sans Pro" panose="020B0503030403020204" pitchFamily="34" charset="0"/>
+              </a:rPr>
+              <a:t>have</a:t>
+            </a:r>
+            <a:r>
+              <a:rPr kumimoji="0" lang="ru-RU" altLang="ru-RU" sz="1200" b="0" i="0" u="none" strike="noStrike" cap="none" normalizeH="0" baseline="0" dirty="0">
+                <a:ln>
+                  <a:noFill/>
+                </a:ln>
+                <a:solidFill>
+                  <a:srgbClr val="7D353B"/>
+                </a:solidFill>
+                <a:effectLst/>
+                <a:latin typeface="Source Sans Pro" panose="020B0503030403020204" pitchFamily="34" charset="0"/>
+              </a:rPr>
+              <a:t> </a:t>
+            </a:r>
+            <a:r>
+              <a:rPr kumimoji="0" lang="ru-RU" altLang="ru-RU" sz="1200" b="0" i="0" u="none" strike="noStrike" cap="none" normalizeH="0" baseline="0" dirty="0" err="1">
+                <a:ln>
+                  <a:noFill/>
+                </a:ln>
+                <a:solidFill>
+                  <a:srgbClr val="7D353B"/>
+                </a:solidFill>
+                <a:effectLst/>
+                <a:latin typeface="Source Sans Pro" panose="020B0503030403020204" pitchFamily="34" charset="0"/>
+              </a:rPr>
+              <a:t>been</a:t>
+            </a:r>
+            <a:r>
+              <a:rPr kumimoji="0" lang="ru-RU" altLang="ru-RU" sz="1200" b="0" i="0" u="none" strike="noStrike" cap="none" normalizeH="0" baseline="0" dirty="0">
+                <a:ln>
+                  <a:noFill/>
+                </a:ln>
+                <a:solidFill>
+                  <a:srgbClr val="7D353B"/>
+                </a:solidFill>
+                <a:effectLst/>
+                <a:latin typeface="Source Sans Pro" panose="020B0503030403020204" pitchFamily="34" charset="0"/>
+              </a:rPr>
+              <a:t> </a:t>
+            </a:r>
+            <a:r>
+              <a:rPr kumimoji="0" lang="ru-RU" altLang="ru-RU" sz="1200" b="0" i="0" u="none" strike="noStrike" cap="none" normalizeH="0" baseline="0" dirty="0" err="1">
+                <a:ln>
+                  <a:noFill/>
+                </a:ln>
+                <a:solidFill>
+                  <a:srgbClr val="7D353B"/>
+                </a:solidFill>
+                <a:effectLst/>
+                <a:latin typeface="Source Sans Pro" panose="020B0503030403020204" pitchFamily="34" charset="0"/>
+              </a:rPr>
+              <a:t>recorded</a:t>
+            </a:r>
+            <a:r>
+              <a:rPr kumimoji="0" lang="ru-RU" altLang="ru-RU" sz="1200" b="0" i="0" u="none" strike="noStrike" cap="none" normalizeH="0" baseline="0" dirty="0">
+                <a:ln>
+                  <a:noFill/>
+                </a:ln>
+                <a:solidFill>
+                  <a:srgbClr val="7D353B"/>
+                </a:solidFill>
+                <a:effectLst/>
+                <a:latin typeface="Source Sans Pro" panose="020B0503030403020204" pitchFamily="34" charset="0"/>
+              </a:rPr>
+              <a:t> </a:t>
+            </a:r>
+            <a:r>
+              <a:rPr kumimoji="0" lang="ru-RU" altLang="ru-RU" sz="1200" b="0" i="0" u="none" strike="noStrike" cap="none" normalizeH="0" baseline="0" dirty="0" err="1">
+                <a:ln>
+                  <a:noFill/>
+                </a:ln>
+                <a:solidFill>
+                  <a:srgbClr val="7D353B"/>
+                </a:solidFill>
+                <a:effectLst/>
+                <a:latin typeface="Source Sans Pro" panose="020B0503030403020204" pitchFamily="34" charset="0"/>
+              </a:rPr>
+              <a:t>in</a:t>
+            </a:r>
+            <a:r>
+              <a:rPr kumimoji="0" lang="ru-RU" altLang="ru-RU" sz="1200" b="0" i="0" u="none" strike="noStrike" cap="none" normalizeH="0" baseline="0" dirty="0">
+                <a:ln>
+                  <a:noFill/>
+                </a:ln>
+                <a:solidFill>
+                  <a:srgbClr val="7D353B"/>
+                </a:solidFill>
+                <a:effectLst/>
+                <a:latin typeface="Source Sans Pro" panose="020B0503030403020204" pitchFamily="34" charset="0"/>
+              </a:rPr>
+              <a:t> </a:t>
+            </a:r>
+            <a:r>
+              <a:rPr kumimoji="0" lang="ru-RU" altLang="ru-RU" sz="1200" b="0" i="0" u="none" strike="noStrike" cap="none" normalizeH="0" baseline="0" dirty="0" err="1">
+                <a:ln>
+                  <a:noFill/>
+                </a:ln>
+                <a:solidFill>
+                  <a:srgbClr val="7D353B"/>
+                </a:solidFill>
+                <a:effectLst/>
+                <a:latin typeface="Source Sans Pro" panose="020B0503030403020204" pitchFamily="34" charset="0"/>
+              </a:rPr>
+              <a:t>the</a:t>
+            </a:r>
+            <a:r>
+              <a:rPr kumimoji="0" lang="ru-RU" altLang="ru-RU" sz="1200" b="0" i="0" u="none" strike="noStrike" cap="none" normalizeH="0" baseline="0" dirty="0">
+                <a:ln>
+                  <a:noFill/>
+                </a:ln>
+                <a:solidFill>
+                  <a:srgbClr val="7D353B"/>
+                </a:solidFill>
+                <a:effectLst/>
+                <a:latin typeface="Source Sans Pro" panose="020B0503030403020204" pitchFamily="34" charset="0"/>
+              </a:rPr>
+              <a:t> </a:t>
+            </a:r>
+            <a:r>
+              <a:rPr kumimoji="0" lang="ru-RU" altLang="ru-RU" sz="1200" b="0" i="0" u="none" strike="noStrike" cap="none" normalizeH="0" baseline="0" dirty="0" err="1">
+                <a:ln>
+                  <a:noFill/>
+                </a:ln>
+                <a:solidFill>
+                  <a:srgbClr val="7D353B"/>
+                </a:solidFill>
+                <a:effectLst/>
+                <a:latin typeface="Source Sans Pro" panose="020B0503030403020204" pitchFamily="34" charset="0"/>
+              </a:rPr>
+              <a:t>logs</a:t>
+            </a:r>
+            <a:r>
+              <a:rPr kumimoji="0" lang="ru-RU" altLang="ru-RU" sz="1200" b="0" i="0" u="none" strike="noStrike" cap="none" normalizeH="0" baseline="0" dirty="0">
+                <a:ln>
+                  <a:noFill/>
+                </a:ln>
+                <a:solidFill>
+                  <a:srgbClr val="7D353B"/>
+                </a:solidFill>
+                <a:effectLst/>
+                <a:latin typeface="Source Sans Pro" panose="020B0503030403020204" pitchFamily="34" charset="0"/>
+              </a:rPr>
+              <a:t> (</a:t>
+            </a:r>
+            <a:r>
+              <a:rPr kumimoji="0" lang="ru-RU" altLang="ru-RU" sz="1200" b="0" i="0" u="none" strike="noStrike" cap="none" normalizeH="0" baseline="0" dirty="0" err="1">
+                <a:ln>
+                  <a:noFill/>
+                </a:ln>
+                <a:solidFill>
+                  <a:srgbClr val="7D353B"/>
+                </a:solidFill>
+                <a:effectLst/>
+                <a:latin typeface="Source Sans Pro" panose="020B0503030403020204" pitchFamily="34" charset="0"/>
+              </a:rPr>
+              <a:t>if</a:t>
+            </a:r>
+            <a:r>
+              <a:rPr kumimoji="0" lang="ru-RU" altLang="ru-RU" sz="1200" b="0" i="0" u="none" strike="noStrike" cap="none" normalizeH="0" baseline="0" dirty="0">
+                <a:ln>
+                  <a:noFill/>
+                </a:ln>
+                <a:solidFill>
+                  <a:srgbClr val="7D353B"/>
+                </a:solidFill>
+                <a:effectLst/>
+                <a:latin typeface="Source Sans Pro" panose="020B0503030403020204" pitchFamily="34" charset="0"/>
+              </a:rPr>
+              <a:t> </a:t>
+            </a:r>
+            <a:r>
+              <a:rPr kumimoji="0" lang="ru-RU" altLang="ru-RU" sz="1200" b="0" i="0" u="none" strike="noStrike" cap="none" normalizeH="0" baseline="0" dirty="0" err="1">
+                <a:ln>
+                  <a:noFill/>
+                </a:ln>
+                <a:solidFill>
+                  <a:srgbClr val="7D353B"/>
+                </a:solidFill>
+                <a:effectLst/>
+                <a:latin typeface="Source Sans Pro" panose="020B0503030403020204" pitchFamily="34" charset="0"/>
+              </a:rPr>
+              <a:t>you're</a:t>
+            </a:r>
+            <a:r>
+              <a:rPr kumimoji="0" lang="ru-RU" altLang="ru-RU" sz="1200" b="0" i="0" u="none" strike="noStrike" cap="none" normalizeH="0" baseline="0" dirty="0">
+                <a:ln>
+                  <a:noFill/>
+                </a:ln>
+                <a:solidFill>
+                  <a:srgbClr val="7D353B"/>
+                </a:solidFill>
+                <a:effectLst/>
+                <a:latin typeface="Source Sans Pro" panose="020B0503030403020204" pitchFamily="34" charset="0"/>
+              </a:rPr>
+              <a:t> </a:t>
+            </a:r>
+            <a:r>
+              <a:rPr kumimoji="0" lang="ru-RU" altLang="ru-RU" sz="1200" b="0" i="0" u="none" strike="noStrike" cap="none" normalizeH="0" baseline="0" dirty="0" err="1">
+                <a:ln>
+                  <a:noFill/>
+                </a:ln>
+                <a:solidFill>
+                  <a:srgbClr val="7D353B"/>
+                </a:solidFill>
+                <a:effectLst/>
+                <a:latin typeface="Source Sans Pro" panose="020B0503030403020204" pitchFamily="34" charset="0"/>
+              </a:rPr>
+              <a:t>on</a:t>
+            </a:r>
+            <a:r>
+              <a:rPr kumimoji="0" lang="ru-RU" altLang="ru-RU" sz="1200" b="0" i="0" u="none" strike="noStrike" cap="none" normalizeH="0" baseline="0" dirty="0">
+                <a:ln>
+                  <a:noFill/>
+                </a:ln>
+                <a:solidFill>
+                  <a:srgbClr val="7D353B"/>
+                </a:solidFill>
+                <a:effectLst/>
+                <a:latin typeface="Source Sans Pro" panose="020B0503030403020204" pitchFamily="34" charset="0"/>
+              </a:rPr>
+              <a:t> </a:t>
+            </a:r>
+            <a:r>
+              <a:rPr kumimoji="0" lang="ru-RU" altLang="ru-RU" sz="1200" b="0" i="0" u="none" strike="noStrike" cap="none" normalizeH="0" baseline="0" dirty="0" err="1">
+                <a:ln>
+                  <a:noFill/>
+                </a:ln>
+                <a:solidFill>
+                  <a:srgbClr val="7D353B"/>
+                </a:solidFill>
+                <a:effectLst/>
+                <a:latin typeface="Source Sans Pro" panose="020B0503030403020204" pitchFamily="34" charset="0"/>
+              </a:rPr>
+              <a:t>Streamlit</a:t>
+            </a:r>
+            <a:r>
+              <a:rPr kumimoji="0" lang="ru-RU" altLang="ru-RU" sz="1200" b="0" i="0" u="none" strike="noStrike" cap="none" normalizeH="0" baseline="0" dirty="0">
+                <a:ln>
+                  <a:noFill/>
+                </a:ln>
+                <a:solidFill>
+                  <a:srgbClr val="7D353B"/>
+                </a:solidFill>
+                <a:effectLst/>
+                <a:latin typeface="Source Sans Pro" panose="020B0503030403020204" pitchFamily="34" charset="0"/>
+              </a:rPr>
+              <a:t> </a:t>
+            </a:r>
+            <a:r>
+              <a:rPr kumimoji="0" lang="ru-RU" altLang="ru-RU" sz="1200" b="0" i="0" u="none" strike="noStrike" cap="none" normalizeH="0" baseline="0" dirty="0" err="1">
+                <a:ln>
+                  <a:noFill/>
+                </a:ln>
+                <a:solidFill>
+                  <a:srgbClr val="7D353B"/>
+                </a:solidFill>
+                <a:effectLst/>
+                <a:latin typeface="Source Sans Pro" panose="020B0503030403020204" pitchFamily="34" charset="0"/>
+              </a:rPr>
+              <a:t>Cloud</a:t>
+            </a:r>
+            <a:r>
+              <a:rPr kumimoji="0" lang="ru-RU" altLang="ru-RU" sz="1200" b="0" i="0" u="none" strike="noStrike" cap="none" normalizeH="0" baseline="0" dirty="0">
+                <a:ln>
+                  <a:noFill/>
+                </a:ln>
+                <a:solidFill>
+                  <a:srgbClr val="7D353B"/>
+                </a:solidFill>
+                <a:effectLst/>
+                <a:latin typeface="Source Sans Pro" panose="020B0503030403020204" pitchFamily="34" charset="0"/>
+              </a:rPr>
+              <a:t>, </a:t>
+            </a:r>
+            <a:r>
+              <a:rPr kumimoji="0" lang="ru-RU" altLang="ru-RU" sz="1200" b="0" i="0" u="none" strike="noStrike" cap="none" normalizeH="0" baseline="0" dirty="0" err="1">
+                <a:ln>
+                  <a:noFill/>
+                </a:ln>
+                <a:solidFill>
+                  <a:srgbClr val="7D353B"/>
+                </a:solidFill>
+                <a:effectLst/>
+                <a:latin typeface="Source Sans Pro" panose="020B0503030403020204" pitchFamily="34" charset="0"/>
+              </a:rPr>
+              <a:t>click</a:t>
+            </a:r>
+            <a:r>
+              <a:rPr kumimoji="0" lang="ru-RU" altLang="ru-RU" sz="1200" b="0" i="0" u="none" strike="noStrike" cap="none" normalizeH="0" baseline="0" dirty="0">
+                <a:ln>
+                  <a:noFill/>
+                </a:ln>
+                <a:solidFill>
+                  <a:srgbClr val="7D353B"/>
+                </a:solidFill>
+                <a:effectLst/>
+                <a:latin typeface="Source Sans Pro" panose="020B0503030403020204" pitchFamily="34" charset="0"/>
+              </a:rPr>
+              <a:t> </a:t>
+            </a:r>
+            <a:r>
+              <a:rPr kumimoji="0" lang="ru-RU" altLang="ru-RU" sz="1200" b="0" i="0" u="none" strike="noStrike" cap="none" normalizeH="0" baseline="0" dirty="0" err="1">
+                <a:ln>
+                  <a:noFill/>
+                </a:ln>
+                <a:solidFill>
+                  <a:srgbClr val="7D353B"/>
+                </a:solidFill>
+                <a:effectLst/>
+                <a:latin typeface="Source Sans Pro" panose="020B0503030403020204" pitchFamily="34" charset="0"/>
+              </a:rPr>
+              <a:t>on</a:t>
+            </a:r>
+            <a:r>
+              <a:rPr kumimoji="0" lang="ru-RU" altLang="ru-RU" sz="1200" b="0" i="0" u="none" strike="noStrike" cap="none" normalizeH="0" baseline="0" dirty="0">
+                <a:ln>
+                  <a:noFill/>
+                </a:ln>
+                <a:solidFill>
+                  <a:srgbClr val="7D353B"/>
+                </a:solidFill>
+                <a:effectLst/>
+                <a:latin typeface="Source Sans Pro" panose="020B0503030403020204" pitchFamily="34" charset="0"/>
+              </a:rPr>
+              <a:t> '</a:t>
+            </a:r>
+            <a:r>
+              <a:rPr kumimoji="0" lang="ru-RU" altLang="ru-RU" sz="1200" b="0" i="0" u="none" strike="noStrike" cap="none" normalizeH="0" baseline="0" dirty="0" err="1">
+                <a:ln>
+                  <a:noFill/>
+                </a:ln>
+                <a:solidFill>
+                  <a:srgbClr val="7D353B"/>
+                </a:solidFill>
+                <a:effectLst/>
+                <a:latin typeface="Source Sans Pro" panose="020B0503030403020204" pitchFamily="34" charset="0"/>
+              </a:rPr>
+              <a:t>Manage</a:t>
+            </a:r>
+            <a:r>
+              <a:rPr kumimoji="0" lang="ru-RU" altLang="ru-RU" sz="1200" b="0" i="0" u="none" strike="noStrike" cap="none" normalizeH="0" baseline="0" dirty="0">
+                <a:ln>
+                  <a:noFill/>
+                </a:ln>
+                <a:solidFill>
+                  <a:srgbClr val="7D353B"/>
+                </a:solidFill>
+                <a:effectLst/>
+                <a:latin typeface="Source Sans Pro" panose="020B0503030403020204" pitchFamily="34" charset="0"/>
+              </a:rPr>
+              <a:t> </a:t>
+            </a:r>
+            <a:r>
+              <a:rPr kumimoji="0" lang="ru-RU" altLang="ru-RU" sz="1200" b="0" i="0" u="none" strike="noStrike" cap="none" normalizeH="0" baseline="0" dirty="0" err="1">
+                <a:ln>
+                  <a:noFill/>
+                </a:ln>
+                <a:solidFill>
+                  <a:srgbClr val="7D353B"/>
+                </a:solidFill>
+                <a:effectLst/>
+                <a:latin typeface="Source Sans Pro" panose="020B0503030403020204" pitchFamily="34" charset="0"/>
+              </a:rPr>
+              <a:t>app</a:t>
+            </a:r>
+            <a:r>
+              <a:rPr kumimoji="0" lang="ru-RU" altLang="ru-RU" sz="1200" b="0" i="0" u="none" strike="noStrike" cap="none" normalizeH="0" baseline="0" dirty="0">
+                <a:ln>
+                  <a:noFill/>
+                </a:ln>
+                <a:solidFill>
+                  <a:srgbClr val="7D353B"/>
+                </a:solidFill>
+                <a:effectLst/>
+                <a:latin typeface="Source Sans Pro" panose="020B0503030403020204" pitchFamily="34" charset="0"/>
+              </a:rPr>
+              <a:t>' </a:t>
+            </a:r>
+            <a:r>
+              <a:rPr kumimoji="0" lang="ru-RU" altLang="ru-RU" sz="1200" b="0" i="0" u="none" strike="noStrike" cap="none" normalizeH="0" baseline="0" dirty="0" err="1">
+                <a:ln>
+                  <a:noFill/>
+                </a:ln>
+                <a:solidFill>
+                  <a:srgbClr val="7D353B"/>
+                </a:solidFill>
+                <a:effectLst/>
+                <a:latin typeface="Source Sans Pro" panose="020B0503030403020204" pitchFamily="34" charset="0"/>
+              </a:rPr>
+              <a:t>in</a:t>
+            </a:r>
+            <a:r>
+              <a:rPr kumimoji="0" lang="ru-RU" altLang="ru-RU" sz="1200" b="0" i="0" u="none" strike="noStrike" cap="none" normalizeH="0" baseline="0" dirty="0">
+                <a:ln>
+                  <a:noFill/>
+                </a:ln>
+                <a:solidFill>
+                  <a:srgbClr val="7D353B"/>
+                </a:solidFill>
+                <a:effectLst/>
+                <a:latin typeface="Source Sans Pro" panose="020B0503030403020204" pitchFamily="34" charset="0"/>
+              </a:rPr>
+              <a:t> </a:t>
+            </a:r>
+            <a:r>
+              <a:rPr kumimoji="0" lang="ru-RU" altLang="ru-RU" sz="1200" b="0" i="0" u="none" strike="noStrike" cap="none" normalizeH="0" baseline="0" dirty="0" err="1">
+                <a:ln>
+                  <a:noFill/>
+                </a:ln>
+                <a:solidFill>
+                  <a:srgbClr val="7D353B"/>
+                </a:solidFill>
+                <a:effectLst/>
+                <a:latin typeface="Source Sans Pro" panose="020B0503030403020204" pitchFamily="34" charset="0"/>
+              </a:rPr>
+              <a:t>the</a:t>
+            </a:r>
+            <a:r>
+              <a:rPr kumimoji="0" lang="ru-RU" altLang="ru-RU" sz="1200" b="0" i="0" u="none" strike="noStrike" cap="none" normalizeH="0" baseline="0" dirty="0">
+                <a:ln>
+                  <a:noFill/>
+                </a:ln>
+                <a:solidFill>
+                  <a:srgbClr val="7D353B"/>
+                </a:solidFill>
+                <a:effectLst/>
+                <a:latin typeface="Source Sans Pro" panose="020B0503030403020204" pitchFamily="34" charset="0"/>
+              </a:rPr>
+              <a:t> </a:t>
+            </a:r>
+            <a:r>
+              <a:rPr kumimoji="0" lang="ru-RU" altLang="ru-RU" sz="1200" b="0" i="0" u="none" strike="noStrike" cap="none" normalizeH="0" baseline="0" dirty="0" err="1">
+                <a:ln>
+                  <a:noFill/>
+                </a:ln>
+                <a:solidFill>
+                  <a:srgbClr val="7D353B"/>
+                </a:solidFill>
+                <a:effectLst/>
+                <a:latin typeface="Source Sans Pro" panose="020B0503030403020204" pitchFamily="34" charset="0"/>
+              </a:rPr>
+              <a:t>lower</a:t>
+            </a:r>
+            <a:r>
+              <a:rPr kumimoji="0" lang="ru-RU" altLang="ru-RU" sz="1200" b="0" i="0" u="none" strike="noStrike" cap="none" normalizeH="0" baseline="0" dirty="0">
+                <a:ln>
+                  <a:noFill/>
+                </a:ln>
+                <a:solidFill>
+                  <a:srgbClr val="7D353B"/>
+                </a:solidFill>
+                <a:effectLst/>
+                <a:latin typeface="Source Sans Pro" panose="020B0503030403020204" pitchFamily="34" charset="0"/>
+              </a:rPr>
+              <a:t> </a:t>
+            </a:r>
+            <a:r>
+              <a:rPr kumimoji="0" lang="ru-RU" altLang="ru-RU" sz="1200" b="0" i="0" u="none" strike="noStrike" cap="none" normalizeH="0" baseline="0" dirty="0" err="1">
+                <a:ln>
+                  <a:noFill/>
+                </a:ln>
+                <a:solidFill>
+                  <a:srgbClr val="7D353B"/>
+                </a:solidFill>
+                <a:effectLst/>
+                <a:latin typeface="Source Sans Pro" panose="020B0503030403020204" pitchFamily="34" charset="0"/>
+              </a:rPr>
+              <a:t>right</a:t>
+            </a:r>
+            <a:r>
+              <a:rPr kumimoji="0" lang="ru-RU" altLang="ru-RU" sz="1200" b="0" i="0" u="none" strike="noStrike" cap="none" normalizeH="0" baseline="0" dirty="0">
+                <a:ln>
+                  <a:noFill/>
+                </a:ln>
+                <a:solidFill>
+                  <a:srgbClr val="7D353B"/>
+                </a:solidFill>
+                <a:effectLst/>
+                <a:latin typeface="Source Sans Pro" panose="020B0503030403020204" pitchFamily="34" charset="0"/>
+              </a:rPr>
+              <a:t> </a:t>
+            </a:r>
+            <a:r>
+              <a:rPr kumimoji="0" lang="ru-RU" altLang="ru-RU" sz="1200" b="0" i="0" u="none" strike="noStrike" cap="none" normalizeH="0" baseline="0" dirty="0" err="1">
+                <a:ln>
+                  <a:noFill/>
+                </a:ln>
+                <a:solidFill>
+                  <a:srgbClr val="7D353B"/>
+                </a:solidFill>
+                <a:effectLst/>
+                <a:latin typeface="Source Sans Pro" panose="020B0503030403020204" pitchFamily="34" charset="0"/>
+              </a:rPr>
+              <a:t>of</a:t>
+            </a:r>
+            <a:r>
+              <a:rPr kumimoji="0" lang="ru-RU" altLang="ru-RU" sz="1200" b="0" i="0" u="none" strike="noStrike" cap="none" normalizeH="0" baseline="0" dirty="0">
+                <a:ln>
+                  <a:noFill/>
+                </a:ln>
+                <a:solidFill>
+                  <a:srgbClr val="7D353B"/>
+                </a:solidFill>
+                <a:effectLst/>
+                <a:latin typeface="Source Sans Pro" panose="020B0503030403020204" pitchFamily="34" charset="0"/>
+              </a:rPr>
+              <a:t> </a:t>
+            </a:r>
+            <a:r>
+              <a:rPr kumimoji="0" lang="ru-RU" altLang="ru-RU" sz="1200" b="0" i="0" u="none" strike="noStrike" cap="none" normalizeH="0" baseline="0" dirty="0" err="1">
+                <a:ln>
+                  <a:noFill/>
+                </a:ln>
+                <a:solidFill>
+                  <a:srgbClr val="7D353B"/>
+                </a:solidFill>
+                <a:effectLst/>
+                <a:latin typeface="Source Sans Pro" panose="020B0503030403020204" pitchFamily="34" charset="0"/>
+              </a:rPr>
+              <a:t>your</a:t>
+            </a:r>
+            <a:r>
+              <a:rPr kumimoji="0" lang="ru-RU" altLang="ru-RU" sz="1200" b="0" i="0" u="none" strike="noStrike" cap="none" normalizeH="0" baseline="0" dirty="0">
+                <a:ln>
+                  <a:noFill/>
+                </a:ln>
+                <a:solidFill>
+                  <a:srgbClr val="7D353B"/>
+                </a:solidFill>
+                <a:effectLst/>
+                <a:latin typeface="Source Sans Pro" panose="020B0503030403020204" pitchFamily="34" charset="0"/>
+              </a:rPr>
+              <a:t> </a:t>
+            </a:r>
+            <a:r>
+              <a:rPr kumimoji="0" lang="ru-RU" altLang="ru-RU" sz="1200" b="0" i="0" u="none" strike="noStrike" cap="none" normalizeH="0" baseline="0" dirty="0" err="1">
+                <a:ln>
+                  <a:noFill/>
+                </a:ln>
+                <a:solidFill>
+                  <a:srgbClr val="7D353B"/>
+                </a:solidFill>
+                <a:effectLst/>
+                <a:latin typeface="Source Sans Pro" panose="020B0503030403020204" pitchFamily="34" charset="0"/>
+              </a:rPr>
+              <a:t>app</a:t>
+            </a:r>
+            <a:r>
+              <a:rPr kumimoji="0" lang="ru-RU" altLang="ru-RU" sz="1200" b="0" i="0" u="none" strike="noStrike" cap="none" normalizeH="0" baseline="0" dirty="0">
+                <a:ln>
+                  <a:noFill/>
+                </a:ln>
+                <a:solidFill>
+                  <a:srgbClr val="7D353B"/>
+                </a:solidFill>
+                <a:effectLst/>
+                <a:latin typeface="Source Sans Pro" panose="020B0503030403020204" pitchFamily="34" charset="0"/>
+              </a:rPr>
+              <a:t>).</a:t>
+            </a:r>
+          </a:p>
+          <a:p>
+            <a:pPr marL="0" marR="0" lvl="0" indent="0" algn="l" defTabSz="914400" rtl="0" eaLnBrk="0" fontAlgn="base" latinLnBrk="0" hangingPunct="0">
+              <a:lnSpc>
+                <a:spcPct val="100000"/>
+              </a:lnSpc>
+              <a:spcBef>
+                <a:spcPct val="0"/>
+              </a:spcBef>
+              <a:spcAft>
+                <a:spcPct val="0"/>
+              </a:spcAft>
+              <a:buClrTx/>
+              <a:buSzTx/>
+              <a:buFontTx/>
+              <a:buNone/>
+              <a:tabLst/>
+            </a:pPr>
+            <a:r>
+              <a:rPr kumimoji="0" lang="ru-RU" altLang="ru-RU" sz="1200" b="0" i="0" u="none" strike="noStrike" cap="none" normalizeH="0" baseline="0" dirty="0" err="1">
+                <a:ln>
+                  <a:noFill/>
+                </a:ln>
+                <a:solidFill>
+                  <a:srgbClr val="7D353B"/>
+                </a:solidFill>
+                <a:effectLst/>
+                <a:latin typeface="Source Sans Pro" panose="020B0503030403020204" pitchFamily="34" charset="0"/>
+              </a:rPr>
+              <a:t>Traceback</a:t>
+            </a:r>
+            <a:r>
+              <a:rPr kumimoji="0" lang="ru-RU" altLang="ru-RU" sz="1200" b="0" i="0" u="none" strike="noStrike" cap="none" normalizeH="0" baseline="0" dirty="0">
+                <a:ln>
+                  <a:noFill/>
+                </a:ln>
+                <a:solidFill>
+                  <a:srgbClr val="7D353B"/>
+                </a:solidFill>
+                <a:effectLst/>
+                <a:latin typeface="Source Sans Pro" panose="020B0503030403020204" pitchFamily="34" charset="0"/>
+              </a:rPr>
+              <a:t>:</a:t>
+            </a:r>
+            <a:endParaRPr kumimoji="0" lang="ru-RU" altLang="ru-RU" sz="1000" b="0" i="0" u="none" strike="noStrike" cap="none" normalizeH="0" baseline="0" dirty="0">
+              <a:ln>
+                <a:noFill/>
+              </a:ln>
+              <a:solidFill>
+                <a:srgbClr val="7D353B"/>
+              </a:solidFill>
+              <a:effectLst/>
+              <a:latin typeface="Source Code Pro"/>
+            </a:endParaRPr>
+          </a:p>
+          <a:p>
+            <a:pPr marL="0" marR="0" lvl="0" indent="0" algn="l" defTabSz="914400" rtl="0" eaLnBrk="0" fontAlgn="base" latinLnBrk="0" hangingPunct="0">
+              <a:lnSpc>
+                <a:spcPct val="100000"/>
+              </a:lnSpc>
+              <a:spcBef>
+                <a:spcPct val="0"/>
+              </a:spcBef>
+              <a:spcAft>
+                <a:spcPct val="0"/>
+              </a:spcAft>
+              <a:buClrTx/>
+              <a:buSzTx/>
+              <a:buFontTx/>
+              <a:buNone/>
+              <a:tabLst/>
+            </a:pPr>
+            <a:r>
+              <a:rPr kumimoji="0" lang="ru-RU" altLang="ru-RU" sz="1000" b="0" i="0" u="none" strike="noStrike" cap="none" normalizeH="0" baseline="0" dirty="0" err="1">
+                <a:ln>
+                  <a:noFill/>
+                </a:ln>
+                <a:solidFill>
+                  <a:srgbClr val="7D353B"/>
+                </a:solidFill>
+                <a:effectLst/>
+                <a:latin typeface="Source Code Pro"/>
+              </a:rPr>
+              <a:t>File</a:t>
+            </a:r>
+            <a:r>
+              <a:rPr kumimoji="0" lang="ru-RU" altLang="ru-RU" sz="1000" b="0" i="0" u="none" strike="noStrike" cap="none" normalizeH="0" baseline="0" dirty="0">
+                <a:ln>
+                  <a:noFill/>
+                </a:ln>
+                <a:solidFill>
+                  <a:srgbClr val="7D353B"/>
+                </a:solidFill>
+                <a:effectLst/>
+                <a:latin typeface="Source Code Pro"/>
+              </a:rPr>
+              <a:t> "/</a:t>
+            </a:r>
+            <a:r>
+              <a:rPr kumimoji="0" lang="ru-RU" altLang="ru-RU" sz="1000" b="0" i="0" u="none" strike="noStrike" cap="none" normalizeH="0" baseline="0" dirty="0" err="1">
+                <a:ln>
+                  <a:noFill/>
+                </a:ln>
+                <a:solidFill>
+                  <a:srgbClr val="7D353B"/>
+                </a:solidFill>
+                <a:effectLst/>
+                <a:latin typeface="Source Code Pro"/>
+              </a:rPr>
+              <a:t>home</a:t>
+            </a:r>
+            <a:r>
+              <a:rPr kumimoji="0" lang="ru-RU" altLang="ru-RU" sz="1000" b="0" i="0" u="none" strike="noStrike" cap="none" normalizeH="0" baseline="0" dirty="0">
+                <a:ln>
+                  <a:noFill/>
+                </a:ln>
+                <a:solidFill>
+                  <a:srgbClr val="7D353B"/>
+                </a:solidFill>
+                <a:effectLst/>
+                <a:latin typeface="Source Code Pro"/>
+              </a:rPr>
+              <a:t>/</a:t>
+            </a:r>
+            <a:r>
+              <a:rPr kumimoji="0" lang="ru-RU" altLang="ru-RU" sz="1000" b="0" i="0" u="none" strike="noStrike" cap="none" normalizeH="0" baseline="0" dirty="0" err="1">
+                <a:ln>
+                  <a:noFill/>
+                </a:ln>
+                <a:solidFill>
+                  <a:srgbClr val="7D353B"/>
+                </a:solidFill>
+                <a:effectLst/>
+                <a:latin typeface="Source Code Pro"/>
+              </a:rPr>
+              <a:t>appuser</a:t>
+            </a:r>
+            <a:r>
+              <a:rPr kumimoji="0" lang="ru-RU" altLang="ru-RU" sz="1000" b="0" i="0" u="none" strike="noStrike" cap="none" normalizeH="0" baseline="0" dirty="0">
+                <a:ln>
+                  <a:noFill/>
+                </a:ln>
+                <a:solidFill>
+                  <a:srgbClr val="7D353B"/>
+                </a:solidFill>
+                <a:effectLst/>
+                <a:latin typeface="Source Code Pro"/>
+              </a:rPr>
+              <a:t>/</a:t>
+            </a:r>
+            <a:r>
+              <a:rPr kumimoji="0" lang="ru-RU" altLang="ru-RU" sz="1000" b="0" i="0" u="none" strike="noStrike" cap="none" normalizeH="0" baseline="0" dirty="0" err="1">
+                <a:ln>
+                  <a:noFill/>
+                </a:ln>
+                <a:solidFill>
+                  <a:srgbClr val="7D353B"/>
+                </a:solidFill>
+                <a:effectLst/>
+                <a:latin typeface="Source Code Pro"/>
+              </a:rPr>
+              <a:t>venv</a:t>
+            </a:r>
+            <a:r>
+              <a:rPr kumimoji="0" lang="ru-RU" altLang="ru-RU" sz="1000" b="0" i="0" u="none" strike="noStrike" cap="none" normalizeH="0" baseline="0" dirty="0">
+                <a:ln>
+                  <a:noFill/>
+                </a:ln>
+                <a:solidFill>
+                  <a:srgbClr val="7D353B"/>
+                </a:solidFill>
+                <a:effectLst/>
+                <a:latin typeface="Source Code Pro"/>
+              </a:rPr>
+              <a:t>/</a:t>
+            </a:r>
+            <a:r>
+              <a:rPr kumimoji="0" lang="ru-RU" altLang="ru-RU" sz="1000" b="0" i="0" u="none" strike="noStrike" cap="none" normalizeH="0" baseline="0" dirty="0" err="1">
+                <a:ln>
+                  <a:noFill/>
+                </a:ln>
+                <a:solidFill>
+                  <a:srgbClr val="7D353B"/>
+                </a:solidFill>
+                <a:effectLst/>
+                <a:latin typeface="Source Code Pro"/>
+              </a:rPr>
+              <a:t>lib</a:t>
+            </a:r>
+            <a:r>
+              <a:rPr kumimoji="0" lang="ru-RU" altLang="ru-RU" sz="1000" b="0" i="0" u="none" strike="noStrike" cap="none" normalizeH="0" baseline="0" dirty="0">
+                <a:ln>
+                  <a:noFill/>
+                </a:ln>
+                <a:solidFill>
+                  <a:srgbClr val="7D353B"/>
+                </a:solidFill>
+                <a:effectLst/>
+                <a:latin typeface="Source Code Pro"/>
+              </a:rPr>
+              <a:t>/python3.9/</a:t>
+            </a:r>
+            <a:r>
+              <a:rPr kumimoji="0" lang="ru-RU" altLang="ru-RU" sz="1000" b="0" i="0" u="none" strike="noStrike" cap="none" normalizeH="0" baseline="0" dirty="0" err="1">
+                <a:ln>
+                  <a:noFill/>
+                </a:ln>
+                <a:solidFill>
+                  <a:srgbClr val="7D353B"/>
+                </a:solidFill>
+                <a:effectLst/>
+                <a:latin typeface="Source Code Pro"/>
+              </a:rPr>
+              <a:t>site-packages</a:t>
+            </a:r>
+            <a:r>
+              <a:rPr kumimoji="0" lang="ru-RU" altLang="ru-RU" sz="1000" b="0" i="0" u="none" strike="noStrike" cap="none" normalizeH="0" baseline="0" dirty="0">
+                <a:ln>
+                  <a:noFill/>
+                </a:ln>
+                <a:solidFill>
+                  <a:srgbClr val="7D353B"/>
+                </a:solidFill>
+                <a:effectLst/>
+                <a:latin typeface="Source Code Pro"/>
+              </a:rPr>
+              <a:t>/</a:t>
+            </a:r>
+            <a:r>
+              <a:rPr kumimoji="0" lang="ru-RU" altLang="ru-RU" sz="1000" b="0" i="0" u="none" strike="noStrike" cap="none" normalizeH="0" baseline="0" dirty="0" err="1">
+                <a:ln>
+                  <a:noFill/>
+                </a:ln>
+                <a:solidFill>
+                  <a:srgbClr val="7D353B"/>
+                </a:solidFill>
+                <a:effectLst/>
+                <a:latin typeface="Source Code Pro"/>
+              </a:rPr>
+              <a:t>streamlit</a:t>
+            </a:r>
+            <a:r>
+              <a:rPr kumimoji="0" lang="ru-RU" altLang="ru-RU" sz="1000" b="0" i="0" u="none" strike="noStrike" cap="none" normalizeH="0" baseline="0" dirty="0">
+                <a:ln>
+                  <a:noFill/>
+                </a:ln>
+                <a:solidFill>
+                  <a:srgbClr val="7D353B"/>
+                </a:solidFill>
+                <a:effectLst/>
+                <a:latin typeface="Source Code Pro"/>
+              </a:rPr>
+              <a:t>/</a:t>
+            </a:r>
+            <a:r>
+              <a:rPr kumimoji="0" lang="ru-RU" altLang="ru-RU" sz="1000" b="0" i="0" u="none" strike="noStrike" cap="none" normalizeH="0" baseline="0" dirty="0" err="1">
+                <a:ln>
+                  <a:noFill/>
+                </a:ln>
+                <a:solidFill>
+                  <a:srgbClr val="7D353B"/>
+                </a:solidFill>
+                <a:effectLst/>
+                <a:latin typeface="Source Code Pro"/>
+              </a:rPr>
+              <a:t>runtime</a:t>
+            </a:r>
+            <a:r>
+              <a:rPr kumimoji="0" lang="ru-RU" altLang="ru-RU" sz="1000" b="0" i="0" u="none" strike="noStrike" cap="none" normalizeH="0" baseline="0" dirty="0">
+                <a:ln>
+                  <a:noFill/>
+                </a:ln>
+                <a:solidFill>
+                  <a:srgbClr val="7D353B"/>
+                </a:solidFill>
+                <a:effectLst/>
+                <a:latin typeface="Source Code Pro"/>
+              </a:rPr>
+              <a:t>/</a:t>
+            </a:r>
+            <a:r>
+              <a:rPr kumimoji="0" lang="ru-RU" altLang="ru-RU" sz="1000" b="0" i="0" u="none" strike="noStrike" cap="none" normalizeH="0" baseline="0" dirty="0" err="1">
+                <a:ln>
+                  <a:noFill/>
+                </a:ln>
+                <a:solidFill>
+                  <a:srgbClr val="7D353B"/>
+                </a:solidFill>
+                <a:effectLst/>
+                <a:latin typeface="Source Code Pro"/>
+              </a:rPr>
+              <a:t>scriptrunner</a:t>
+            </a:r>
+            <a:r>
+              <a:rPr kumimoji="0" lang="ru-RU" altLang="ru-RU" sz="1000" b="0" i="0" u="none" strike="noStrike" cap="none" normalizeH="0" baseline="0" dirty="0">
+                <a:ln>
+                  <a:noFill/>
+                </a:ln>
+                <a:solidFill>
+                  <a:srgbClr val="7D353B"/>
+                </a:solidFill>
+                <a:effectLst/>
+                <a:latin typeface="Source Code Pro"/>
+              </a:rPr>
+              <a:t>/script_runner.py", </a:t>
+            </a:r>
+            <a:r>
+              <a:rPr kumimoji="0" lang="ru-RU" altLang="ru-RU" sz="1000" b="0" i="0" u="none" strike="noStrike" cap="none" normalizeH="0" baseline="0" dirty="0" err="1">
+                <a:ln>
+                  <a:noFill/>
+                </a:ln>
+                <a:solidFill>
+                  <a:srgbClr val="7D353B"/>
+                </a:solidFill>
+                <a:effectLst/>
+                <a:latin typeface="Source Code Pro"/>
+              </a:rPr>
+              <a:t>line</a:t>
+            </a:r>
+            <a:r>
+              <a:rPr kumimoji="0" lang="ru-RU" altLang="ru-RU" sz="1000" b="0" i="0" u="none" strike="noStrike" cap="none" normalizeH="0" baseline="0" dirty="0">
+                <a:ln>
+                  <a:noFill/>
+                </a:ln>
+                <a:solidFill>
+                  <a:srgbClr val="7D353B"/>
+                </a:solidFill>
+                <a:effectLst/>
+                <a:latin typeface="Source Code Pro"/>
+              </a:rPr>
+              <a:t> 565, </a:t>
+            </a:r>
+            <a:r>
+              <a:rPr kumimoji="0" lang="ru-RU" altLang="ru-RU" sz="1000" b="0" i="0" u="none" strike="noStrike" cap="none" normalizeH="0" baseline="0" dirty="0" err="1">
+                <a:ln>
+                  <a:noFill/>
+                </a:ln>
+                <a:solidFill>
+                  <a:srgbClr val="7D353B"/>
+                </a:solidFill>
+                <a:effectLst/>
+                <a:latin typeface="Source Code Pro"/>
+              </a:rPr>
+              <a:t>in</a:t>
+            </a:r>
+            <a:r>
+              <a:rPr kumimoji="0" lang="ru-RU" altLang="ru-RU" sz="1000" b="0" i="0" u="none" strike="noStrike" cap="none" normalizeH="0" baseline="0" dirty="0">
+                <a:ln>
+                  <a:noFill/>
+                </a:ln>
+                <a:solidFill>
+                  <a:srgbClr val="7D353B"/>
+                </a:solidFill>
+                <a:effectLst/>
+                <a:latin typeface="Source Code Pro"/>
+              </a:rPr>
+              <a:t> _</a:t>
+            </a:r>
+            <a:r>
+              <a:rPr kumimoji="0" lang="ru-RU" altLang="ru-RU" sz="1000" b="0" i="0" u="none" strike="noStrike" cap="none" normalizeH="0" baseline="0" dirty="0" err="1">
+                <a:ln>
+                  <a:noFill/>
+                </a:ln>
+                <a:solidFill>
+                  <a:srgbClr val="7D353B"/>
+                </a:solidFill>
+                <a:effectLst/>
+                <a:latin typeface="Source Code Pro"/>
+              </a:rPr>
+              <a:t>run_script</a:t>
+            </a:r>
+            <a:r>
+              <a:rPr kumimoji="0" lang="ru-RU" altLang="ru-RU" sz="1000" b="0" i="0" u="none" strike="noStrike" cap="none" normalizeH="0" baseline="0" dirty="0">
+                <a:ln>
+                  <a:noFill/>
+                </a:ln>
+                <a:solidFill>
+                  <a:srgbClr val="7D353B"/>
+                </a:solidFill>
+                <a:effectLst/>
+                <a:latin typeface="Source Code Pro"/>
+              </a:rPr>
+              <a:t> </a:t>
+            </a:r>
+            <a:r>
+              <a:rPr kumimoji="0" lang="ru-RU" altLang="ru-RU" sz="1000" b="0" i="0" u="none" strike="noStrike" cap="none" normalizeH="0" baseline="0" dirty="0" err="1">
+                <a:ln>
+                  <a:noFill/>
+                </a:ln>
+                <a:solidFill>
+                  <a:srgbClr val="7D353B"/>
+                </a:solidFill>
+                <a:effectLst/>
+                <a:latin typeface="Source Code Pro"/>
+              </a:rPr>
+              <a:t>exec</a:t>
+            </a:r>
+            <a:r>
+              <a:rPr kumimoji="0" lang="ru-RU" altLang="ru-RU" sz="1000" b="0" i="0" u="none" strike="noStrike" cap="none" normalizeH="0" baseline="0" dirty="0">
+                <a:ln>
+                  <a:noFill/>
+                </a:ln>
+                <a:solidFill>
+                  <a:srgbClr val="7D353B"/>
+                </a:solidFill>
+                <a:effectLst/>
+                <a:latin typeface="Source Code Pro"/>
+              </a:rPr>
+              <a:t>(</a:t>
+            </a:r>
+            <a:r>
+              <a:rPr kumimoji="0" lang="ru-RU" altLang="ru-RU" sz="1000" b="0" i="0" u="none" strike="noStrike" cap="none" normalizeH="0" baseline="0" dirty="0" err="1">
+                <a:ln>
+                  <a:noFill/>
+                </a:ln>
+                <a:solidFill>
+                  <a:srgbClr val="7D353B"/>
+                </a:solidFill>
+                <a:effectLst/>
+                <a:latin typeface="Source Code Pro"/>
+              </a:rPr>
+              <a:t>code</a:t>
+            </a:r>
+            <a:r>
+              <a:rPr kumimoji="0" lang="ru-RU" altLang="ru-RU" sz="1000" b="0" i="0" u="none" strike="noStrike" cap="none" normalizeH="0" baseline="0" dirty="0">
+                <a:ln>
+                  <a:noFill/>
+                </a:ln>
+                <a:solidFill>
+                  <a:srgbClr val="7D353B"/>
+                </a:solidFill>
+                <a:effectLst/>
+                <a:latin typeface="Source Code Pro"/>
+              </a:rPr>
+              <a:t>, </a:t>
+            </a:r>
+            <a:r>
+              <a:rPr kumimoji="0" lang="ru-RU" altLang="ru-RU" sz="1000" b="0" i="0" u="none" strike="noStrike" cap="none" normalizeH="0" baseline="0" dirty="0" err="1">
+                <a:ln>
+                  <a:noFill/>
+                </a:ln>
+                <a:solidFill>
+                  <a:srgbClr val="7D353B"/>
+                </a:solidFill>
+                <a:effectLst/>
+                <a:latin typeface="Source Code Pro"/>
+              </a:rPr>
+              <a:t>module</a:t>
+            </a:r>
+            <a:r>
+              <a:rPr kumimoji="0" lang="ru-RU" altLang="ru-RU" sz="1000" b="0" i="0" u="none" strike="noStrike" cap="none" normalizeH="0" baseline="0" dirty="0">
+                <a:ln>
+                  <a:noFill/>
+                </a:ln>
+                <a:solidFill>
+                  <a:srgbClr val="7D353B"/>
+                </a:solidFill>
+                <a:effectLst/>
+                <a:latin typeface="Source Code Pro"/>
+              </a:rPr>
+              <a:t>.__</a:t>
+            </a:r>
+            <a:r>
+              <a:rPr kumimoji="0" lang="ru-RU" altLang="ru-RU" sz="1000" b="0" i="0" u="none" strike="noStrike" cap="none" normalizeH="0" baseline="0" dirty="0" err="1">
+                <a:ln>
+                  <a:noFill/>
+                </a:ln>
+                <a:solidFill>
+                  <a:srgbClr val="7D353B"/>
+                </a:solidFill>
+                <a:effectLst/>
+                <a:latin typeface="Source Code Pro"/>
+              </a:rPr>
+              <a:t>dict</a:t>
+            </a:r>
+            <a:r>
+              <a:rPr kumimoji="0" lang="ru-RU" altLang="ru-RU" sz="1000" b="0" i="0" u="none" strike="noStrike" cap="none" normalizeH="0" baseline="0" dirty="0">
+                <a:ln>
+                  <a:noFill/>
+                </a:ln>
+                <a:solidFill>
+                  <a:srgbClr val="7D353B"/>
+                </a:solidFill>
+                <a:effectLst/>
+                <a:latin typeface="Source Code Pro"/>
+              </a:rPr>
+              <a:t>__)</a:t>
+            </a:r>
+          </a:p>
+          <a:p>
+            <a:pPr marL="0" marR="0" lvl="0" indent="0" algn="l" defTabSz="914400" rtl="0" eaLnBrk="0" fontAlgn="base" latinLnBrk="0" hangingPunct="0">
+              <a:lnSpc>
+                <a:spcPct val="100000"/>
+              </a:lnSpc>
+              <a:spcBef>
+                <a:spcPct val="0"/>
+              </a:spcBef>
+              <a:spcAft>
+                <a:spcPct val="0"/>
+              </a:spcAft>
+              <a:buClrTx/>
+              <a:buSzTx/>
+              <a:buFontTx/>
+              <a:buNone/>
+              <a:tabLst/>
+            </a:pPr>
+            <a:r>
+              <a:rPr kumimoji="0" lang="ru-RU" altLang="ru-RU" sz="1000" b="0" i="0" u="none" strike="noStrike" cap="none" normalizeH="0" baseline="0" dirty="0" err="1">
+                <a:ln>
+                  <a:noFill/>
+                </a:ln>
+                <a:solidFill>
+                  <a:srgbClr val="7D353B"/>
+                </a:solidFill>
+                <a:effectLst/>
+                <a:latin typeface="Source Code Pro"/>
+              </a:rPr>
+              <a:t>File</a:t>
+            </a:r>
+            <a:r>
+              <a:rPr kumimoji="0" lang="ru-RU" altLang="ru-RU" sz="1000" b="0" i="0" u="none" strike="noStrike" cap="none" normalizeH="0" baseline="0" dirty="0">
+                <a:ln>
+                  <a:noFill/>
+                </a:ln>
+                <a:solidFill>
+                  <a:srgbClr val="7D353B"/>
+                </a:solidFill>
+                <a:effectLst/>
+                <a:latin typeface="Source Code Pro"/>
+              </a:rPr>
+              <a:t> "/</a:t>
+            </a:r>
+            <a:r>
+              <a:rPr kumimoji="0" lang="ru-RU" altLang="ru-RU" sz="1000" b="0" i="0" u="none" strike="noStrike" cap="none" normalizeH="0" baseline="0" dirty="0" err="1">
+                <a:ln>
+                  <a:noFill/>
+                </a:ln>
+                <a:solidFill>
+                  <a:srgbClr val="7D353B"/>
+                </a:solidFill>
+                <a:effectLst/>
+                <a:latin typeface="Source Code Pro"/>
+              </a:rPr>
+              <a:t>app</a:t>
+            </a:r>
+            <a:r>
+              <a:rPr kumimoji="0" lang="ru-RU" altLang="ru-RU" sz="1000" b="0" i="0" u="none" strike="noStrike" cap="none" normalizeH="0" baseline="0" dirty="0">
+                <a:ln>
+                  <a:noFill/>
+                </a:ln>
+                <a:solidFill>
+                  <a:srgbClr val="7D353B"/>
+                </a:solidFill>
+                <a:effectLst/>
+                <a:latin typeface="Source Code Pro"/>
+              </a:rPr>
+              <a:t>/</a:t>
+            </a:r>
+            <a:r>
+              <a:rPr kumimoji="0" lang="ru-RU" altLang="ru-RU" sz="1000" b="0" i="0" u="none" strike="noStrike" cap="none" normalizeH="0" baseline="0" dirty="0" err="1">
+                <a:ln>
+                  <a:noFill/>
+                </a:ln>
+                <a:solidFill>
+                  <a:srgbClr val="7D353B"/>
+                </a:solidFill>
+                <a:effectLst/>
+                <a:latin typeface="Source Code Pro"/>
+              </a:rPr>
+              <a:t>orbitr</a:t>
+            </a:r>
+            <a:r>
+              <a:rPr kumimoji="0" lang="ru-RU" altLang="ru-RU" sz="1000" b="0" i="0" u="none" strike="noStrike" cap="none" normalizeH="0" baseline="0" dirty="0">
+                <a:ln>
+                  <a:noFill/>
+                </a:ln>
+                <a:solidFill>
+                  <a:srgbClr val="7D353B"/>
+                </a:solidFill>
+                <a:effectLst/>
+                <a:latin typeface="Source Code Pro"/>
+              </a:rPr>
+              <a:t>/orbitr.py", </a:t>
+            </a:r>
+            <a:r>
+              <a:rPr kumimoji="0" lang="ru-RU" altLang="ru-RU" sz="1000" b="0" i="0" u="none" strike="noStrike" cap="none" normalizeH="0" baseline="0" dirty="0" err="1">
+                <a:ln>
+                  <a:noFill/>
+                </a:ln>
+                <a:solidFill>
+                  <a:srgbClr val="7D353B"/>
+                </a:solidFill>
+                <a:effectLst/>
+                <a:latin typeface="Source Code Pro"/>
+              </a:rPr>
+              <a:t>line</a:t>
+            </a:r>
+            <a:r>
+              <a:rPr kumimoji="0" lang="ru-RU" altLang="ru-RU" sz="1000" b="0" i="0" u="none" strike="noStrike" cap="none" normalizeH="0" baseline="0" dirty="0">
+                <a:ln>
+                  <a:noFill/>
+                </a:ln>
+                <a:solidFill>
+                  <a:srgbClr val="7D353B"/>
+                </a:solidFill>
+                <a:effectLst/>
+                <a:latin typeface="Source Code Pro"/>
+              </a:rPr>
+              <a:t> 94, </a:t>
+            </a:r>
+            <a:r>
+              <a:rPr kumimoji="0" lang="ru-RU" altLang="ru-RU" sz="1000" b="0" i="0" u="none" strike="noStrike" cap="none" normalizeH="0" baseline="0" dirty="0" err="1">
+                <a:ln>
+                  <a:noFill/>
+                </a:ln>
+                <a:solidFill>
+                  <a:srgbClr val="7D353B"/>
+                </a:solidFill>
+                <a:effectLst/>
+                <a:latin typeface="Source Code Pro"/>
+              </a:rPr>
+              <a:t>in</a:t>
+            </a:r>
+            <a:r>
+              <a:rPr kumimoji="0" lang="ru-RU" altLang="ru-RU" sz="1000" b="0" i="0" u="none" strike="noStrike" cap="none" normalizeH="0" baseline="0" dirty="0">
+                <a:ln>
+                  <a:noFill/>
+                </a:ln>
+                <a:solidFill>
+                  <a:srgbClr val="7D353B"/>
+                </a:solidFill>
+                <a:effectLst/>
+                <a:latin typeface="Source Code Pro"/>
+              </a:rPr>
+              <a:t> &lt;</a:t>
+            </a:r>
+            <a:r>
+              <a:rPr kumimoji="0" lang="ru-RU" altLang="ru-RU" sz="1000" b="0" i="0" u="none" strike="noStrike" cap="none" normalizeH="0" baseline="0" dirty="0" err="1">
+                <a:ln>
+                  <a:noFill/>
+                </a:ln>
+                <a:solidFill>
+                  <a:srgbClr val="7D353B"/>
+                </a:solidFill>
+                <a:effectLst/>
+                <a:latin typeface="Source Code Pro"/>
+              </a:rPr>
+              <a:t>module</a:t>
+            </a:r>
+            <a:r>
+              <a:rPr kumimoji="0" lang="ru-RU" altLang="ru-RU" sz="1000" b="0" i="0" u="none" strike="noStrike" cap="none" normalizeH="0" baseline="0" dirty="0">
+                <a:ln>
+                  <a:noFill/>
+                </a:ln>
+                <a:solidFill>
+                  <a:srgbClr val="7D353B"/>
+                </a:solidFill>
+                <a:effectLst/>
+                <a:latin typeface="Source Code Pro"/>
+              </a:rPr>
+              <a:t>&gt; </a:t>
+            </a:r>
+            <a:r>
+              <a:rPr kumimoji="0" lang="ru-RU" altLang="ru-RU" sz="1000" b="0" i="0" u="none" strike="noStrike" cap="none" normalizeH="0" baseline="0" dirty="0" err="1">
+                <a:ln>
+                  <a:noFill/>
+                </a:ln>
+                <a:solidFill>
+                  <a:srgbClr val="7D353B"/>
+                </a:solidFill>
+                <a:effectLst/>
+                <a:latin typeface="Source Code Pro"/>
+              </a:rPr>
+              <a:t>print_predictions</a:t>
+            </a:r>
+            <a:r>
+              <a:rPr kumimoji="0" lang="ru-RU" altLang="ru-RU" sz="1000" b="0" i="0" u="none" strike="noStrike" cap="none" normalizeH="0" baseline="0" dirty="0">
+                <a:ln>
+                  <a:noFill/>
+                </a:ln>
+                <a:solidFill>
+                  <a:srgbClr val="7D353B"/>
+                </a:solidFill>
+                <a:effectLst/>
+                <a:latin typeface="Source Code Pro"/>
+              </a:rPr>
+              <a:t>(</a:t>
+            </a:r>
+            <a:r>
+              <a:rPr kumimoji="0" lang="ru-RU" altLang="ru-RU" sz="1000" b="0" i="0" u="none" strike="noStrike" cap="none" normalizeH="0" baseline="0" dirty="0" err="1">
+                <a:ln>
+                  <a:noFill/>
+                </a:ln>
+                <a:solidFill>
+                  <a:srgbClr val="7D353B"/>
+                </a:solidFill>
+                <a:effectLst/>
+                <a:latin typeface="Source Code Pro"/>
+              </a:rPr>
+              <a:t>preds</a:t>
+            </a:r>
+            <a:r>
+              <a:rPr kumimoji="0" lang="ru-RU" altLang="ru-RU" sz="1000" b="0" i="0" u="none" strike="noStrike" cap="none" normalizeH="0" baseline="0" dirty="0">
+                <a:ln>
+                  <a:noFill/>
+                </a:ln>
+                <a:solidFill>
+                  <a:srgbClr val="7D353B"/>
+                </a:solidFill>
+                <a:effectLst/>
+                <a:latin typeface="Source Code Pro"/>
+              </a:rPr>
+              <a:t>)</a:t>
+            </a:r>
+          </a:p>
+          <a:p>
+            <a:pPr marL="0" marR="0" lvl="0" indent="0" algn="l" defTabSz="914400" rtl="0" eaLnBrk="0" fontAlgn="base" latinLnBrk="0" hangingPunct="0">
+              <a:lnSpc>
+                <a:spcPct val="100000"/>
+              </a:lnSpc>
+              <a:spcBef>
+                <a:spcPct val="0"/>
+              </a:spcBef>
+              <a:spcAft>
+                <a:spcPct val="0"/>
+              </a:spcAft>
+              <a:buClrTx/>
+              <a:buSzTx/>
+              <a:buFontTx/>
+              <a:buNone/>
+              <a:tabLst/>
+            </a:pPr>
+            <a:r>
+              <a:rPr kumimoji="0" lang="ru-RU" altLang="ru-RU" sz="1000" b="0" i="0" u="none" strike="noStrike" cap="none" normalizeH="0" baseline="0" dirty="0" err="1">
+                <a:ln>
+                  <a:noFill/>
+                </a:ln>
+                <a:solidFill>
+                  <a:srgbClr val="7D353B"/>
+                </a:solidFill>
+                <a:effectLst/>
+                <a:latin typeface="Source Code Pro"/>
+              </a:rPr>
+              <a:t>File</a:t>
+            </a:r>
+            <a:r>
+              <a:rPr kumimoji="0" lang="ru-RU" altLang="ru-RU" sz="1000" b="0" i="0" u="none" strike="noStrike" cap="none" normalizeH="0" baseline="0" dirty="0">
+                <a:ln>
+                  <a:noFill/>
+                </a:ln>
+                <a:solidFill>
+                  <a:srgbClr val="7D353B"/>
+                </a:solidFill>
+                <a:effectLst/>
+                <a:latin typeface="Source Code Pro"/>
+              </a:rPr>
+              <a:t> "/</a:t>
+            </a:r>
+            <a:r>
+              <a:rPr kumimoji="0" lang="ru-RU" altLang="ru-RU" sz="1000" b="0" i="0" u="none" strike="noStrike" cap="none" normalizeH="0" baseline="0" dirty="0" err="1">
+                <a:ln>
+                  <a:noFill/>
+                </a:ln>
+                <a:solidFill>
+                  <a:srgbClr val="7D353B"/>
+                </a:solidFill>
+                <a:effectLst/>
+                <a:latin typeface="Source Code Pro"/>
+              </a:rPr>
+              <a:t>app</a:t>
+            </a:r>
+            <a:r>
+              <a:rPr kumimoji="0" lang="ru-RU" altLang="ru-RU" sz="1000" b="0" i="0" u="none" strike="noStrike" cap="none" normalizeH="0" baseline="0" dirty="0">
+                <a:ln>
+                  <a:noFill/>
+                </a:ln>
+                <a:solidFill>
+                  <a:srgbClr val="7D353B"/>
+                </a:solidFill>
+                <a:effectLst/>
+                <a:latin typeface="Source Code Pro"/>
+              </a:rPr>
+              <a:t>/</a:t>
+            </a:r>
+            <a:r>
+              <a:rPr kumimoji="0" lang="ru-RU" altLang="ru-RU" sz="1000" b="0" i="0" u="none" strike="noStrike" cap="none" normalizeH="0" baseline="0" dirty="0" err="1">
+                <a:ln>
+                  <a:noFill/>
+                </a:ln>
+                <a:solidFill>
+                  <a:srgbClr val="7D353B"/>
+                </a:solidFill>
+                <a:effectLst/>
+                <a:latin typeface="Source Code Pro"/>
+              </a:rPr>
+              <a:t>orbitr</a:t>
+            </a:r>
+            <a:r>
+              <a:rPr kumimoji="0" lang="ru-RU" altLang="ru-RU" sz="1000" b="0" i="0" u="none" strike="noStrike" cap="none" normalizeH="0" baseline="0" dirty="0">
+                <a:ln>
+                  <a:noFill/>
+                </a:ln>
+                <a:solidFill>
+                  <a:srgbClr val="7D353B"/>
+                </a:solidFill>
+                <a:effectLst/>
+                <a:latin typeface="Source Code Pro"/>
+              </a:rPr>
+              <a:t>/orbitr.py", </a:t>
+            </a:r>
+            <a:r>
+              <a:rPr kumimoji="0" lang="ru-RU" altLang="ru-RU" sz="1000" b="0" i="0" u="none" strike="noStrike" cap="none" normalizeH="0" baseline="0" dirty="0" err="1">
+                <a:ln>
+                  <a:noFill/>
+                </a:ln>
+                <a:solidFill>
+                  <a:srgbClr val="7D353B"/>
+                </a:solidFill>
+                <a:effectLst/>
+                <a:latin typeface="Source Code Pro"/>
+              </a:rPr>
+              <a:t>line</a:t>
+            </a:r>
+            <a:r>
+              <a:rPr kumimoji="0" lang="ru-RU" altLang="ru-RU" sz="1000" b="0" i="0" u="none" strike="noStrike" cap="none" normalizeH="0" baseline="0" dirty="0">
+                <a:ln>
+                  <a:noFill/>
+                </a:ln>
+                <a:solidFill>
+                  <a:srgbClr val="7D353B"/>
+                </a:solidFill>
+                <a:effectLst/>
+                <a:latin typeface="Source Code Pro"/>
+              </a:rPr>
+              <a:t> 56, </a:t>
+            </a:r>
+            <a:r>
+              <a:rPr kumimoji="0" lang="ru-RU" altLang="ru-RU" sz="1000" b="0" i="0" u="none" strike="noStrike" cap="none" normalizeH="0" baseline="0" dirty="0" err="1">
+                <a:ln>
+                  <a:noFill/>
+                </a:ln>
+                <a:solidFill>
+                  <a:srgbClr val="7D353B"/>
+                </a:solidFill>
+                <a:effectLst/>
+                <a:latin typeface="Source Code Pro"/>
+              </a:rPr>
+              <a:t>in</a:t>
+            </a:r>
+            <a:r>
+              <a:rPr kumimoji="0" lang="ru-RU" altLang="ru-RU" sz="1000" b="0" i="0" u="none" strike="noStrike" cap="none" normalizeH="0" baseline="0" dirty="0">
+                <a:ln>
+                  <a:noFill/>
+                </a:ln>
+                <a:solidFill>
+                  <a:srgbClr val="7D353B"/>
+                </a:solidFill>
+                <a:effectLst/>
+                <a:latin typeface="Source Code Pro"/>
+              </a:rPr>
+              <a:t> </a:t>
+            </a:r>
+            <a:r>
+              <a:rPr kumimoji="0" lang="ru-RU" altLang="ru-RU" sz="1000" b="0" i="0" u="none" strike="noStrike" cap="none" normalizeH="0" baseline="0" dirty="0" err="1">
+                <a:ln>
+                  <a:noFill/>
+                </a:ln>
+                <a:solidFill>
+                  <a:srgbClr val="7D353B"/>
+                </a:solidFill>
+                <a:effectLst/>
+                <a:latin typeface="Source Code Pro"/>
+              </a:rPr>
+              <a:t>print_predictions</a:t>
+            </a:r>
+            <a:r>
+              <a:rPr kumimoji="0" lang="ru-RU" altLang="ru-RU" sz="1000" b="0" i="0" u="none" strike="noStrike" cap="none" normalizeH="0" baseline="0" dirty="0">
+                <a:ln>
+                  <a:noFill/>
+                </a:ln>
+                <a:solidFill>
+                  <a:srgbClr val="7D353B"/>
+                </a:solidFill>
+                <a:effectLst/>
+                <a:latin typeface="Source Code Pro"/>
+              </a:rPr>
+              <a:t> </a:t>
+            </a:r>
+            <a:r>
+              <a:rPr kumimoji="0" lang="ru-RU" altLang="ru-RU" sz="1000" b="0" i="0" u="none" strike="noStrike" cap="none" normalizeH="0" baseline="0" dirty="0" err="1">
+                <a:ln>
+                  <a:noFill/>
+                </a:ln>
+                <a:solidFill>
+                  <a:srgbClr val="7D353B"/>
+                </a:solidFill>
+                <a:effectLst/>
+                <a:latin typeface="Source Code Pro"/>
+              </a:rPr>
+              <a:t>st.write</a:t>
+            </a:r>
+            <a:r>
+              <a:rPr kumimoji="0" lang="ru-RU" altLang="ru-RU" sz="1000" b="0" i="0" u="none" strike="noStrike" cap="none" normalizeH="0" baseline="0" dirty="0">
+                <a:ln>
+                  <a:noFill/>
+                </a:ln>
+                <a:solidFill>
+                  <a:srgbClr val="7D353B"/>
+                </a:solidFill>
+                <a:effectLst/>
+                <a:latin typeface="Source Code Pro"/>
+              </a:rPr>
+              <a:t>('рус: ', </a:t>
+            </a:r>
+            <a:r>
+              <a:rPr kumimoji="0" lang="ru-RU" altLang="ru-RU" sz="1000" b="0" i="0" u="none" strike="noStrike" cap="none" normalizeH="0" baseline="0" dirty="0" err="1">
+                <a:ln>
+                  <a:noFill/>
+                </a:ln>
+                <a:solidFill>
+                  <a:srgbClr val="7D353B"/>
+                </a:solidFill>
+                <a:effectLst/>
+                <a:latin typeface="Source Code Pro"/>
+              </a:rPr>
+              <a:t>tr_test</a:t>
+            </a:r>
+            <a:r>
+              <a:rPr kumimoji="0" lang="ru-RU" altLang="ru-RU" sz="1000" b="0" i="0" u="none" strike="noStrike" cap="none" normalizeH="0" baseline="0" dirty="0">
+                <a:ln>
+                  <a:noFill/>
+                </a:ln>
+                <a:solidFill>
+                  <a:srgbClr val="7D353B"/>
+                </a:solidFill>
+                <a:effectLst/>
+                <a:latin typeface="Source Code Pro"/>
+              </a:rPr>
+              <a:t>[0]["</a:t>
+            </a:r>
+            <a:r>
+              <a:rPr kumimoji="0" lang="ru-RU" altLang="ru-RU" sz="1000" b="0" i="0" u="none" strike="noStrike" cap="none" normalizeH="0" baseline="0" dirty="0" err="1">
+                <a:ln>
+                  <a:noFill/>
+                </a:ln>
+                <a:solidFill>
+                  <a:srgbClr val="7D353B"/>
+                </a:solidFill>
+                <a:effectLst/>
+                <a:latin typeface="Source Code Pro"/>
+              </a:rPr>
+              <a:t>translation_text</a:t>
+            </a:r>
+            <a:r>
+              <a:rPr kumimoji="0" lang="ru-RU" altLang="ru-RU" sz="1000" b="0" i="0" u="none" strike="noStrike" cap="none" normalizeH="0" baseline="0" dirty="0">
+                <a:ln>
+                  <a:noFill/>
+                </a:ln>
+                <a:solidFill>
+                  <a:srgbClr val="7D353B"/>
+                </a:solidFill>
+                <a:effectLst/>
+                <a:latin typeface="Source Code Pro"/>
+              </a:rPr>
+              <a:t>"])</a:t>
+            </a:r>
+            <a:endParaRPr kumimoji="0" lang="ru-RU" altLang="ru-RU" sz="1800" b="0" i="0" u="none" strike="noStrike" cap="none" normalizeH="0" baseline="0" dirty="0">
+              <a:ln>
+                <a:noFill/>
+              </a:ln>
+              <a:solidFill>
+                <a:schemeClr val="tx1"/>
+              </a:solidFill>
+              <a:effectLst/>
               <a:latin typeface="Arial" panose="020B0604020202020204" pitchFamily="34" charset="0"/>
-              <a:ea typeface="+mj-ea"/>
-              <a:cs typeface="Arial" panose="020B0604020202020204" pitchFamily="34" charset="0"/>
             </a:endParaRPr>
           </a:p>
         </p:txBody>
@@ -6990,7 +12563,7 @@
     </p:spTree>
     <p:extLst>
       <p:ext uri="{BB962C8B-B14F-4D97-AF65-F5344CB8AC3E}">
-        <p14:creationId xmlns:p14="http://schemas.microsoft.com/office/powerpoint/2010/main" val="3602219001"/>
+        <p14:creationId xmlns:p14="http://schemas.microsoft.com/office/powerpoint/2010/main" val="3897578834"/>
       </p:ext>
     </p:extLst>
   </p:cSld>
